--- a/shell/presentations/02_git2.pptx
+++ b/shell/presentations/02_git2.pptx
@@ -5,50 +5,49 @@
     <p:sldMasterId id="2147483688" r:id="rId1"/>
   </p:sldMasterIdLst>
   <p:notesMasterIdLst>
-    <p:notesMasterId r:id="rId43"/>
+    <p:notesMasterId r:id="rId42"/>
   </p:notesMasterIdLst>
   <p:sldIdLst>
     <p:sldId id="256" r:id="rId2"/>
-    <p:sldId id="555" r:id="rId3"/>
-    <p:sldId id="265" r:id="rId4"/>
-    <p:sldId id="271" r:id="rId5"/>
-    <p:sldId id="487" r:id="rId6"/>
-    <p:sldId id="472" r:id="rId7"/>
-    <p:sldId id="540" r:id="rId8"/>
-    <p:sldId id="500" r:id="rId9"/>
-    <p:sldId id="524" r:id="rId10"/>
-    <p:sldId id="525" r:id="rId11"/>
-    <p:sldId id="526" r:id="rId12"/>
-    <p:sldId id="527" r:id="rId13"/>
-    <p:sldId id="528" r:id="rId14"/>
-    <p:sldId id="529" r:id="rId15"/>
-    <p:sldId id="539" r:id="rId16"/>
-    <p:sldId id="531" r:id="rId17"/>
-    <p:sldId id="546" r:id="rId18"/>
-    <p:sldId id="547" r:id="rId19"/>
-    <p:sldId id="520" r:id="rId20"/>
-    <p:sldId id="516" r:id="rId21"/>
-    <p:sldId id="517" r:id="rId22"/>
-    <p:sldId id="521" r:id="rId23"/>
-    <p:sldId id="541" r:id="rId24"/>
-    <p:sldId id="542" r:id="rId25"/>
-    <p:sldId id="543" r:id="rId26"/>
-    <p:sldId id="544" r:id="rId27"/>
-    <p:sldId id="545" r:id="rId28"/>
-    <p:sldId id="548" r:id="rId29"/>
-    <p:sldId id="550" r:id="rId30"/>
-    <p:sldId id="551" r:id="rId31"/>
-    <p:sldId id="552" r:id="rId32"/>
-    <p:sldId id="553" r:id="rId33"/>
-    <p:sldId id="554" r:id="rId34"/>
-    <p:sldId id="549" r:id="rId35"/>
-    <p:sldId id="496" r:id="rId36"/>
-    <p:sldId id="492" r:id="rId37"/>
-    <p:sldId id="491" r:id="rId38"/>
-    <p:sldId id="264" r:id="rId39"/>
-    <p:sldId id="522" r:id="rId40"/>
-    <p:sldId id="488" r:id="rId41"/>
-    <p:sldId id="499" r:id="rId42"/>
+    <p:sldId id="265" r:id="rId3"/>
+    <p:sldId id="271" r:id="rId4"/>
+    <p:sldId id="487" r:id="rId5"/>
+    <p:sldId id="472" r:id="rId6"/>
+    <p:sldId id="540" r:id="rId7"/>
+    <p:sldId id="500" r:id="rId8"/>
+    <p:sldId id="524" r:id="rId9"/>
+    <p:sldId id="525" r:id="rId10"/>
+    <p:sldId id="526" r:id="rId11"/>
+    <p:sldId id="527" r:id="rId12"/>
+    <p:sldId id="528" r:id="rId13"/>
+    <p:sldId id="529" r:id="rId14"/>
+    <p:sldId id="539" r:id="rId15"/>
+    <p:sldId id="531" r:id="rId16"/>
+    <p:sldId id="546" r:id="rId17"/>
+    <p:sldId id="547" r:id="rId18"/>
+    <p:sldId id="520" r:id="rId19"/>
+    <p:sldId id="516" r:id="rId20"/>
+    <p:sldId id="517" r:id="rId21"/>
+    <p:sldId id="521" r:id="rId22"/>
+    <p:sldId id="541" r:id="rId23"/>
+    <p:sldId id="542" r:id="rId24"/>
+    <p:sldId id="543" r:id="rId25"/>
+    <p:sldId id="544" r:id="rId26"/>
+    <p:sldId id="545" r:id="rId27"/>
+    <p:sldId id="548" r:id="rId28"/>
+    <p:sldId id="550" r:id="rId29"/>
+    <p:sldId id="551" r:id="rId30"/>
+    <p:sldId id="552" r:id="rId31"/>
+    <p:sldId id="553" r:id="rId32"/>
+    <p:sldId id="554" r:id="rId33"/>
+    <p:sldId id="549" r:id="rId34"/>
+    <p:sldId id="496" r:id="rId35"/>
+    <p:sldId id="492" r:id="rId36"/>
+    <p:sldId id="491" r:id="rId37"/>
+    <p:sldId id="264" r:id="rId38"/>
+    <p:sldId id="522" r:id="rId39"/>
+    <p:sldId id="488" r:id="rId40"/>
+    <p:sldId id="499" r:id="rId41"/>
   </p:sldIdLst>
   <p:sldSz cx="9144000" cy="6858000" type="screen4x3"/>
   <p:notesSz cx="6858000" cy="9144000"/>
@@ -293,7 +292,7 @@
             <a:fld id="{17F80633-BAA2-0049-BDEC-E483C21777A6}" type="datetimeFigureOut">
               <a:rPr lang="en-GB"/>
               <a:pPr/>
-              <a:t>03/10/2018</a:t>
+              <a:t>12/10/2018</a:t>
             </a:fld>
             <a:endParaRPr lang="en-GB"/>
           </a:p>
@@ -853,7 +852,7 @@
                 <a:latin typeface="Arial" charset="0"/>
               </a:rPr>
               <a:pPr/>
-              <a:t>5</a:t>
+              <a:t>4</a:t>
             </a:fld>
             <a:endParaRPr lang="en-GB">
               <a:latin typeface="Arial" charset="0"/>
@@ -1116,7 +1115,7 @@
                 <a:latin typeface="Arial" charset="0"/>
               </a:rPr>
               <a:pPr/>
-              <a:t>35</a:t>
+              <a:t>34</a:t>
             </a:fld>
             <a:endParaRPr lang="en-GB">
               <a:latin typeface="Arial" charset="0"/>
@@ -1379,7 +1378,7 @@
                 <a:latin typeface="Arial" charset="0"/>
               </a:rPr>
               <a:pPr/>
-              <a:t>36</a:t>
+              <a:t>35</a:t>
             </a:fld>
             <a:endParaRPr lang="en-GB">
               <a:latin typeface="Arial" charset="0"/>
@@ -1642,7 +1641,7 @@
                 <a:latin typeface="Arial" charset="0"/>
               </a:rPr>
               <a:pPr/>
-              <a:t>37</a:t>
+              <a:t>36</a:t>
             </a:fld>
             <a:endParaRPr lang="en-GB">
               <a:latin typeface="Arial" charset="0"/>
@@ -1906,7 +1905,7 @@
                 <a:latin typeface="Arial" charset="0"/>
               </a:rPr>
               <a:pPr/>
-              <a:t>38</a:t>
+              <a:t>37</a:t>
             </a:fld>
             <a:endParaRPr lang="en-GB">
               <a:latin typeface="Arial" charset="0"/>
@@ -2169,7 +2168,7 @@
                 <a:latin typeface="Arial" charset="0"/>
               </a:rPr>
               <a:pPr/>
-              <a:t>6</a:t>
+              <a:t>5</a:t>
             </a:fld>
             <a:endParaRPr lang="en-GB">
               <a:latin typeface="Arial" charset="0"/>
@@ -2432,7 +2431,7 @@
                 <a:latin typeface="Arial" charset="0"/>
               </a:rPr>
               <a:pPr/>
-              <a:t>8</a:t>
+              <a:t>7</a:t>
             </a:fld>
             <a:endParaRPr lang="en-GB">
               <a:latin typeface="Arial" charset="0"/>
@@ -2695,7 +2694,7 @@
                 <a:latin typeface="Arial" charset="0"/>
               </a:rPr>
               <a:pPr/>
-              <a:t>9</a:t>
+              <a:t>8</a:t>
             </a:fld>
             <a:endParaRPr lang="en-GB">
               <a:latin typeface="Arial" charset="0"/>
@@ -2970,7 +2969,7 @@
                 <a:latin typeface="Arial" charset="0"/>
               </a:rPr>
               <a:pPr/>
-              <a:t>10</a:t>
+              <a:t>9</a:t>
             </a:fld>
             <a:endParaRPr lang="en-GB">
               <a:latin typeface="Arial" charset="0"/>
@@ -3233,7 +3232,7 @@
                 <a:latin typeface="Arial" charset="0"/>
               </a:rPr>
               <a:pPr/>
-              <a:t>11</a:t>
+              <a:t>10</a:t>
             </a:fld>
             <a:endParaRPr lang="en-GB">
               <a:latin typeface="Arial" charset="0"/>
@@ -3496,7 +3495,7 @@
                 <a:latin typeface="Arial" charset="0"/>
               </a:rPr>
               <a:pPr/>
-              <a:t>12</a:t>
+              <a:t>11</a:t>
             </a:fld>
             <a:endParaRPr lang="en-GB">
               <a:latin typeface="Arial" charset="0"/>
@@ -3759,7 +3758,7 @@
                 <a:latin typeface="Arial" charset="0"/>
               </a:rPr>
               <a:pPr/>
-              <a:t>13</a:t>
+              <a:t>12</a:t>
             </a:fld>
             <a:endParaRPr lang="en-GB">
               <a:latin typeface="Arial" charset="0"/>
@@ -4022,7 +4021,7 @@
                 <a:latin typeface="Arial" charset="0"/>
               </a:rPr>
               <a:pPr/>
-              <a:t>14</a:t>
+              <a:t>13</a:t>
             </a:fld>
             <a:endParaRPr lang="en-GB">
               <a:latin typeface="Arial" charset="0"/>
@@ -4453,7 +4452,7 @@
             <a:fld id="{646265C4-D3EB-4033-9F2F-7AE1FCA20C43}" type="datetimeFigureOut">
               <a:rPr lang="en-GB" smtClean="0"/>
               <a:pPr/>
-              <a:t>03/10/2018</a:t>
+              <a:t>12/10/2018</a:t>
             </a:fld>
             <a:endParaRPr lang="en-GB" dirty="0"/>
           </a:p>
@@ -4680,7 +4679,7 @@
             <a:fld id="{646265C4-D3EB-4033-9F2F-7AE1FCA20C43}" type="datetimeFigureOut">
               <a:rPr lang="en-GB" smtClean="0"/>
               <a:pPr/>
-              <a:t>03/10/2018</a:t>
+              <a:t>12/10/2018</a:t>
             </a:fld>
             <a:endParaRPr lang="en-GB" dirty="0"/>
           </a:p>
@@ -8278,7 +8277,7 @@
             <a:fld id="{FA908017-0343-2E4A-A971-A34E43823FE2}" type="datetimeFigureOut">
               <a:rPr lang="en-GB" smtClean="0"/>
               <a:pPr/>
-              <a:t>03/10/2018</a:t>
+              <a:t>12/10/2018</a:t>
             </a:fld>
             <a:endParaRPr lang="en-GB"/>
           </a:p>
@@ -8966,120 +8965,14 @@
           <a:p>
             <a:pPr eaLnBrk="1" hangingPunct="1"/>
             <a:r>
-              <a:rPr lang="en-GB" sz="4000" dirty="0">
-                <a:latin typeface="Calibri" charset="0"/>
-              </a:rPr>
-              <a:t>Managing your code: quietly introducing </a:t>
-            </a:r>
-            <a:r>
-              <a:rPr lang="en-GB" sz="4000" i="1" dirty="0">
-                <a:latin typeface="Calibri" charset="0"/>
-              </a:rPr>
-              <a:t>Git</a:t>
-            </a:r>
-            <a:r>
-              <a:rPr lang="en-GB" sz="4000" dirty="0">
-                <a:latin typeface="Calibri" charset="0"/>
-              </a:rPr>
-              <a:t> - a friend for </a:t>
-            </a:r>
-            <a:r>
-              <a:rPr lang="en-GB" sz="4000" dirty="0" smtClean="0">
-                <a:latin typeface="Calibri" charset="0"/>
-              </a:rPr>
-              <a:t>life</a:t>
-            </a:r>
-            <a:br>
-              <a:rPr lang="en-GB" sz="4000" dirty="0" smtClean="0">
-                <a:latin typeface="Calibri" charset="0"/>
-              </a:rPr>
-            </a:br>
-            <a:r>
-              <a:rPr lang="en-GB" sz="4000" dirty="0" smtClean="0">
-                <a:latin typeface="Calibri" charset="0"/>
-              </a:rPr>
-              <a:t>Part 2</a:t>
-            </a:r>
-            <a:endParaRPr lang="en-GB" sz="4000" dirty="0">
+              <a:rPr lang="en-GB" dirty="0" smtClean="0">
+                <a:latin typeface="Calibri" charset="0"/>
+              </a:rPr>
+              <a:t>The Unix Shell</a:t>
+            </a:r>
+            <a:endParaRPr lang="en-GB" dirty="0">
               <a:latin typeface="Calibri" charset="0"/>
             </a:endParaRPr>
-          </a:p>
-        </p:txBody>
-      </p:sp>
-      <p:sp>
-        <p:nvSpPr>
-          <p:cNvPr id="6" name="Subtitle 2"/>
-          <p:cNvSpPr>
-            <a:spLocks noGrp="1"/>
-          </p:cNvSpPr>
-          <p:nvPr>
-            <p:ph type="subTitle" idx="1"/>
-          </p:nvPr>
-        </p:nvSpPr>
-        <p:spPr>
-          <a:xfrm>
-            <a:off x="2191704" y="894649"/>
-            <a:ext cx="6858000" cy="551951"/>
-          </a:xfrm>
-        </p:spPr>
-        <p:txBody>
-          <a:bodyPr rtlCol="0">
-            <a:noAutofit/>
-          </a:bodyPr>
-          <a:lstStyle/>
-          <a:p>
-            <a:pPr eaLnBrk="1" fontAlgn="auto" hangingPunct="1">
-              <a:spcAft>
-                <a:spcPts val="0"/>
-              </a:spcAft>
-              <a:buFont typeface="Arial" pitchFamily="34" charset="0"/>
-              <a:buNone/>
-              <a:defRPr/>
-            </a:pPr>
-            <a:r>
-              <a:rPr lang="en-GB" sz="1800" dirty="0" smtClean="0">
-                <a:solidFill>
-                  <a:srgbClr val="002060"/>
-                </a:solidFill>
-                <a:ea typeface="+mn-ea"/>
-              </a:rPr>
-              <a:t>Thanks to all contributors:</a:t>
-            </a:r>
-          </a:p>
-          <a:p>
-            <a:pPr eaLnBrk="1" fontAlgn="auto" hangingPunct="1">
-              <a:spcAft>
-                <a:spcPts val="0"/>
-              </a:spcAft>
-              <a:buFont typeface="Arial" pitchFamily="34" charset="0"/>
-              <a:buNone/>
-              <a:defRPr/>
-            </a:pPr>
-            <a:endParaRPr lang="en-GB" sz="1800" dirty="0" smtClean="0">
-              <a:solidFill>
-                <a:srgbClr val="002060"/>
-              </a:solidFill>
-              <a:ea typeface="+mn-ea"/>
-            </a:endParaRPr>
-          </a:p>
-          <a:p>
-            <a:pPr eaLnBrk="1" fontAlgn="auto" hangingPunct="1">
-              <a:spcAft>
-                <a:spcPts val="0"/>
-              </a:spcAft>
-              <a:buFont typeface="Arial" pitchFamily="34" charset="0"/>
-              <a:buNone/>
-              <a:defRPr/>
-            </a:pPr>
-            <a:r>
-              <a:rPr lang="en-GB" sz="1800" dirty="0" smtClean="0">
-                <a:solidFill>
-                  <a:schemeClr val="tx1"/>
-                </a:solidFill>
-                <a:ea typeface="+mn-ea"/>
-              </a:rPr>
-              <a:t>Alison Pamment, Sam Pepler, Ag Stephens, Stephen Pascoe, Kevin Marsh,  Anabelle Guillory, Graham Parton, Esther Conway, Eduardo Damasio Da Costa, Wendy Garland, Alan Iwi and Matt Pritchard.</a:t>
-            </a:r>
           </a:p>
         </p:txBody>
       </p:sp>
@@ -9191,8 +9084,67 @@
               <a:rPr lang="en-GB" sz="1400" dirty="0">
                 <a:latin typeface="+mn-lt"/>
               </a:rPr>
-              <a:t> Da Costa, Wendy Garland, Alan Iwi and Matt Pritchard.</a:t>
-            </a:r>
+              <a:t> Da Costa, Wendy Garland, Alan </a:t>
+            </a:r>
+            <a:r>
+              <a:rPr lang="en-GB" sz="1400" dirty="0" smtClean="0">
+                <a:latin typeface="+mn-lt"/>
+              </a:rPr>
+              <a:t>Iwi, Matt Pritchard and Tommy Godfrey.</a:t>
+            </a:r>
+            <a:endParaRPr lang="en-GB" sz="1400" dirty="0">
+              <a:latin typeface="+mn-lt"/>
+            </a:endParaRPr>
+          </a:p>
+        </p:txBody>
+      </p:sp>
+      <p:sp>
+        <p:nvSpPr>
+          <p:cNvPr id="2" name="Subtitle 1"/>
+          <p:cNvSpPr>
+            <a:spLocks noGrp="1"/>
+          </p:cNvSpPr>
+          <p:nvPr>
+            <p:ph type="subTitle" idx="1"/>
+          </p:nvPr>
+        </p:nvSpPr>
+        <p:spPr>
+          <a:xfrm>
+            <a:off x="342354" y="4202927"/>
+            <a:ext cx="8801645" cy="551951"/>
+          </a:xfrm>
+        </p:spPr>
+        <p:txBody>
+          <a:bodyPr>
+            <a:noAutofit/>
+          </a:bodyPr>
+          <a:lstStyle/>
+          <a:p>
+            <a:r>
+              <a:rPr lang="en-GB" dirty="0">
+                <a:latin typeface="Calibri" charset="0"/>
+              </a:rPr>
+              <a:t>Managing your code: quietly introducing </a:t>
+            </a:r>
+            <a:r>
+              <a:rPr lang="en-GB" i="1" dirty="0">
+                <a:latin typeface="Calibri" charset="0"/>
+              </a:rPr>
+              <a:t>Git</a:t>
+            </a:r>
+            <a:r>
+              <a:rPr lang="en-GB" dirty="0">
+                <a:latin typeface="Calibri" charset="0"/>
+              </a:rPr>
+              <a:t> - a friend for </a:t>
+            </a:r>
+            <a:r>
+              <a:rPr lang="en-GB" dirty="0" smtClean="0">
+                <a:latin typeface="Calibri" charset="0"/>
+              </a:rPr>
+              <a:t>life - Part 2</a:t>
+            </a:r>
+            <a:endParaRPr lang="en-GB" dirty="0"/>
           </a:p>
         </p:txBody>
       </p:sp>
@@ -9230,102 +9182,6 @@
       </p:grpSpPr>
       <p:sp>
         <p:nvSpPr>
-          <p:cNvPr id="12290" name="Title 1"/>
-          <p:cNvSpPr>
-            <a:spLocks noGrp="1"/>
-          </p:cNvSpPr>
-          <p:nvPr>
-            <p:ph type="title"/>
-          </p:nvPr>
-        </p:nvSpPr>
-        <p:spPr/>
-        <p:txBody>
-          <a:bodyPr/>
-          <a:lstStyle/>
-          <a:p>
-            <a:r>
-              <a:rPr lang="en-GB" dirty="0">
-                <a:latin typeface="Calibri" charset="0"/>
-              </a:rPr>
-              <a:t>GitHub: organisations</a:t>
-            </a:r>
-          </a:p>
-        </p:txBody>
-      </p:sp>
-      <p:pic>
-        <p:nvPicPr>
-          <p:cNvPr id="12291" name="Picture 2"/>
-          <p:cNvPicPr>
-            <a:picLocks noGrp="1" noChangeAspect="1" noChangeArrowheads="1"/>
-          </p:cNvPicPr>
-          <p:nvPr>
-            <p:ph idx="1"/>
-          </p:nvPr>
-        </p:nvPicPr>
-        <p:blipFill>
-          <a:blip r:embed="rId3" cstate="email">
-            <a:extLst>
-              <a:ext uri="{28A0092B-C50C-407E-A947-70E740481C1C}">
-                <a14:useLocalDpi xmlns:a14="http://schemas.microsoft.com/office/drawing/2010/main" val="0"/>
-              </a:ext>
-            </a:extLst>
-          </a:blip>
-          <a:stretch>
-            <a:fillRect/>
-          </a:stretch>
-        </p:blipFill>
-        <p:spPr>
-          <a:xfrm>
-            <a:off x="1537068" y="1383204"/>
-            <a:ext cx="6096851" cy="4334480"/>
-          </a:xfrm>
-          <a:noFill/>
-          <a:ln>
-            <a:solidFill>
-              <a:schemeClr val="tx1"/>
-            </a:solidFill>
-            <a:miter lim="800000"/>
-            <a:headEnd/>
-            <a:tailEnd/>
-          </a:ln>
-          <a:extLst>
-            <a:ext uri="{909E8E84-426E-40dd-AFC4-6F175D3DCCD1}">
-              <a14:hiddenFill xmlns:a14="http://schemas.microsoft.com/office/drawing/2010/main" xmlns="">
-                <a:solidFill>
-                  <a:schemeClr val="accent1"/>
-                </a:solidFill>
-              </a14:hiddenFill>
-            </a:ext>
-          </a:extLst>
-        </p:spPr>
-      </p:pic>
-    </p:spTree>
-  </p:cSld>
-  <p:clrMapOvr>
-    <a:masterClrMapping/>
-  </p:clrMapOvr>
-</p:sld>
-</file>
-
-<file path=ppt/slides/slide11.xml><?xml version="1.0" encoding="utf-8"?>
-<p:sld xmlns:a="http://schemas.openxmlformats.org/drawingml/2006/main" xmlns:r="http://schemas.openxmlformats.org/officeDocument/2006/relationships" xmlns:p="http://schemas.openxmlformats.org/presentationml/2006/main">
-  <p:cSld>
-    <p:spTree>
-      <p:nvGrpSpPr>
-        <p:cNvPr id="1" name=""/>
-        <p:cNvGrpSpPr/>
-        <p:nvPr/>
-      </p:nvGrpSpPr>
-      <p:grpSpPr>
-        <a:xfrm>
-          <a:off x="0" y="0"/>
-          <a:ext cx="0" cy="0"/>
-          <a:chOff x="0" y="0"/>
-          <a:chExt cx="0" cy="0"/>
-        </a:xfrm>
-      </p:grpSpPr>
-      <p:sp>
-        <p:nvSpPr>
           <p:cNvPr id="13314" name="Title 1"/>
           <p:cNvSpPr>
             <a:spLocks noGrp="1"/>
@@ -9381,7 +9237,7 @@
         </p:blipFill>
         <p:spPr>
           <a:xfrm>
-            <a:off x="2451596" y="2035757"/>
+            <a:off x="4526580" y="2837142"/>
             <a:ext cx="4267796" cy="3029373"/>
           </a:xfrm>
           <a:noFill/>
@@ -9421,7 +9277,7 @@
         </p:blipFill>
         <p:spPr bwMode="auto">
           <a:xfrm>
-            <a:off x="531813" y="1298575"/>
+            <a:off x="376518" y="1175285"/>
             <a:ext cx="4756511" cy="2749443"/>
           </a:xfrm>
           <a:prstGeom prst="rect">
@@ -9455,7 +9311,7 @@
 </p:sld>
 </file>
 
-<file path=ppt/slides/slide12.xml><?xml version="1.0" encoding="utf-8"?>
+<file path=ppt/slides/slide11.xml><?xml version="1.0" encoding="utf-8"?>
 <p:sld xmlns:a="http://schemas.openxmlformats.org/drawingml/2006/main" xmlns:r="http://schemas.openxmlformats.org/officeDocument/2006/relationships" xmlns:p="http://schemas.openxmlformats.org/presentationml/2006/main">
   <p:cSld>
     <p:spTree>
@@ -9552,7 +9408,7 @@
 </p:sld>
 </file>
 
-<file path=ppt/slides/slide13.xml><?xml version="1.0" encoding="utf-8"?>
+<file path=ppt/slides/slide12.xml><?xml version="1.0" encoding="utf-8"?>
 <p:sld xmlns:a="http://schemas.openxmlformats.org/drawingml/2006/main" xmlns:r="http://schemas.openxmlformats.org/officeDocument/2006/relationships" xmlns:p="http://schemas.openxmlformats.org/presentationml/2006/main">
   <p:cSld>
     <p:spTree>
@@ -9649,7 +9505,7 @@
 </p:sld>
 </file>
 
-<file path=ppt/slides/slide14.xml><?xml version="1.0" encoding="utf-8"?>
+<file path=ppt/slides/slide13.xml><?xml version="1.0" encoding="utf-8"?>
 <p:sld xmlns:a="http://schemas.openxmlformats.org/drawingml/2006/main" xmlns:r="http://schemas.openxmlformats.org/officeDocument/2006/relationships" xmlns:p="http://schemas.openxmlformats.org/presentationml/2006/main">
   <p:cSld>
     <p:spTree>
@@ -9755,7 +9611,7 @@
 </p:sld>
 </file>
 
-<file path=ppt/slides/slide15.xml><?xml version="1.0" encoding="utf-8"?>
+<file path=ppt/slides/slide14.xml><?xml version="1.0" encoding="utf-8"?>
 <p:sld xmlns:a="http://schemas.openxmlformats.org/drawingml/2006/main" xmlns:r="http://schemas.openxmlformats.org/officeDocument/2006/relationships" xmlns:p="http://schemas.openxmlformats.org/presentationml/2006/main">
   <p:cSld>
     <p:spTree>
@@ -9788,12 +9644,18 @@
           <a:lstStyle/>
           <a:p>
             <a:r>
-              <a:rPr lang="en-GB" sz="4000" dirty="0" err="1" smtClean="0"/>
-              <a:t>Github</a:t>
+              <a:rPr lang="en-GB" sz="4000" dirty="0">
+                <a:latin typeface="Calibri" charset="0"/>
+              </a:rPr>
+              <a:t>GitHub</a:t>
             </a:r>
             <a:r>
               <a:rPr lang="en-GB" sz="4000" dirty="0" smtClean="0"/>
-              <a:t> does lots of funky things, but</a:t>
+              <a:t> </a:t>
+            </a:r>
+            <a:r>
+              <a:rPr lang="en-GB" sz="4000" dirty="0" smtClean="0"/>
+              <a:t>does lots of funky things, but</a:t>
             </a:r>
             <a:r>
               <a:rPr lang="mr-IN" sz="4000" dirty="0" smtClean="0"/>
@@ -9862,7 +9724,7 @@
 </p:sld>
 </file>
 
-<file path=ppt/slides/slide16.xml><?xml version="1.0" encoding="utf-8"?>
+<file path=ppt/slides/slide15.xml><?xml version="1.0" encoding="utf-8"?>
 <p:sld xmlns:a="http://schemas.openxmlformats.org/drawingml/2006/main" xmlns:r="http://schemas.openxmlformats.org/officeDocument/2006/relationships" xmlns:p="http://schemas.openxmlformats.org/presentationml/2006/main">
   <p:cSld>
     <p:spTree>
@@ -9903,10 +9765,25 @@
               <a:rPr lang="en-GB" dirty="0" smtClean="0">
                 <a:latin typeface="Calibri" charset="0"/>
               </a:rPr>
-              <a:t>Where to start 1: Git clone</a:t>
+              <a:t>Where to start 1: </a:t>
+            </a:r>
+            <a:r>
+              <a:rPr lang="en-GB" dirty="0" smtClean="0">
+                <a:latin typeface="Courier New" panose="02070309020205020404" pitchFamily="49" charset="0"/>
+                <a:cs typeface="Courier New" panose="02070309020205020404" pitchFamily="49" charset="0"/>
+              </a:rPr>
+              <a:t>git </a:t>
+            </a:r>
+            <a:r>
+              <a:rPr lang="en-GB" dirty="0" smtClean="0">
+                <a:latin typeface="Courier New" panose="02070309020205020404" pitchFamily="49" charset="0"/>
+                <a:cs typeface="Courier New" panose="02070309020205020404" pitchFamily="49" charset="0"/>
+              </a:rPr>
+              <a:t>clone</a:t>
             </a:r>
             <a:endParaRPr lang="en-GB" dirty="0">
-              <a:latin typeface="Calibri" charset="0"/>
+              <a:latin typeface="Courier New" panose="02070309020205020404" pitchFamily="49" charset="0"/>
+              <a:cs typeface="Courier New" panose="02070309020205020404" pitchFamily="49" charset="0"/>
             </a:endParaRPr>
           </a:p>
         </p:txBody>
@@ -10009,8 +9886,27 @@
                 <a:ea typeface="+mn-ea"/>
                 <a:cs typeface="Courier New" panose="02070309020205020404" pitchFamily="49" charset="0"/>
               </a:rPr>
-              <a:t>  https://agstephens@github.com/agstephens/keep-safe</a:t>
-            </a:r>
+              <a:t>  https</a:t>
+            </a:r>
+            <a:r>
+              <a:rPr lang="en-GB" sz="2000" dirty="0" smtClean="0">
+                <a:solidFill>
+                  <a:schemeClr val="lt1"/>
+                </a:solidFill>
+                <a:latin typeface="Courier New" panose="02070309020205020404" pitchFamily="49" charset="0"/>
+                <a:ea typeface="+mn-ea"/>
+                <a:cs typeface="Courier New" panose="02070309020205020404" pitchFamily="49" charset="0"/>
+              </a:rPr>
+              <a:t>://github.com/agstephens/keep-safe</a:t>
+            </a:r>
+            <a:endParaRPr lang="en-GB" sz="2000" dirty="0">
+              <a:solidFill>
+                <a:schemeClr val="lt1"/>
+              </a:solidFill>
+              <a:latin typeface="Courier New" panose="02070309020205020404" pitchFamily="49" charset="0"/>
+              <a:ea typeface="+mn-ea"/>
+              <a:cs typeface="Courier New" panose="02070309020205020404" pitchFamily="49" charset="0"/>
+            </a:endParaRPr>
           </a:p>
           <a:p>
             <a:pPr>
@@ -10185,7 +10081,7 @@
 </p:sld>
 </file>
 
-<file path=ppt/slides/slide17.xml><?xml version="1.0" encoding="utf-8"?>
+<file path=ppt/slides/slide16.xml><?xml version="1.0" encoding="utf-8"?>
 <p:sld xmlns:a="http://schemas.openxmlformats.org/drawingml/2006/main" xmlns:r="http://schemas.openxmlformats.org/officeDocument/2006/relationships" xmlns:p="http://schemas.openxmlformats.org/presentationml/2006/main">
   <p:cSld>
     <p:spTree>
@@ -10236,10 +10132,10 @@
               <a:t>repository on </a:t>
             </a:r>
             <a:r>
-              <a:rPr lang="en-GB" dirty="0" err="1" smtClean="0">
-                <a:latin typeface="Calibri" charset="0"/>
-              </a:rPr>
-              <a:t>Github</a:t>
+              <a:rPr lang="en-GB" dirty="0">
+                <a:latin typeface="Calibri" charset="0"/>
+              </a:rPr>
+              <a:t>GitHub</a:t>
             </a:r>
             <a:endParaRPr lang="en-GB" dirty="0">
               <a:latin typeface="Calibri" charset="0"/>
@@ -10481,7 +10377,7 @@
 </p:sld>
 </file>
 
-<file path=ppt/slides/slide18.xml><?xml version="1.0" encoding="utf-8"?>
+<file path=ppt/slides/slide17.xml><?xml version="1.0" encoding="utf-8"?>
 <p:sld xmlns:a="http://schemas.openxmlformats.org/drawingml/2006/main" xmlns:r="http://schemas.openxmlformats.org/officeDocument/2006/relationships" xmlns:p="http://schemas.openxmlformats.org/presentationml/2006/main">
   <p:cSld>
     <p:spTree>
@@ -10919,7 +10815,7 @@
 </p:sld>
 </file>
 
-<file path=ppt/slides/slide19.xml><?xml version="1.0" encoding="utf-8"?>
+<file path=ppt/slides/slide18.xml><?xml version="1.0" encoding="utf-8"?>
 <p:sld xmlns:a="http://schemas.openxmlformats.org/drawingml/2006/main" xmlns:r="http://schemas.openxmlformats.org/officeDocument/2006/relationships" xmlns:p="http://schemas.openxmlformats.org/presentationml/2006/main">
   <p:cSld>
     <p:spTree>
@@ -11573,229 +11469,7 @@
 </p:sld>
 </file>
 
-<file path=ppt/slides/slide2.xml><?xml version="1.0" encoding="utf-8"?>
-<p:sld xmlns:a="http://schemas.openxmlformats.org/drawingml/2006/main" xmlns:r="http://schemas.openxmlformats.org/officeDocument/2006/relationships" xmlns:p="http://schemas.openxmlformats.org/presentationml/2006/main">
-  <p:cSld>
-    <p:spTree>
-      <p:nvGrpSpPr>
-        <p:cNvPr id="1" name=""/>
-        <p:cNvGrpSpPr/>
-        <p:nvPr/>
-      </p:nvGrpSpPr>
-      <p:grpSpPr>
-        <a:xfrm>
-          <a:off x="0" y="0"/>
-          <a:ext cx="0" cy="0"/>
-          <a:chOff x="0" y="0"/>
-          <a:chExt cx="0" cy="0"/>
-        </a:xfrm>
-      </p:grpSpPr>
-      <p:sp>
-        <p:nvSpPr>
-          <p:cNvPr id="5" name="Title 4"/>
-          <p:cNvSpPr>
-            <a:spLocks noGrp="1"/>
-          </p:cNvSpPr>
-          <p:nvPr>
-            <p:ph type="ctrTitle"/>
-          </p:nvPr>
-        </p:nvSpPr>
-        <p:spPr/>
-        <p:txBody>
-          <a:bodyPr/>
-          <a:lstStyle/>
-          <a:p>
-            <a:r>
-              <a:rPr lang="en-GB" dirty="0" smtClean="0"/>
-              <a:t>The Unix Shell</a:t>
-            </a:r>
-            <a:endParaRPr lang="en-GB" dirty="0"/>
-          </a:p>
-        </p:txBody>
-      </p:sp>
-      <p:sp>
-        <p:nvSpPr>
-          <p:cNvPr id="6" name="Subtitle 5"/>
-          <p:cNvSpPr>
-            <a:spLocks noGrp="1"/>
-          </p:cNvSpPr>
-          <p:nvPr>
-            <p:ph type="subTitle" idx="1"/>
-          </p:nvPr>
-        </p:nvSpPr>
-        <p:spPr>
-          <a:xfrm>
-            <a:off x="342353" y="4202927"/>
-            <a:ext cx="8801647" cy="551951"/>
-          </a:xfrm>
-        </p:spPr>
-        <p:txBody>
-          <a:bodyPr>
-            <a:noAutofit/>
-          </a:bodyPr>
-          <a:lstStyle/>
-          <a:p>
-            <a:r>
-              <a:rPr lang="en-GB" dirty="0">
-                <a:latin typeface="Calibri" charset="0"/>
-              </a:rPr>
-              <a:t>Managing your code: quietly introducing </a:t>
-            </a:r>
-            <a:r>
-              <a:rPr lang="en-GB" i="1" dirty="0">
-                <a:latin typeface="Calibri" charset="0"/>
-              </a:rPr>
-              <a:t>Git</a:t>
-            </a:r>
-            <a:r>
-              <a:rPr lang="en-GB" dirty="0">
-                <a:latin typeface="Calibri" charset="0"/>
-              </a:rPr>
-              <a:t> - a friend for </a:t>
-            </a:r>
-            <a:r>
-              <a:rPr lang="en-GB" dirty="0" smtClean="0">
-                <a:latin typeface="Calibri" charset="0"/>
-              </a:rPr>
-              <a:t>life - Part </a:t>
-            </a:r>
-            <a:r>
-              <a:rPr lang="en-GB" dirty="0">
-                <a:latin typeface="Calibri" charset="0"/>
-              </a:rPr>
-              <a:t>2</a:t>
-            </a:r>
-            <a:endParaRPr lang="en-GB" dirty="0"/>
-          </a:p>
-        </p:txBody>
-      </p:sp>
-      <p:sp>
-        <p:nvSpPr>
-          <p:cNvPr id="7" name="Subtitle 2"/>
-          <p:cNvSpPr txBox="1">
-            <a:spLocks/>
-          </p:cNvSpPr>
-          <p:nvPr/>
-        </p:nvSpPr>
-        <p:spPr>
-          <a:xfrm>
-            <a:off x="342900" y="4754563"/>
-            <a:ext cx="8621713" cy="1266825"/>
-          </a:xfrm>
-          <a:prstGeom prst="rect">
-            <a:avLst/>
-          </a:prstGeom>
-        </p:spPr>
-        <p:txBody>
-          <a:bodyPr>
-            <a:normAutofit/>
-          </a:bodyPr>
-          <a:lstStyle/>
-          <a:p>
-            <a:pPr marL="342900" indent="-342900" eaLnBrk="1" fontAlgn="auto" hangingPunct="1">
-              <a:spcBef>
-                <a:spcPct val="20000"/>
-              </a:spcBef>
-              <a:spcAft>
-                <a:spcPts val="0"/>
-              </a:spcAft>
-              <a:defRPr/>
-            </a:pPr>
-            <a:r>
-              <a:rPr lang="en-GB" sz="1400" dirty="0">
-                <a:solidFill>
-                  <a:srgbClr val="002060"/>
-                </a:solidFill>
-                <a:latin typeface="+mn-lt"/>
-                <a:cs typeface="+mn-cs"/>
-              </a:rPr>
-              <a:t>Thanks to all contributors:</a:t>
-            </a:r>
-          </a:p>
-          <a:p>
-            <a:pPr eaLnBrk="1" fontAlgn="auto" hangingPunct="1">
-              <a:spcAft>
-                <a:spcPts val="0"/>
-              </a:spcAft>
-              <a:buFont typeface="Arial" pitchFamily="34" charset="0"/>
-              <a:buNone/>
-              <a:defRPr/>
-            </a:pPr>
-            <a:endParaRPr lang="en-GB" sz="1400" dirty="0">
-              <a:solidFill>
-                <a:srgbClr val="002060"/>
-              </a:solidFill>
-              <a:latin typeface="+mn-lt"/>
-            </a:endParaRPr>
-          </a:p>
-          <a:p>
-            <a:pPr eaLnBrk="1" fontAlgn="auto" hangingPunct="1">
-              <a:spcAft>
-                <a:spcPts val="0"/>
-              </a:spcAft>
-              <a:buFont typeface="Arial" pitchFamily="34" charset="0"/>
-              <a:buNone/>
-              <a:defRPr/>
-            </a:pPr>
-            <a:r>
-              <a:rPr lang="en-GB" sz="1400" dirty="0">
-                <a:latin typeface="+mn-lt"/>
-              </a:rPr>
-              <a:t>Alison </a:t>
-            </a:r>
-            <a:r>
-              <a:rPr lang="en-GB" sz="1400" dirty="0" err="1">
-                <a:latin typeface="+mn-lt"/>
-              </a:rPr>
-              <a:t>Pamment</a:t>
-            </a:r>
-            <a:r>
-              <a:rPr lang="en-GB" sz="1400" dirty="0">
-                <a:latin typeface="+mn-lt"/>
-              </a:rPr>
-              <a:t>, Sam </a:t>
-            </a:r>
-            <a:r>
-              <a:rPr lang="en-GB" sz="1400" dirty="0" err="1">
-                <a:latin typeface="+mn-lt"/>
-              </a:rPr>
-              <a:t>Pepler</a:t>
-            </a:r>
-            <a:r>
-              <a:rPr lang="en-GB" sz="1400" dirty="0">
-                <a:latin typeface="+mn-lt"/>
-              </a:rPr>
-              <a:t>, Ag Stephens, Stephen Pascoe, Kevin Marsh,  Anabelle Guillory, Graham Parton, Esther Conway, Eduardo </a:t>
-            </a:r>
-            <a:r>
-              <a:rPr lang="en-GB" sz="1400" dirty="0" err="1">
-                <a:latin typeface="+mn-lt"/>
-              </a:rPr>
-              <a:t>Damasio</a:t>
-            </a:r>
-            <a:r>
-              <a:rPr lang="en-GB" sz="1400" dirty="0">
-                <a:latin typeface="+mn-lt"/>
-              </a:rPr>
-              <a:t> Da Costa, Wendy Garland, Alan Iwi and Matt Pritchard.</a:t>
-            </a:r>
-          </a:p>
-        </p:txBody>
-      </p:sp>
-    </p:spTree>
-    <p:extLst>
-      <p:ext uri="{BB962C8B-B14F-4D97-AF65-F5344CB8AC3E}">
-        <p14:creationId xmlns:p14="http://schemas.microsoft.com/office/powerpoint/2010/main" val="769529521"/>
-      </p:ext>
-    </p:extLst>
-  </p:cSld>
-  <p:clrMapOvr>
-    <a:masterClrMapping/>
-  </p:clrMapOvr>
-</p:sld>
-</file>
-
-<file path=ppt/slides/slide20.xml><?xml version="1.0" encoding="utf-8"?>
+<file path=ppt/slides/slide19.xml><?xml version="1.0" encoding="utf-8"?>
 <p:sld xmlns:a="http://schemas.openxmlformats.org/drawingml/2006/main" xmlns:r="http://schemas.openxmlformats.org/officeDocument/2006/relationships" xmlns:p="http://schemas.openxmlformats.org/presentationml/2006/main">
   <p:cSld>
     <p:spTree>
@@ -12779,3085 +12453,7 @@
 </p:sld>
 </file>
 
-<file path=ppt/slides/slide21.xml><?xml version="1.0" encoding="utf-8"?>
-<p:sld xmlns:a="http://schemas.openxmlformats.org/drawingml/2006/main" xmlns:r="http://schemas.openxmlformats.org/officeDocument/2006/relationships" xmlns:p="http://schemas.openxmlformats.org/presentationml/2006/main">
-  <p:cSld>
-    <p:spTree>
-      <p:nvGrpSpPr>
-        <p:cNvPr id="1" name=""/>
-        <p:cNvGrpSpPr/>
-        <p:nvPr/>
-      </p:nvGrpSpPr>
-      <p:grpSpPr>
-        <a:xfrm>
-          <a:off x="0" y="0"/>
-          <a:ext cx="0" cy="0"/>
-          <a:chOff x="0" y="0"/>
-          <a:chExt cx="0" cy="0"/>
-        </a:xfrm>
-      </p:grpSpPr>
-      <p:sp>
-        <p:nvSpPr>
-          <p:cNvPr id="27650" name="Title 1"/>
-          <p:cNvSpPr>
-            <a:spLocks noGrp="1"/>
-          </p:cNvSpPr>
-          <p:nvPr>
-            <p:ph type="title"/>
-          </p:nvPr>
-        </p:nvSpPr>
-        <p:spPr/>
-        <p:txBody>
-          <a:bodyPr/>
-          <a:lstStyle/>
-          <a:p>
-            <a:r>
-              <a:rPr lang="en-GB" dirty="0" smtClean="0">
-                <a:latin typeface="Calibri" charset="0"/>
-              </a:rPr>
-              <a:t>Let's </a:t>
-            </a:r>
-            <a:r>
-              <a:rPr lang="en-GB" dirty="0">
-                <a:latin typeface="Calibri" charset="0"/>
-              </a:rPr>
-              <a:t>look on GitHub</a:t>
-            </a:r>
-          </a:p>
-        </p:txBody>
-      </p:sp>
-      <p:sp>
-        <p:nvSpPr>
-          <p:cNvPr id="27651" name="Content Placeholder 2"/>
-          <p:cNvSpPr>
-            <a:spLocks noGrp="1"/>
-          </p:cNvSpPr>
-          <p:nvPr>
-            <p:ph idx="1"/>
-          </p:nvPr>
-        </p:nvSpPr>
-        <p:spPr>
-          <a:xfrm>
-            <a:off x="376518" y="1255997"/>
-            <a:ext cx="7899400" cy="850900"/>
-          </a:xfrm>
-        </p:spPr>
-        <p:txBody>
-          <a:bodyPr/>
-          <a:lstStyle/>
-          <a:p>
-            <a:pPr marL="0" indent="0">
-              <a:buFont typeface="Arial" charset="0"/>
-              <a:buNone/>
-            </a:pPr>
-            <a:r>
-              <a:rPr lang="en-GB" dirty="0" smtClean="0">
-                <a:latin typeface="Calibri" charset="0"/>
-              </a:rPr>
-              <a:t>Before</a:t>
-            </a:r>
-            <a:r>
-              <a:rPr lang="mr-IN" dirty="0" smtClean="0">
-                <a:latin typeface="Calibri" charset="0"/>
-              </a:rPr>
-              <a:t>…</a:t>
-            </a:r>
-            <a:endParaRPr lang="en-GB" dirty="0">
-              <a:latin typeface="Calibri" charset="0"/>
-            </a:endParaRPr>
-          </a:p>
-        </p:txBody>
-      </p:sp>
-      <p:pic>
-        <p:nvPicPr>
-          <p:cNvPr id="2" name="Picture 1" descr="Screen Shot 2017-02-23 at 11.11.53.png"/>
-          <p:cNvPicPr>
-            <a:picLocks noChangeAspect="1"/>
-          </p:cNvPicPr>
-          <p:nvPr/>
-        </p:nvPicPr>
-        <p:blipFill>
-          <a:blip r:embed="rId2" cstate="email">
-            <a:extLst>
-              <a:ext uri="{28A0092B-C50C-407E-A947-70E740481C1C}">
-                <a14:useLocalDpi xmlns:a14="http://schemas.microsoft.com/office/drawing/2010/main" val="0"/>
-              </a:ext>
-            </a:extLst>
-          </a:blip>
-          <a:stretch>
-            <a:fillRect/>
-          </a:stretch>
-        </p:blipFill>
-        <p:spPr>
-          <a:xfrm>
-            <a:off x="26894" y="1739901"/>
-            <a:ext cx="9117106" cy="1796474"/>
-          </a:xfrm>
-          <a:prstGeom prst="rect">
-            <a:avLst/>
-          </a:prstGeom>
-        </p:spPr>
-      </p:pic>
-      <p:sp>
-        <p:nvSpPr>
-          <p:cNvPr id="5" name="Content Placeholder 2"/>
-          <p:cNvSpPr txBox="1">
-            <a:spLocks/>
-          </p:cNvSpPr>
-          <p:nvPr/>
-        </p:nvSpPr>
-        <p:spPr bwMode="auto">
-          <a:xfrm>
-            <a:off x="376518" y="3536375"/>
-            <a:ext cx="7899400" cy="850900"/>
-          </a:xfrm>
-          <a:prstGeom prst="rect">
-            <a:avLst/>
-          </a:prstGeom>
-          <a:noFill/>
-          <a:ln>
-            <a:noFill/>
-          </a:ln>
-          <a:extLst>
-            <a:ext uri="{FAA26D3D-D897-4be2-8F04-BA451C77F1D7}">
-              <ma14:placeholderFlag xmlns="" xmlns:ma14="http://schemas.microsoft.com/office/mac/drawingml/2011/main" val="1"/>
-            </a:ext>
-            <a:ext uri="{909E8E84-426E-40dd-AFC4-6F175D3DCCD1}">
-              <a14:hiddenFill xmlns:a14="http://schemas.microsoft.com/office/drawing/2010/main" xmlns="">
-                <a:solidFill>
-                  <a:srgbClr val="FFFFFF"/>
-                </a:solidFill>
-              </a14:hiddenFill>
-            </a:ext>
-            <a:ext uri="{91240B29-F687-4f45-9708-019B960494DF}">
-              <a14:hiddenLine xmlns:a14="http://schemas.microsoft.com/office/drawing/2010/main" xmlns="" w="9525">
-                <a:solidFill>
-                  <a:srgbClr val="000000"/>
-                </a:solidFill>
-                <a:miter lim="800000"/>
-                <a:headEnd/>
-                <a:tailEnd/>
-              </a14:hiddenLine>
-            </a:ext>
-          </a:extLst>
-        </p:spPr>
-        <p:txBody>
-          <a:bodyPr vert="horz" wrap="square" lIns="91440" tIns="45720" rIns="91440" bIns="45720" numCol="1" anchor="t" anchorCtr="0" compatLnSpc="1">
-            <a:prstTxWarp prst="textNoShape">
-              <a:avLst/>
-            </a:prstTxWarp>
-          </a:bodyPr>
-          <a:lstStyle>
-            <a:lvl1pPr marL="342900" indent="-342900" algn="l" rtl="0" eaLnBrk="0" fontAlgn="base" hangingPunct="0">
-              <a:spcBef>
-                <a:spcPct val="20000"/>
-              </a:spcBef>
-              <a:spcAft>
-                <a:spcPct val="0"/>
-              </a:spcAft>
-              <a:buFont typeface="Arial" charset="0"/>
-              <a:buChar char="•"/>
-              <a:defRPr sz="3200" kern="1200">
-                <a:solidFill>
-                  <a:schemeClr val="tx1"/>
-                </a:solidFill>
-                <a:latin typeface="+mn-lt"/>
-                <a:ea typeface="ＭＳ Ｐゴシック" charset="0"/>
-                <a:cs typeface="+mn-cs"/>
-              </a:defRPr>
-            </a:lvl1pPr>
-            <a:lvl2pPr marL="742950" indent="-285750" algn="l" rtl="0" eaLnBrk="0" fontAlgn="base" hangingPunct="0">
-              <a:spcBef>
-                <a:spcPct val="20000"/>
-              </a:spcBef>
-              <a:spcAft>
-                <a:spcPct val="0"/>
-              </a:spcAft>
-              <a:buFont typeface="Arial" charset="0"/>
-              <a:buChar char="–"/>
-              <a:defRPr sz="2800" kern="1200">
-                <a:solidFill>
-                  <a:schemeClr val="tx1"/>
-                </a:solidFill>
-                <a:latin typeface="+mn-lt"/>
-                <a:ea typeface="ＭＳ Ｐゴシック" charset="0"/>
-                <a:cs typeface="+mn-cs"/>
-              </a:defRPr>
-            </a:lvl2pPr>
-            <a:lvl3pPr marL="1143000" indent="-228600" algn="l" rtl="0" eaLnBrk="0" fontAlgn="base" hangingPunct="0">
-              <a:spcBef>
-                <a:spcPct val="20000"/>
-              </a:spcBef>
-              <a:spcAft>
-                <a:spcPct val="0"/>
-              </a:spcAft>
-              <a:buFont typeface="Arial" charset="0"/>
-              <a:buChar char="•"/>
-              <a:defRPr sz="2400" kern="1200">
-                <a:solidFill>
-                  <a:schemeClr val="tx1"/>
-                </a:solidFill>
-                <a:latin typeface="+mn-lt"/>
-                <a:ea typeface="ＭＳ Ｐゴシック" charset="0"/>
-                <a:cs typeface="+mn-cs"/>
-              </a:defRPr>
-            </a:lvl3pPr>
-            <a:lvl4pPr marL="1600200" indent="-228600" algn="l" rtl="0" eaLnBrk="0" fontAlgn="base" hangingPunct="0">
-              <a:spcBef>
-                <a:spcPct val="20000"/>
-              </a:spcBef>
-              <a:spcAft>
-                <a:spcPct val="0"/>
-              </a:spcAft>
-              <a:buFont typeface="Arial" charset="0"/>
-              <a:buChar char="–"/>
-              <a:defRPr sz="2000" kern="1200">
-                <a:solidFill>
-                  <a:schemeClr val="tx1"/>
-                </a:solidFill>
-                <a:latin typeface="+mn-lt"/>
-                <a:ea typeface="ＭＳ Ｐゴシック" charset="0"/>
-                <a:cs typeface="+mn-cs"/>
-              </a:defRPr>
-            </a:lvl4pPr>
-            <a:lvl5pPr marL="2057400" indent="-228600" algn="l" rtl="0" eaLnBrk="0" fontAlgn="base" hangingPunct="0">
-              <a:spcBef>
-                <a:spcPct val="20000"/>
-              </a:spcBef>
-              <a:spcAft>
-                <a:spcPct val="0"/>
-              </a:spcAft>
-              <a:buFont typeface="Arial" charset="0"/>
-              <a:buChar char="»"/>
-              <a:defRPr sz="2000" kern="1200">
-                <a:solidFill>
-                  <a:schemeClr val="tx1"/>
-                </a:solidFill>
-                <a:latin typeface="+mn-lt"/>
-                <a:ea typeface="ＭＳ Ｐゴシック" charset="0"/>
-                <a:cs typeface="+mn-cs"/>
-              </a:defRPr>
-            </a:lvl5pPr>
-            <a:lvl6pPr marL="2514600" indent="-228600" algn="l" defTabSz="914400" rtl="0" eaLnBrk="1" latinLnBrk="0" hangingPunct="1">
-              <a:spcBef>
-                <a:spcPct val="20000"/>
-              </a:spcBef>
-              <a:buFont typeface="Arial" pitchFamily="34" charset="0"/>
-              <a:buChar char="•"/>
-              <a:defRPr sz="2000" kern="1200">
-                <a:solidFill>
-                  <a:schemeClr val="tx1"/>
-                </a:solidFill>
-                <a:latin typeface="+mn-lt"/>
-                <a:ea typeface="+mn-ea"/>
-                <a:cs typeface="+mn-cs"/>
-              </a:defRPr>
-            </a:lvl6pPr>
-            <a:lvl7pPr marL="2971800" indent="-228600" algn="l" defTabSz="914400" rtl="0" eaLnBrk="1" latinLnBrk="0" hangingPunct="1">
-              <a:spcBef>
-                <a:spcPct val="20000"/>
-              </a:spcBef>
-              <a:buFont typeface="Arial" pitchFamily="34" charset="0"/>
-              <a:buChar char="•"/>
-              <a:defRPr sz="2000" kern="1200">
-                <a:solidFill>
-                  <a:schemeClr val="tx1"/>
-                </a:solidFill>
-                <a:latin typeface="+mn-lt"/>
-                <a:ea typeface="+mn-ea"/>
-                <a:cs typeface="+mn-cs"/>
-              </a:defRPr>
-            </a:lvl7pPr>
-            <a:lvl8pPr marL="3429000" indent="-228600" algn="l" defTabSz="914400" rtl="0" eaLnBrk="1" latinLnBrk="0" hangingPunct="1">
-              <a:spcBef>
-                <a:spcPct val="20000"/>
-              </a:spcBef>
-              <a:buFont typeface="Arial" pitchFamily="34" charset="0"/>
-              <a:buChar char="•"/>
-              <a:defRPr sz="2000" kern="1200">
-                <a:solidFill>
-                  <a:schemeClr val="tx1"/>
-                </a:solidFill>
-                <a:latin typeface="+mn-lt"/>
-                <a:ea typeface="+mn-ea"/>
-                <a:cs typeface="+mn-cs"/>
-              </a:defRPr>
-            </a:lvl8pPr>
-            <a:lvl9pPr marL="3886200" indent="-228600" algn="l" defTabSz="914400" rtl="0" eaLnBrk="1" latinLnBrk="0" hangingPunct="1">
-              <a:spcBef>
-                <a:spcPct val="20000"/>
-              </a:spcBef>
-              <a:buFont typeface="Arial" pitchFamily="34" charset="0"/>
-              <a:buChar char="•"/>
-              <a:defRPr sz="2000" kern="1200">
-                <a:solidFill>
-                  <a:schemeClr val="tx1"/>
-                </a:solidFill>
-                <a:latin typeface="+mn-lt"/>
-                <a:ea typeface="+mn-ea"/>
-                <a:cs typeface="+mn-cs"/>
-              </a:defRPr>
-            </a:lvl9pPr>
-          </a:lstStyle>
-          <a:p>
-            <a:pPr marL="0" indent="0">
-              <a:buFont typeface="Arial" charset="0"/>
-              <a:buNone/>
-            </a:pPr>
-            <a:r>
-              <a:rPr lang="en-GB" sz="2800" dirty="0" smtClean="0">
-                <a:latin typeface="Calibri" charset="0"/>
-              </a:rPr>
-              <a:t>After</a:t>
-            </a:r>
-            <a:r>
-              <a:rPr lang="mr-IN" sz="2800" dirty="0" smtClean="0">
-                <a:latin typeface="Calibri" charset="0"/>
-              </a:rPr>
-              <a:t>…</a:t>
-            </a:r>
-            <a:endParaRPr lang="en-GB" sz="2800" dirty="0">
-              <a:latin typeface="Calibri" charset="0"/>
-            </a:endParaRPr>
-          </a:p>
-        </p:txBody>
-      </p:sp>
-      <p:pic>
-        <p:nvPicPr>
-          <p:cNvPr id="3" name="Picture 2" descr="Screen Shot 2017-02-23 at 11.13.40.png"/>
-          <p:cNvPicPr>
-            <a:picLocks noChangeAspect="1"/>
-          </p:cNvPicPr>
-          <p:nvPr/>
-        </p:nvPicPr>
-        <p:blipFill>
-          <a:blip r:embed="rId3" cstate="email">
-            <a:extLst>
-              <a:ext uri="{28A0092B-C50C-407E-A947-70E740481C1C}">
-                <a14:useLocalDpi xmlns:a14="http://schemas.microsoft.com/office/drawing/2010/main" val="0"/>
-              </a:ext>
-            </a:extLst>
-          </a:blip>
-          <a:stretch>
-            <a:fillRect/>
-          </a:stretch>
-        </p:blipFill>
-        <p:spPr>
-          <a:xfrm>
-            <a:off x="26894" y="4020279"/>
-            <a:ext cx="8767482" cy="1928155"/>
-          </a:xfrm>
-          <a:prstGeom prst="rect">
-            <a:avLst/>
-          </a:prstGeom>
-        </p:spPr>
-      </p:pic>
-    </p:spTree>
-  </p:cSld>
-  <p:clrMapOvr>
-    <a:masterClrMapping/>
-  </p:clrMapOvr>
-</p:sld>
-</file>
-
-<file path=ppt/slides/slide22.xml><?xml version="1.0" encoding="utf-8"?>
-<p:sld xmlns:a="http://schemas.openxmlformats.org/drawingml/2006/main" xmlns:r="http://schemas.openxmlformats.org/officeDocument/2006/relationships" xmlns:p="http://schemas.openxmlformats.org/presentationml/2006/main">
-  <p:cSld>
-    <p:spTree>
-      <p:nvGrpSpPr>
-        <p:cNvPr id="1" name=""/>
-        <p:cNvGrpSpPr/>
-        <p:nvPr/>
-      </p:nvGrpSpPr>
-      <p:grpSpPr>
-        <a:xfrm>
-          <a:off x="0" y="0"/>
-          <a:ext cx="0" cy="0"/>
-          <a:chOff x="0" y="0"/>
-          <a:chExt cx="0" cy="0"/>
-        </a:xfrm>
-      </p:grpSpPr>
-      <p:sp>
-        <p:nvSpPr>
-          <p:cNvPr id="29698" name="Title 1"/>
-          <p:cNvSpPr>
-            <a:spLocks noGrp="1"/>
-          </p:cNvSpPr>
-          <p:nvPr>
-            <p:ph type="title"/>
-          </p:nvPr>
-        </p:nvSpPr>
-        <p:spPr/>
-        <p:txBody>
-          <a:bodyPr/>
-          <a:lstStyle/>
-          <a:p>
-            <a:r>
-              <a:rPr lang="en-GB" dirty="0" smtClean="0">
-                <a:latin typeface="Calibri" charset="0"/>
-              </a:rPr>
-              <a:t>The Plan: Use </a:t>
-            </a:r>
-            <a:r>
-              <a:rPr lang="en-GB" dirty="0">
-                <a:latin typeface="Calibri" charset="0"/>
-              </a:rPr>
-              <a:t>Git/</a:t>
-            </a:r>
-            <a:r>
-              <a:rPr lang="en-GB" dirty="0" err="1">
-                <a:latin typeface="Calibri" charset="0"/>
-              </a:rPr>
-              <a:t>GitHub</a:t>
-            </a:r>
-            <a:r>
-              <a:rPr lang="en-GB" dirty="0">
-                <a:latin typeface="Calibri" charset="0"/>
-              </a:rPr>
-              <a:t> all week</a:t>
-            </a:r>
-          </a:p>
-        </p:txBody>
-      </p:sp>
-      <p:sp>
-        <p:nvSpPr>
-          <p:cNvPr id="3" name="Content Placeholder 2"/>
-          <p:cNvSpPr>
-            <a:spLocks noGrp="1"/>
-          </p:cNvSpPr>
-          <p:nvPr>
-            <p:ph idx="1"/>
-          </p:nvPr>
-        </p:nvSpPr>
-        <p:spPr/>
-        <p:txBody>
-          <a:bodyPr/>
-          <a:lstStyle/>
-          <a:p>
-            <a:pPr>
-              <a:buFont typeface="Arial" pitchFamily="34" charset="0"/>
-              <a:buChar char="•"/>
-              <a:defRPr/>
-            </a:pPr>
-            <a:r>
-              <a:rPr lang="en-GB" dirty="0" smtClean="0">
-                <a:ea typeface="+mn-ea"/>
-              </a:rPr>
-              <a:t>This stuff is hard to learn - we know that from experience.</a:t>
-            </a:r>
-          </a:p>
-          <a:p>
-            <a:pPr>
-              <a:buFont typeface="Arial" pitchFamily="34" charset="0"/>
-              <a:buChar char="•"/>
-              <a:defRPr/>
-            </a:pPr>
-            <a:r>
-              <a:rPr lang="en-GB" dirty="0" smtClean="0">
-                <a:ea typeface="+mn-ea"/>
-              </a:rPr>
-              <a:t>A presentation is quickly forgotten.</a:t>
-            </a:r>
-          </a:p>
-          <a:p>
-            <a:pPr>
-              <a:buFont typeface="Arial" pitchFamily="34" charset="0"/>
-              <a:buChar char="•"/>
-              <a:defRPr/>
-            </a:pPr>
-            <a:r>
-              <a:rPr lang="en-GB" dirty="0" smtClean="0">
-                <a:ea typeface="+mn-ea"/>
-              </a:rPr>
-              <a:t>So, we propose that you use Git/GitHub for every exercise.</a:t>
-            </a:r>
-          </a:p>
-          <a:p>
-            <a:pPr>
-              <a:buFont typeface="Arial" pitchFamily="34" charset="0"/>
-              <a:buChar char="•"/>
-              <a:defRPr/>
-            </a:pPr>
-            <a:r>
-              <a:rPr lang="en-GB" dirty="0" smtClean="0">
-                <a:ea typeface="+mn-ea"/>
-              </a:rPr>
-              <a:t>You are going to create and update your own </a:t>
-            </a:r>
-            <a:r>
-              <a:rPr lang="en-GB" dirty="0" err="1">
-                <a:ea typeface="+mn-ea"/>
-              </a:rPr>
-              <a:t>G</a:t>
-            </a:r>
-            <a:r>
-              <a:rPr lang="en-GB" dirty="0" err="1" smtClean="0">
-                <a:ea typeface="+mn-ea"/>
-              </a:rPr>
-              <a:t>ithub</a:t>
-            </a:r>
-            <a:r>
-              <a:rPr lang="en-GB" dirty="0" smtClean="0">
-                <a:ea typeface="+mn-ea"/>
-              </a:rPr>
-              <a:t> repository with files from exercises throughout the course.</a:t>
-            </a:r>
-          </a:p>
-          <a:p>
-            <a:pPr marL="0" indent="0">
-              <a:buFont typeface="Arial" pitchFamily="34" charset="0"/>
-              <a:buNone/>
-              <a:defRPr/>
-            </a:pPr>
-            <a:endParaRPr lang="en-GB" dirty="0">
-              <a:ea typeface="+mn-ea"/>
-            </a:endParaRPr>
-          </a:p>
-        </p:txBody>
-      </p:sp>
-    </p:spTree>
-  </p:cSld>
-  <p:clrMapOvr>
-    <a:masterClrMapping/>
-  </p:clrMapOvr>
-</p:sld>
-</file>
-
-<file path=ppt/slides/slide23.xml><?xml version="1.0" encoding="utf-8"?>
-<p:sld xmlns:a="http://schemas.openxmlformats.org/drawingml/2006/main" xmlns:r="http://schemas.openxmlformats.org/officeDocument/2006/relationships" xmlns:p="http://schemas.openxmlformats.org/presentationml/2006/main">
-  <p:cSld>
-    <p:spTree>
-      <p:nvGrpSpPr>
-        <p:cNvPr id="1" name=""/>
-        <p:cNvGrpSpPr/>
-        <p:nvPr/>
-      </p:nvGrpSpPr>
-      <p:grpSpPr>
-        <a:xfrm>
-          <a:off x="0" y="0"/>
-          <a:ext cx="0" cy="0"/>
-          <a:chOff x="0" y="0"/>
-          <a:chExt cx="0" cy="0"/>
-        </a:xfrm>
-      </p:grpSpPr>
-      <p:sp>
-        <p:nvSpPr>
-          <p:cNvPr id="2" name="Title 1"/>
-          <p:cNvSpPr>
-            <a:spLocks noGrp="1"/>
-          </p:cNvSpPr>
-          <p:nvPr>
-            <p:ph type="title"/>
-          </p:nvPr>
-        </p:nvSpPr>
-        <p:spPr/>
-        <p:txBody>
-          <a:bodyPr/>
-          <a:lstStyle/>
-          <a:p>
-            <a:r>
-              <a:rPr lang="en-US" dirty="0" smtClean="0"/>
-              <a:t>Lets make some test files</a:t>
-            </a:r>
-            <a:endParaRPr lang="en-US" dirty="0"/>
-          </a:p>
-        </p:txBody>
-      </p:sp>
-      <p:sp>
-        <p:nvSpPr>
-          <p:cNvPr id="3" name="Content Placeholder 2"/>
-          <p:cNvSpPr>
-            <a:spLocks noGrp="1"/>
-          </p:cNvSpPr>
-          <p:nvPr>
-            <p:ph idx="1"/>
-          </p:nvPr>
-        </p:nvSpPr>
-        <p:spPr>
-          <a:xfrm>
-            <a:off x="457200" y="1600200"/>
-            <a:ext cx="8229600" cy="3225799"/>
-          </a:xfrm>
-        </p:spPr>
-        <p:style>
-          <a:lnRef idx="2">
-            <a:schemeClr val="dk1">
-              <a:shade val="50000"/>
-            </a:schemeClr>
-          </a:lnRef>
-          <a:fillRef idx="1">
-            <a:schemeClr val="dk1"/>
-          </a:fillRef>
-          <a:effectRef idx="0">
-            <a:schemeClr val="dk1"/>
-          </a:effectRef>
-          <a:fontRef idx="minor">
-            <a:schemeClr val="lt1"/>
-          </a:fontRef>
-        </p:style>
-        <p:txBody>
-          <a:bodyPr/>
-          <a:lstStyle/>
-          <a:p>
-            <a:pPr marL="0" indent="0">
-              <a:buNone/>
-            </a:pPr>
-            <a:r>
-              <a:rPr lang="en-US" sz="2400" dirty="0" smtClean="0">
-                <a:latin typeface="Courier New" panose="02070309020205020404" pitchFamily="49" charset="0"/>
-                <a:cs typeface="Courier New" panose="02070309020205020404" pitchFamily="49" charset="0"/>
-              </a:rPr>
-              <a:t>$ </a:t>
-            </a:r>
-            <a:r>
-              <a:rPr lang="en-US" sz="2400" b="1" dirty="0" err="1">
-                <a:solidFill>
-                  <a:srgbClr val="FFFF00"/>
-                </a:solidFill>
-                <a:latin typeface="Courier New" panose="02070309020205020404" pitchFamily="49" charset="0"/>
-                <a:cs typeface="Courier New" panose="02070309020205020404" pitchFamily="49" charset="0"/>
-              </a:rPr>
-              <a:t>mkdir</a:t>
-            </a:r>
-            <a:r>
-              <a:rPr lang="en-US" sz="2400" b="1" dirty="0">
-                <a:solidFill>
-                  <a:srgbClr val="FFFF00"/>
-                </a:solidFill>
-                <a:latin typeface="Courier New" panose="02070309020205020404" pitchFamily="49" charset="0"/>
-                <a:cs typeface="Courier New" panose="02070309020205020404" pitchFamily="49" charset="0"/>
-              </a:rPr>
-              <a:t> </a:t>
-            </a:r>
-            <a:r>
-              <a:rPr lang="en-US" sz="2400" b="1" dirty="0" err="1">
-                <a:solidFill>
-                  <a:srgbClr val="FFFF00"/>
-                </a:solidFill>
-                <a:latin typeface="Courier New" panose="02070309020205020404" pitchFamily="49" charset="0"/>
-                <a:cs typeface="Courier New" panose="02070309020205020404" pitchFamily="49" charset="0"/>
-              </a:rPr>
-              <a:t>mydir</a:t>
-            </a:r>
-            <a:endParaRPr lang="en-US" sz="2400" b="1" dirty="0">
-              <a:solidFill>
-                <a:srgbClr val="FFFF00"/>
-              </a:solidFill>
-              <a:latin typeface="Courier New" panose="02070309020205020404" pitchFamily="49" charset="0"/>
-              <a:cs typeface="Courier New" panose="02070309020205020404" pitchFamily="49" charset="0"/>
-            </a:endParaRPr>
-          </a:p>
-          <a:p>
-            <a:pPr marL="0" indent="0">
-              <a:buNone/>
-            </a:pPr>
-            <a:r>
-              <a:rPr lang="en-US" sz="2400" dirty="0" smtClean="0">
-                <a:latin typeface="Courier New" panose="02070309020205020404" pitchFamily="49" charset="0"/>
-                <a:cs typeface="Courier New" panose="02070309020205020404" pitchFamily="49" charset="0"/>
-              </a:rPr>
-              <a:t>$ </a:t>
-            </a:r>
-            <a:r>
-              <a:rPr lang="en-US" sz="2400" b="1" dirty="0">
-                <a:solidFill>
-                  <a:srgbClr val="FFFF00"/>
-                </a:solidFill>
-                <a:latin typeface="Courier New" panose="02070309020205020404" pitchFamily="49" charset="0"/>
-                <a:cs typeface="Courier New" panose="02070309020205020404" pitchFamily="49" charset="0"/>
-              </a:rPr>
-              <a:t>echo </a:t>
-            </a:r>
-            <a:r>
-              <a:rPr lang="en-US" sz="2400" b="1" dirty="0" smtClean="0">
-                <a:solidFill>
-                  <a:srgbClr val="FFFF00"/>
-                </a:solidFill>
-                <a:latin typeface="Courier New" panose="02070309020205020404" pitchFamily="49" charset="0"/>
-                <a:cs typeface="Courier New" panose="02070309020205020404" pitchFamily="49" charset="0"/>
-              </a:rPr>
-              <a:t>"hi" </a:t>
-            </a:r>
-            <a:r>
-              <a:rPr lang="en-US" sz="2400" b="1" dirty="0">
-                <a:solidFill>
-                  <a:srgbClr val="FFFF00"/>
-                </a:solidFill>
-                <a:latin typeface="Courier New" panose="02070309020205020404" pitchFamily="49" charset="0"/>
-                <a:cs typeface="Courier New" panose="02070309020205020404" pitchFamily="49" charset="0"/>
-              </a:rPr>
-              <a:t>&gt; hi.txt</a:t>
-            </a:r>
-          </a:p>
-          <a:p>
-            <a:pPr marL="0" indent="0">
-              <a:buNone/>
-            </a:pPr>
-            <a:r>
-              <a:rPr lang="en-US" sz="2400" dirty="0" smtClean="0">
-                <a:latin typeface="Courier New" panose="02070309020205020404" pitchFamily="49" charset="0"/>
-                <a:cs typeface="Courier New" panose="02070309020205020404" pitchFamily="49" charset="0"/>
-              </a:rPr>
-              <a:t>$ </a:t>
-            </a:r>
-            <a:r>
-              <a:rPr lang="en-US" sz="2400" b="1" dirty="0">
-                <a:solidFill>
-                  <a:srgbClr val="FFFF00"/>
-                </a:solidFill>
-                <a:latin typeface="Courier New" panose="02070309020205020404" pitchFamily="49" charset="0"/>
-                <a:cs typeface="Courier New" panose="02070309020205020404" pitchFamily="49" charset="0"/>
-              </a:rPr>
-              <a:t>echo </a:t>
-            </a:r>
-            <a:r>
-              <a:rPr lang="en-US" sz="2400" b="1" dirty="0" smtClean="0">
-                <a:solidFill>
-                  <a:srgbClr val="FFFF00"/>
-                </a:solidFill>
-                <a:latin typeface="Courier New" panose="02070309020205020404" pitchFamily="49" charset="0"/>
-                <a:cs typeface="Courier New" panose="02070309020205020404" pitchFamily="49" charset="0"/>
-              </a:rPr>
-              <a:t>"testing..." </a:t>
-            </a:r>
-            <a:r>
-              <a:rPr lang="en-US" sz="2400" b="1" dirty="0">
-                <a:solidFill>
-                  <a:srgbClr val="FFFF00"/>
-                </a:solidFill>
-                <a:latin typeface="Courier New" panose="02070309020205020404" pitchFamily="49" charset="0"/>
-                <a:cs typeface="Courier New" panose="02070309020205020404" pitchFamily="49" charset="0"/>
-              </a:rPr>
-              <a:t>&gt; </a:t>
-            </a:r>
-            <a:r>
-              <a:rPr lang="en-US" sz="2400" b="1" dirty="0" err="1">
-                <a:solidFill>
-                  <a:srgbClr val="FFFF00"/>
-                </a:solidFill>
-                <a:latin typeface="Courier New" panose="02070309020205020404" pitchFamily="49" charset="0"/>
-                <a:cs typeface="Courier New" panose="02070309020205020404" pitchFamily="49" charset="0"/>
-              </a:rPr>
-              <a:t>mydir</a:t>
-            </a:r>
-            <a:r>
-              <a:rPr lang="en-US" sz="2400" b="1" dirty="0">
-                <a:solidFill>
-                  <a:srgbClr val="FFFF00"/>
-                </a:solidFill>
-                <a:latin typeface="Courier New" panose="02070309020205020404" pitchFamily="49" charset="0"/>
-                <a:cs typeface="Courier New" panose="02070309020205020404" pitchFamily="49" charset="0"/>
-              </a:rPr>
-              <a:t>/t1.</a:t>
-            </a:r>
-            <a:r>
-              <a:rPr lang="en-US" sz="2400" b="1" dirty="0" smtClean="0">
-                <a:solidFill>
-                  <a:srgbClr val="FFFF00"/>
-                </a:solidFill>
-                <a:latin typeface="Courier New" panose="02070309020205020404" pitchFamily="49" charset="0"/>
-                <a:cs typeface="Courier New" panose="02070309020205020404" pitchFamily="49" charset="0"/>
-              </a:rPr>
-              <a:t>txt</a:t>
-            </a:r>
-          </a:p>
-          <a:p>
-            <a:pPr marL="0" indent="0">
-              <a:buNone/>
-            </a:pPr>
-            <a:r>
-              <a:rPr lang="en-US" sz="2400" dirty="0">
-                <a:latin typeface="Courier New" panose="02070309020205020404" pitchFamily="49" charset="0"/>
-                <a:cs typeface="Courier New" panose="02070309020205020404" pitchFamily="49" charset="0"/>
-              </a:rPr>
-              <a:t>$ </a:t>
-            </a:r>
-            <a:r>
-              <a:rPr lang="en-US" sz="2400" b="1" dirty="0" err="1">
-                <a:solidFill>
-                  <a:srgbClr val="FFFF00"/>
-                </a:solidFill>
-                <a:latin typeface="Courier New" panose="02070309020205020404" pitchFamily="49" charset="0"/>
-                <a:cs typeface="Courier New" panose="02070309020205020404" pitchFamily="49" charset="0"/>
-              </a:rPr>
-              <a:t>ls</a:t>
-            </a:r>
-            <a:endParaRPr lang="en-US" sz="2400" b="1" dirty="0">
-              <a:solidFill>
-                <a:srgbClr val="FFFF00"/>
-              </a:solidFill>
-              <a:latin typeface="Courier New" panose="02070309020205020404" pitchFamily="49" charset="0"/>
-              <a:cs typeface="Courier New" panose="02070309020205020404" pitchFamily="49" charset="0"/>
-            </a:endParaRPr>
-          </a:p>
-          <a:p>
-            <a:pPr marL="0" indent="0">
-              <a:buNone/>
-            </a:pPr>
-            <a:r>
-              <a:rPr lang="en-US" sz="2400" dirty="0" err="1" smtClean="0">
-                <a:latin typeface="Courier New" panose="02070309020205020404" pitchFamily="49" charset="0"/>
-                <a:cs typeface="Courier New" panose="02070309020205020404" pitchFamily="49" charset="0"/>
-              </a:rPr>
-              <a:t>hi.txt</a:t>
-            </a:r>
-            <a:r>
-              <a:rPr lang="en-US" sz="2400" dirty="0">
-                <a:latin typeface="Courier New" panose="02070309020205020404" pitchFamily="49" charset="0"/>
-                <a:cs typeface="Courier New" panose="02070309020205020404" pitchFamily="49" charset="0"/>
-              </a:rPr>
-              <a:t>	</a:t>
-            </a:r>
-            <a:r>
-              <a:rPr lang="en-US" sz="2400" dirty="0" err="1" smtClean="0">
-                <a:latin typeface="Courier New" panose="02070309020205020404" pitchFamily="49" charset="0"/>
-                <a:cs typeface="Courier New" panose="02070309020205020404" pitchFamily="49" charset="0"/>
-              </a:rPr>
-              <a:t>hello.txt</a:t>
-            </a:r>
-            <a:r>
-              <a:rPr lang="en-US" sz="2400" dirty="0">
-                <a:latin typeface="Courier New" panose="02070309020205020404" pitchFamily="49" charset="0"/>
-                <a:cs typeface="Courier New" panose="02070309020205020404" pitchFamily="49" charset="0"/>
-              </a:rPr>
-              <a:t>	</a:t>
-            </a:r>
-            <a:r>
-              <a:rPr lang="en-US" sz="2400" dirty="0" smtClean="0">
-                <a:latin typeface="Courier New" panose="02070309020205020404" pitchFamily="49" charset="0"/>
-                <a:cs typeface="Courier New" panose="02070309020205020404" pitchFamily="49" charset="0"/>
-              </a:rPr>
-              <a:t> </a:t>
-            </a:r>
-            <a:r>
-              <a:rPr lang="en-US" sz="2400" dirty="0" err="1" smtClean="0">
-                <a:latin typeface="Courier New" panose="02070309020205020404" pitchFamily="49" charset="0"/>
-                <a:cs typeface="Courier New" panose="02070309020205020404" pitchFamily="49" charset="0"/>
-              </a:rPr>
-              <a:t>mydir</a:t>
-            </a:r>
-            <a:endParaRPr lang="en-US" sz="2400" dirty="0">
-              <a:latin typeface="Courier New" panose="02070309020205020404" pitchFamily="49" charset="0"/>
-              <a:cs typeface="Courier New" panose="02070309020205020404" pitchFamily="49" charset="0"/>
-            </a:endParaRPr>
-          </a:p>
-        </p:txBody>
-      </p:sp>
-    </p:spTree>
-    <p:extLst>
-      <p:ext uri="{BB962C8B-B14F-4D97-AF65-F5344CB8AC3E}">
-        <p14:creationId xmlns:p14="http://schemas.microsoft.com/office/powerpoint/2010/main" val="4273298645"/>
-      </p:ext>
-    </p:extLst>
-  </p:cSld>
-  <p:clrMapOvr>
-    <a:masterClrMapping/>
-  </p:clrMapOvr>
-</p:sld>
-</file>
-
-<file path=ppt/slides/slide24.xml><?xml version="1.0" encoding="utf-8"?>
-<p:sld xmlns:a="http://schemas.openxmlformats.org/drawingml/2006/main" xmlns:r="http://schemas.openxmlformats.org/officeDocument/2006/relationships" xmlns:p="http://schemas.openxmlformats.org/presentationml/2006/main">
-  <p:cSld>
-    <p:spTree>
-      <p:nvGrpSpPr>
-        <p:cNvPr id="1" name=""/>
-        <p:cNvGrpSpPr/>
-        <p:nvPr/>
-      </p:nvGrpSpPr>
-      <p:grpSpPr>
-        <a:xfrm>
-          <a:off x="0" y="0"/>
-          <a:ext cx="0" cy="0"/>
-          <a:chOff x="0" y="0"/>
-          <a:chExt cx="0" cy="0"/>
-        </a:xfrm>
-      </p:grpSpPr>
-      <p:sp>
-        <p:nvSpPr>
-          <p:cNvPr id="2" name="Title 1"/>
-          <p:cNvSpPr>
-            <a:spLocks noGrp="1"/>
-          </p:cNvSpPr>
-          <p:nvPr>
-            <p:ph type="title"/>
-          </p:nvPr>
-        </p:nvSpPr>
-        <p:spPr/>
-        <p:txBody>
-          <a:bodyPr/>
-          <a:lstStyle/>
-          <a:p>
-            <a:r>
-              <a:rPr lang="en-US" dirty="0" err="1" smtClean="0"/>
-              <a:t>Git</a:t>
-            </a:r>
-            <a:r>
-              <a:rPr lang="en-US" dirty="0" smtClean="0"/>
-              <a:t> Status</a:t>
-            </a:r>
-            <a:endParaRPr lang="en-US" dirty="0"/>
-          </a:p>
-        </p:txBody>
-      </p:sp>
-      <p:sp>
-        <p:nvSpPr>
-          <p:cNvPr id="4" name="TextBox 3"/>
-          <p:cNvSpPr txBox="1"/>
-          <p:nvPr/>
-        </p:nvSpPr>
-        <p:spPr>
-          <a:xfrm>
-            <a:off x="609600" y="2222500"/>
-            <a:ext cx="8051800" cy="3416320"/>
-          </a:xfrm>
-          <a:prstGeom prst="rect">
-            <a:avLst/>
-          </a:prstGeom>
-          <a:solidFill>
-            <a:schemeClr val="tx1"/>
-          </a:solidFill>
-          <a:ln>
-            <a:noFill/>
-          </a:ln>
-        </p:spPr>
-        <p:style>
-          <a:lnRef idx="2">
-            <a:schemeClr val="dk1">
-              <a:shade val="50000"/>
-            </a:schemeClr>
-          </a:lnRef>
-          <a:fillRef idx="1">
-            <a:schemeClr val="dk1"/>
-          </a:fillRef>
-          <a:effectRef idx="0">
-            <a:schemeClr val="dk1"/>
-          </a:effectRef>
-          <a:fontRef idx="minor">
-            <a:schemeClr val="lt1"/>
-          </a:fontRef>
-        </p:style>
-        <p:txBody>
-          <a:bodyPr wrap="square" rtlCol="0">
-            <a:spAutoFit/>
-          </a:bodyPr>
-          <a:lstStyle/>
-          <a:p>
-            <a:r>
-              <a:rPr lang="en-US" dirty="0">
-                <a:solidFill>
-                  <a:srgbClr val="FFFFFF"/>
-                </a:solidFill>
-                <a:latin typeface="Courier New" panose="02070309020205020404" pitchFamily="49" charset="0"/>
-                <a:cs typeface="Courier New" panose="02070309020205020404" pitchFamily="49" charset="0"/>
-              </a:rPr>
-              <a:t>$ </a:t>
-            </a:r>
-            <a:r>
-              <a:rPr lang="en-US" b="1" dirty="0" err="1">
-                <a:solidFill>
-                  <a:srgbClr val="FFFF00"/>
-                </a:solidFill>
-                <a:latin typeface="Courier New" panose="02070309020205020404" pitchFamily="49" charset="0"/>
-                <a:cs typeface="Courier New" panose="02070309020205020404" pitchFamily="49" charset="0"/>
-              </a:rPr>
-              <a:t>git</a:t>
-            </a:r>
-            <a:r>
-              <a:rPr lang="en-US" b="1" dirty="0">
-                <a:solidFill>
-                  <a:srgbClr val="FFFF00"/>
-                </a:solidFill>
-                <a:latin typeface="Courier New" panose="02070309020205020404" pitchFamily="49" charset="0"/>
-                <a:cs typeface="Courier New" panose="02070309020205020404" pitchFamily="49" charset="0"/>
-              </a:rPr>
-              <a:t> status</a:t>
-            </a:r>
-          </a:p>
-          <a:p>
-            <a:r>
-              <a:rPr lang="en-US" dirty="0">
-                <a:solidFill>
-                  <a:srgbClr val="FFFFFF"/>
-                </a:solidFill>
-                <a:latin typeface="Courier New" panose="02070309020205020404" pitchFamily="49" charset="0"/>
-                <a:cs typeface="Courier New" panose="02070309020205020404" pitchFamily="49" charset="0"/>
-              </a:rPr>
-              <a:t>On branch master</a:t>
-            </a:r>
-          </a:p>
-          <a:p>
-            <a:r>
-              <a:rPr lang="en-US" dirty="0">
-                <a:solidFill>
-                  <a:srgbClr val="FFFFFF"/>
-                </a:solidFill>
-                <a:latin typeface="Courier New" panose="02070309020205020404" pitchFamily="49" charset="0"/>
-                <a:cs typeface="Courier New" panose="02070309020205020404" pitchFamily="49" charset="0"/>
-              </a:rPr>
-              <a:t>Your branch is up-to-date with </a:t>
-            </a:r>
-            <a:r>
-              <a:rPr lang="en-US" dirty="0" smtClean="0">
-                <a:solidFill>
-                  <a:srgbClr val="FFFFFF"/>
-                </a:solidFill>
-                <a:latin typeface="Courier New" panose="02070309020205020404" pitchFamily="49" charset="0"/>
-                <a:cs typeface="Courier New" panose="02070309020205020404" pitchFamily="49" charset="0"/>
-              </a:rPr>
-              <a:t>'origin/master'.</a:t>
-            </a:r>
-            <a:endParaRPr lang="en-US" dirty="0">
-              <a:solidFill>
-                <a:srgbClr val="FFFFFF"/>
-              </a:solidFill>
-              <a:latin typeface="Courier New" panose="02070309020205020404" pitchFamily="49" charset="0"/>
-              <a:cs typeface="Courier New" panose="02070309020205020404" pitchFamily="49" charset="0"/>
-            </a:endParaRPr>
-          </a:p>
-          <a:p>
-            <a:r>
-              <a:rPr lang="en-US" dirty="0">
-                <a:solidFill>
-                  <a:srgbClr val="FFFFFF"/>
-                </a:solidFill>
-                <a:latin typeface="Courier New" panose="02070309020205020404" pitchFamily="49" charset="0"/>
-                <a:cs typeface="Courier New" panose="02070309020205020404" pitchFamily="49" charset="0"/>
-              </a:rPr>
-              <a:t>Untracked files:</a:t>
-            </a:r>
-          </a:p>
-          <a:p>
-            <a:r>
-              <a:rPr lang="en-US" dirty="0">
-                <a:solidFill>
-                  <a:srgbClr val="FFFFFF"/>
-                </a:solidFill>
-                <a:latin typeface="Courier New" panose="02070309020205020404" pitchFamily="49" charset="0"/>
-                <a:cs typeface="Courier New" panose="02070309020205020404" pitchFamily="49" charset="0"/>
-              </a:rPr>
-              <a:t>  (use </a:t>
-            </a:r>
-            <a:r>
-              <a:rPr lang="en-US" dirty="0" smtClean="0">
-                <a:solidFill>
-                  <a:srgbClr val="FFFFFF"/>
-                </a:solidFill>
-                <a:latin typeface="Courier New" panose="02070309020205020404" pitchFamily="49" charset="0"/>
-                <a:cs typeface="Courier New" panose="02070309020205020404" pitchFamily="49" charset="0"/>
-              </a:rPr>
-              <a:t>"</a:t>
-            </a:r>
-            <a:r>
-              <a:rPr lang="en-US" dirty="0" err="1" smtClean="0">
-                <a:solidFill>
-                  <a:srgbClr val="FFFFFF"/>
-                </a:solidFill>
-                <a:latin typeface="Courier New" panose="02070309020205020404" pitchFamily="49" charset="0"/>
-                <a:cs typeface="Courier New" panose="02070309020205020404" pitchFamily="49" charset="0"/>
-              </a:rPr>
-              <a:t>git</a:t>
-            </a:r>
-            <a:r>
-              <a:rPr lang="en-US" dirty="0" smtClean="0">
-                <a:solidFill>
-                  <a:srgbClr val="FFFFFF"/>
-                </a:solidFill>
-                <a:latin typeface="Courier New" panose="02070309020205020404" pitchFamily="49" charset="0"/>
-                <a:cs typeface="Courier New" panose="02070309020205020404" pitchFamily="49" charset="0"/>
-              </a:rPr>
-              <a:t> </a:t>
-            </a:r>
-            <a:r>
-              <a:rPr lang="en-US" dirty="0">
-                <a:solidFill>
-                  <a:srgbClr val="FFFFFF"/>
-                </a:solidFill>
-                <a:latin typeface="Courier New" panose="02070309020205020404" pitchFamily="49" charset="0"/>
-                <a:cs typeface="Courier New" panose="02070309020205020404" pitchFamily="49" charset="0"/>
-              </a:rPr>
-              <a:t>add &lt;file</a:t>
-            </a:r>
-            <a:r>
-              <a:rPr lang="en-US" dirty="0" smtClean="0">
-                <a:solidFill>
-                  <a:srgbClr val="FFFFFF"/>
-                </a:solidFill>
-                <a:latin typeface="Courier New" panose="02070309020205020404" pitchFamily="49" charset="0"/>
-                <a:cs typeface="Courier New" panose="02070309020205020404" pitchFamily="49" charset="0"/>
-              </a:rPr>
-              <a:t>&gt;..." </a:t>
-            </a:r>
-            <a:r>
-              <a:rPr lang="en-US" dirty="0">
-                <a:solidFill>
-                  <a:srgbClr val="FFFFFF"/>
-                </a:solidFill>
-                <a:latin typeface="Courier New" panose="02070309020205020404" pitchFamily="49" charset="0"/>
-                <a:cs typeface="Courier New" panose="02070309020205020404" pitchFamily="49" charset="0"/>
-              </a:rPr>
-              <a:t>to include in what will be committed)</a:t>
-            </a:r>
-          </a:p>
-          <a:p>
-            <a:endParaRPr lang="en-US" dirty="0">
-              <a:solidFill>
-                <a:srgbClr val="FFFFFF"/>
-              </a:solidFill>
-              <a:latin typeface="Courier New" panose="02070309020205020404" pitchFamily="49" charset="0"/>
-              <a:cs typeface="Courier New" panose="02070309020205020404" pitchFamily="49" charset="0"/>
-            </a:endParaRPr>
-          </a:p>
-          <a:p>
-            <a:r>
-              <a:rPr lang="en-US" dirty="0">
-                <a:solidFill>
-                  <a:srgbClr val="FFFFFF"/>
-                </a:solidFill>
-                <a:latin typeface="Courier New" panose="02070309020205020404" pitchFamily="49" charset="0"/>
-                <a:cs typeface="Courier New" panose="02070309020205020404" pitchFamily="49" charset="0"/>
-              </a:rPr>
-              <a:t>	</a:t>
-            </a:r>
-            <a:r>
-              <a:rPr lang="en-US" dirty="0" err="1">
-                <a:solidFill>
-                  <a:srgbClr val="FF0000"/>
-                </a:solidFill>
-                <a:latin typeface="Courier New" panose="02070309020205020404" pitchFamily="49" charset="0"/>
-                <a:cs typeface="Courier New" panose="02070309020205020404" pitchFamily="49" charset="0"/>
-              </a:rPr>
-              <a:t>hi.txt</a:t>
-            </a:r>
-            <a:endParaRPr lang="en-US" dirty="0">
-              <a:solidFill>
-                <a:srgbClr val="FF0000"/>
-              </a:solidFill>
-              <a:latin typeface="Courier New" panose="02070309020205020404" pitchFamily="49" charset="0"/>
-              <a:cs typeface="Courier New" panose="02070309020205020404" pitchFamily="49" charset="0"/>
-            </a:endParaRPr>
-          </a:p>
-          <a:p>
-            <a:r>
-              <a:rPr lang="en-US" dirty="0">
-                <a:solidFill>
-                  <a:srgbClr val="FF0000"/>
-                </a:solidFill>
-                <a:latin typeface="Courier New" panose="02070309020205020404" pitchFamily="49" charset="0"/>
-                <a:cs typeface="Courier New" panose="02070309020205020404" pitchFamily="49" charset="0"/>
-              </a:rPr>
-              <a:t>	</a:t>
-            </a:r>
-            <a:r>
-              <a:rPr lang="en-US" dirty="0" err="1">
-                <a:solidFill>
-                  <a:srgbClr val="FF0000"/>
-                </a:solidFill>
-                <a:latin typeface="Courier New" panose="02070309020205020404" pitchFamily="49" charset="0"/>
-                <a:cs typeface="Courier New" panose="02070309020205020404" pitchFamily="49" charset="0"/>
-              </a:rPr>
-              <a:t>mydir</a:t>
-            </a:r>
-            <a:r>
-              <a:rPr lang="en-US" dirty="0">
-                <a:solidFill>
-                  <a:srgbClr val="FF0000"/>
-                </a:solidFill>
-                <a:latin typeface="Courier New" panose="02070309020205020404" pitchFamily="49" charset="0"/>
-                <a:cs typeface="Courier New" panose="02070309020205020404" pitchFamily="49" charset="0"/>
-              </a:rPr>
-              <a:t>/</a:t>
-            </a:r>
-          </a:p>
-          <a:p>
-            <a:endParaRPr lang="en-US" dirty="0">
-              <a:solidFill>
-                <a:srgbClr val="FFFFFF"/>
-              </a:solidFill>
-              <a:latin typeface="Courier New" panose="02070309020205020404" pitchFamily="49" charset="0"/>
-              <a:cs typeface="Courier New" panose="02070309020205020404" pitchFamily="49" charset="0"/>
-            </a:endParaRPr>
-          </a:p>
-          <a:p>
-            <a:r>
-              <a:rPr lang="en-US" dirty="0">
-                <a:solidFill>
-                  <a:srgbClr val="FFFFFF"/>
-                </a:solidFill>
-                <a:latin typeface="Courier New" panose="02070309020205020404" pitchFamily="49" charset="0"/>
-                <a:cs typeface="Courier New" panose="02070309020205020404" pitchFamily="49" charset="0"/>
-              </a:rPr>
-              <a:t>nothing added to commit but untracked files present (use </a:t>
-            </a:r>
-            <a:r>
-              <a:rPr lang="en-US" dirty="0" smtClean="0">
-                <a:solidFill>
-                  <a:srgbClr val="FFFFFF"/>
-                </a:solidFill>
-                <a:latin typeface="Courier New" panose="02070309020205020404" pitchFamily="49" charset="0"/>
-                <a:cs typeface="Courier New" panose="02070309020205020404" pitchFamily="49" charset="0"/>
-              </a:rPr>
-              <a:t>"</a:t>
-            </a:r>
-            <a:r>
-              <a:rPr lang="en-US" dirty="0" err="1" smtClean="0">
-                <a:solidFill>
-                  <a:srgbClr val="FFFFFF"/>
-                </a:solidFill>
-                <a:latin typeface="Courier New" panose="02070309020205020404" pitchFamily="49" charset="0"/>
-                <a:cs typeface="Courier New" panose="02070309020205020404" pitchFamily="49" charset="0"/>
-              </a:rPr>
-              <a:t>git</a:t>
-            </a:r>
-            <a:r>
-              <a:rPr lang="en-US" dirty="0" smtClean="0">
-                <a:solidFill>
-                  <a:srgbClr val="FFFFFF"/>
-                </a:solidFill>
-                <a:latin typeface="Courier New" panose="02070309020205020404" pitchFamily="49" charset="0"/>
-                <a:cs typeface="Courier New" panose="02070309020205020404" pitchFamily="49" charset="0"/>
-              </a:rPr>
-              <a:t> add" </a:t>
-            </a:r>
-            <a:r>
-              <a:rPr lang="en-US" dirty="0">
-                <a:solidFill>
-                  <a:srgbClr val="FFFFFF"/>
-                </a:solidFill>
-                <a:latin typeface="Courier New" panose="02070309020205020404" pitchFamily="49" charset="0"/>
-                <a:cs typeface="Courier New" panose="02070309020205020404" pitchFamily="49" charset="0"/>
-              </a:rPr>
-              <a:t>to track)</a:t>
-            </a:r>
-          </a:p>
-        </p:txBody>
-      </p:sp>
-      <p:sp>
-        <p:nvSpPr>
-          <p:cNvPr id="6" name="TextBox 5"/>
-          <p:cNvSpPr txBox="1"/>
-          <p:nvPr/>
-        </p:nvSpPr>
-        <p:spPr>
-          <a:xfrm>
-            <a:off x="609600" y="1516152"/>
-            <a:ext cx="4343400" cy="400110"/>
-          </a:xfrm>
-          <a:prstGeom prst="rect">
-            <a:avLst/>
-          </a:prstGeom>
-          <a:noFill/>
-        </p:spPr>
-        <p:txBody>
-          <a:bodyPr wrap="square" rtlCol="0">
-            <a:spAutoFit/>
-          </a:bodyPr>
-          <a:lstStyle/>
-          <a:p>
-            <a:r>
-              <a:rPr lang="en-US" sz="2000" dirty="0" smtClean="0">
-                <a:latin typeface="+mn-lt"/>
-              </a:rPr>
-              <a:t>Use to see what stage files are at</a:t>
-            </a:r>
-            <a:endParaRPr lang="en-US" sz="2000" dirty="0">
-              <a:latin typeface="+mn-lt"/>
-            </a:endParaRPr>
-          </a:p>
-        </p:txBody>
-      </p:sp>
-    </p:spTree>
-    <p:extLst>
-      <p:ext uri="{BB962C8B-B14F-4D97-AF65-F5344CB8AC3E}">
-        <p14:creationId xmlns:p14="http://schemas.microsoft.com/office/powerpoint/2010/main" val="2920327806"/>
-      </p:ext>
-    </p:extLst>
-  </p:cSld>
-  <p:clrMapOvr>
-    <a:masterClrMapping/>
-  </p:clrMapOvr>
-</p:sld>
-</file>
-
-<file path=ppt/slides/slide25.xml><?xml version="1.0" encoding="utf-8"?>
-<p:sld xmlns:a="http://schemas.openxmlformats.org/drawingml/2006/main" xmlns:r="http://schemas.openxmlformats.org/officeDocument/2006/relationships" xmlns:p="http://schemas.openxmlformats.org/presentationml/2006/main">
-  <p:cSld>
-    <p:spTree>
-      <p:nvGrpSpPr>
-        <p:cNvPr id="1" name=""/>
-        <p:cNvGrpSpPr/>
-        <p:nvPr/>
-      </p:nvGrpSpPr>
-      <p:grpSpPr>
-        <a:xfrm>
-          <a:off x="0" y="0"/>
-          <a:ext cx="0" cy="0"/>
-          <a:chOff x="0" y="0"/>
-          <a:chExt cx="0" cy="0"/>
-        </a:xfrm>
-      </p:grpSpPr>
-      <p:sp>
-        <p:nvSpPr>
-          <p:cNvPr id="2" name="Title 1"/>
-          <p:cNvSpPr>
-            <a:spLocks noGrp="1"/>
-          </p:cNvSpPr>
-          <p:nvPr>
-            <p:ph type="title"/>
-          </p:nvPr>
-        </p:nvSpPr>
-        <p:spPr/>
-        <p:txBody>
-          <a:bodyPr/>
-          <a:lstStyle/>
-          <a:p>
-            <a:r>
-              <a:rPr lang="en-US" dirty="0" err="1" smtClean="0"/>
-              <a:t>Git</a:t>
-            </a:r>
-            <a:r>
-              <a:rPr lang="en-US" dirty="0" smtClean="0"/>
-              <a:t> add</a:t>
-            </a:r>
-            <a:endParaRPr lang="en-US" dirty="0"/>
-          </a:p>
-        </p:txBody>
-      </p:sp>
-      <p:sp>
-        <p:nvSpPr>
-          <p:cNvPr id="3" name="Content Placeholder 2"/>
-          <p:cNvSpPr>
-            <a:spLocks noGrp="1"/>
-          </p:cNvSpPr>
-          <p:nvPr>
-            <p:ph idx="1"/>
-          </p:nvPr>
-        </p:nvSpPr>
-        <p:spPr>
-          <a:xfrm>
-            <a:off x="457200" y="2171701"/>
-            <a:ext cx="8229600" cy="3340099"/>
-          </a:xfrm>
-        </p:spPr>
-        <p:style>
-          <a:lnRef idx="2">
-            <a:schemeClr val="dk1">
-              <a:shade val="50000"/>
-            </a:schemeClr>
-          </a:lnRef>
-          <a:fillRef idx="1">
-            <a:schemeClr val="dk1"/>
-          </a:fillRef>
-          <a:effectRef idx="0">
-            <a:schemeClr val="dk1"/>
-          </a:effectRef>
-          <a:fontRef idx="minor">
-            <a:schemeClr val="lt1"/>
-          </a:fontRef>
-        </p:style>
-        <p:txBody>
-          <a:bodyPr/>
-          <a:lstStyle/>
-          <a:p>
-            <a:pPr marL="0" indent="0">
-              <a:buNone/>
-            </a:pPr>
-            <a:r>
-              <a:rPr lang="en-US" sz="1800" dirty="0" smtClean="0">
-                <a:latin typeface="Courier New" panose="02070309020205020404" pitchFamily="49" charset="0"/>
-                <a:cs typeface="Courier New" panose="02070309020205020404" pitchFamily="49" charset="0"/>
-              </a:rPr>
-              <a:t>$ </a:t>
-            </a:r>
-            <a:r>
-              <a:rPr lang="en-US" sz="1800" b="1" dirty="0" err="1">
-                <a:solidFill>
-                  <a:srgbClr val="FFFF00"/>
-                </a:solidFill>
-                <a:latin typeface="Courier New" panose="02070309020205020404" pitchFamily="49" charset="0"/>
-                <a:cs typeface="Courier New" panose="02070309020205020404" pitchFamily="49" charset="0"/>
-              </a:rPr>
-              <a:t>git</a:t>
-            </a:r>
-            <a:r>
-              <a:rPr lang="en-US" sz="1800" b="1" dirty="0">
-                <a:solidFill>
-                  <a:srgbClr val="FFFF00"/>
-                </a:solidFill>
-                <a:latin typeface="Courier New" panose="02070309020205020404" pitchFamily="49" charset="0"/>
-                <a:cs typeface="Courier New" panose="02070309020205020404" pitchFamily="49" charset="0"/>
-              </a:rPr>
-              <a:t> add .</a:t>
-            </a:r>
-          </a:p>
-          <a:p>
-            <a:pPr marL="0" indent="0">
-              <a:buNone/>
-            </a:pPr>
-            <a:r>
-              <a:rPr lang="en-US" sz="1800" dirty="0" smtClean="0">
-                <a:latin typeface="Courier New" panose="02070309020205020404" pitchFamily="49" charset="0"/>
-                <a:cs typeface="Courier New" panose="02070309020205020404" pitchFamily="49" charset="0"/>
-              </a:rPr>
-              <a:t>$ </a:t>
-            </a:r>
-            <a:r>
-              <a:rPr lang="en-US" sz="1800" b="1" dirty="0" err="1">
-                <a:solidFill>
-                  <a:srgbClr val="FFFF00"/>
-                </a:solidFill>
-                <a:latin typeface="Courier New" panose="02070309020205020404" pitchFamily="49" charset="0"/>
-                <a:cs typeface="Courier New" panose="02070309020205020404" pitchFamily="49" charset="0"/>
-              </a:rPr>
-              <a:t>git</a:t>
-            </a:r>
-            <a:r>
-              <a:rPr lang="en-US" sz="1800" b="1" dirty="0">
-                <a:solidFill>
-                  <a:srgbClr val="FFFF00"/>
-                </a:solidFill>
-                <a:latin typeface="Courier New" panose="02070309020205020404" pitchFamily="49" charset="0"/>
-                <a:cs typeface="Courier New" panose="02070309020205020404" pitchFamily="49" charset="0"/>
-              </a:rPr>
-              <a:t> status</a:t>
-            </a:r>
-          </a:p>
-          <a:p>
-            <a:pPr marL="0" indent="0">
-              <a:buNone/>
-            </a:pPr>
-            <a:r>
-              <a:rPr lang="en-US" sz="1800" dirty="0">
-                <a:latin typeface="Courier New" panose="02070309020205020404" pitchFamily="49" charset="0"/>
-                <a:cs typeface="Courier New" panose="02070309020205020404" pitchFamily="49" charset="0"/>
-              </a:rPr>
-              <a:t>On branch master</a:t>
-            </a:r>
-          </a:p>
-          <a:p>
-            <a:pPr marL="0" indent="0">
-              <a:buNone/>
-            </a:pPr>
-            <a:r>
-              <a:rPr lang="en-US" sz="1800" dirty="0">
-                <a:latin typeface="Courier New" panose="02070309020205020404" pitchFamily="49" charset="0"/>
-                <a:cs typeface="Courier New" panose="02070309020205020404" pitchFamily="49" charset="0"/>
-              </a:rPr>
-              <a:t>Your branch is up-to-date with </a:t>
-            </a:r>
-            <a:r>
-              <a:rPr lang="en-US" sz="1800" dirty="0" smtClean="0">
-                <a:latin typeface="Courier New" panose="02070309020205020404" pitchFamily="49" charset="0"/>
-                <a:cs typeface="Courier New" panose="02070309020205020404" pitchFamily="49" charset="0"/>
-              </a:rPr>
-              <a:t>'origin/master'.</a:t>
-            </a:r>
-            <a:endParaRPr lang="en-US" sz="1800" dirty="0">
-              <a:latin typeface="Courier New" panose="02070309020205020404" pitchFamily="49" charset="0"/>
-              <a:cs typeface="Courier New" panose="02070309020205020404" pitchFamily="49" charset="0"/>
-            </a:endParaRPr>
-          </a:p>
-          <a:p>
-            <a:pPr marL="0" indent="0">
-              <a:buNone/>
-            </a:pPr>
-            <a:r>
-              <a:rPr lang="en-US" sz="1800" dirty="0">
-                <a:latin typeface="Courier New" panose="02070309020205020404" pitchFamily="49" charset="0"/>
-                <a:cs typeface="Courier New" panose="02070309020205020404" pitchFamily="49" charset="0"/>
-              </a:rPr>
-              <a:t>Changes to be committed:</a:t>
-            </a:r>
-          </a:p>
-          <a:p>
-            <a:pPr marL="0" indent="0">
-              <a:buNone/>
-            </a:pPr>
-            <a:r>
-              <a:rPr lang="en-US" sz="1800" dirty="0">
-                <a:latin typeface="Courier New" panose="02070309020205020404" pitchFamily="49" charset="0"/>
-                <a:cs typeface="Courier New" panose="02070309020205020404" pitchFamily="49" charset="0"/>
-              </a:rPr>
-              <a:t>  (use </a:t>
-            </a:r>
-            <a:r>
-              <a:rPr lang="en-US" sz="1800" dirty="0" smtClean="0">
-                <a:latin typeface="Courier New" panose="02070309020205020404" pitchFamily="49" charset="0"/>
-                <a:cs typeface="Courier New" panose="02070309020205020404" pitchFamily="49" charset="0"/>
-              </a:rPr>
-              <a:t>"</a:t>
-            </a:r>
-            <a:r>
-              <a:rPr lang="en-US" sz="1800" dirty="0" err="1" smtClean="0">
-                <a:latin typeface="Courier New" panose="02070309020205020404" pitchFamily="49" charset="0"/>
-                <a:cs typeface="Courier New" panose="02070309020205020404" pitchFamily="49" charset="0"/>
-              </a:rPr>
-              <a:t>git</a:t>
-            </a:r>
-            <a:r>
-              <a:rPr lang="en-US" sz="1800" dirty="0" smtClean="0">
-                <a:latin typeface="Courier New" panose="02070309020205020404" pitchFamily="49" charset="0"/>
-                <a:cs typeface="Courier New" panose="02070309020205020404" pitchFamily="49" charset="0"/>
-              </a:rPr>
-              <a:t> </a:t>
-            </a:r>
-            <a:r>
-              <a:rPr lang="en-US" sz="1800" dirty="0">
-                <a:latin typeface="Courier New" panose="02070309020205020404" pitchFamily="49" charset="0"/>
-                <a:cs typeface="Courier New" panose="02070309020205020404" pitchFamily="49" charset="0"/>
-              </a:rPr>
-              <a:t>reset HEAD &lt;file</a:t>
-            </a:r>
-            <a:r>
-              <a:rPr lang="en-US" sz="1800" dirty="0" smtClean="0">
-                <a:latin typeface="Courier New" panose="02070309020205020404" pitchFamily="49" charset="0"/>
-                <a:cs typeface="Courier New" panose="02070309020205020404" pitchFamily="49" charset="0"/>
-              </a:rPr>
-              <a:t>&gt;..." </a:t>
-            </a:r>
-            <a:r>
-              <a:rPr lang="en-US" sz="1800" dirty="0">
-                <a:latin typeface="Courier New" panose="02070309020205020404" pitchFamily="49" charset="0"/>
-                <a:cs typeface="Courier New" panose="02070309020205020404" pitchFamily="49" charset="0"/>
-              </a:rPr>
-              <a:t>to </a:t>
-            </a:r>
-            <a:r>
-              <a:rPr lang="en-US" sz="1800" dirty="0" err="1">
-                <a:latin typeface="Courier New" panose="02070309020205020404" pitchFamily="49" charset="0"/>
-                <a:cs typeface="Courier New" panose="02070309020205020404" pitchFamily="49" charset="0"/>
-              </a:rPr>
-              <a:t>unstage</a:t>
-            </a:r>
-            <a:r>
-              <a:rPr lang="en-US" sz="1800" dirty="0">
-                <a:latin typeface="Courier New" panose="02070309020205020404" pitchFamily="49" charset="0"/>
-                <a:cs typeface="Courier New" panose="02070309020205020404" pitchFamily="49" charset="0"/>
-              </a:rPr>
-              <a:t>)</a:t>
-            </a:r>
-          </a:p>
-          <a:p>
-            <a:pPr marL="0" indent="0">
-              <a:buNone/>
-            </a:pPr>
-            <a:endParaRPr lang="en-US" sz="1800" dirty="0">
-              <a:latin typeface="Courier New" panose="02070309020205020404" pitchFamily="49" charset="0"/>
-              <a:cs typeface="Courier New" panose="02070309020205020404" pitchFamily="49" charset="0"/>
-            </a:endParaRPr>
-          </a:p>
-          <a:p>
-            <a:pPr marL="0" indent="0">
-              <a:buNone/>
-            </a:pPr>
-            <a:r>
-              <a:rPr lang="en-US" sz="1800" dirty="0">
-                <a:latin typeface="Courier New" panose="02070309020205020404" pitchFamily="49" charset="0"/>
-                <a:cs typeface="Courier New" panose="02070309020205020404" pitchFamily="49" charset="0"/>
-              </a:rPr>
-              <a:t>	</a:t>
-            </a:r>
-            <a:r>
-              <a:rPr lang="en-US" sz="1800" dirty="0">
-                <a:solidFill>
-                  <a:srgbClr val="66FA66"/>
-                </a:solidFill>
-                <a:latin typeface="Courier New" panose="02070309020205020404" pitchFamily="49" charset="0"/>
-                <a:cs typeface="Courier New" panose="02070309020205020404" pitchFamily="49" charset="0"/>
-              </a:rPr>
-              <a:t>new file:   </a:t>
-            </a:r>
-            <a:r>
-              <a:rPr lang="en-US" sz="1800" dirty="0" err="1">
-                <a:solidFill>
-                  <a:srgbClr val="66FA66"/>
-                </a:solidFill>
-                <a:latin typeface="Courier New" panose="02070309020205020404" pitchFamily="49" charset="0"/>
-                <a:cs typeface="Courier New" panose="02070309020205020404" pitchFamily="49" charset="0"/>
-              </a:rPr>
-              <a:t>hi.txt</a:t>
-            </a:r>
-            <a:endParaRPr lang="en-US" sz="1800" dirty="0">
-              <a:solidFill>
-                <a:srgbClr val="66FA66"/>
-              </a:solidFill>
-              <a:latin typeface="Courier New" panose="02070309020205020404" pitchFamily="49" charset="0"/>
-              <a:cs typeface="Courier New" panose="02070309020205020404" pitchFamily="49" charset="0"/>
-            </a:endParaRPr>
-          </a:p>
-          <a:p>
-            <a:pPr marL="0" indent="0">
-              <a:buNone/>
-            </a:pPr>
-            <a:r>
-              <a:rPr lang="en-US" sz="1800" dirty="0">
-                <a:solidFill>
-                  <a:srgbClr val="66FA66"/>
-                </a:solidFill>
-                <a:latin typeface="Courier New" panose="02070309020205020404" pitchFamily="49" charset="0"/>
-                <a:cs typeface="Courier New" panose="02070309020205020404" pitchFamily="49" charset="0"/>
-              </a:rPr>
-              <a:t>	new file:   </a:t>
-            </a:r>
-            <a:r>
-              <a:rPr lang="en-US" sz="1800" dirty="0" err="1">
-                <a:solidFill>
-                  <a:srgbClr val="66FA66"/>
-                </a:solidFill>
-                <a:latin typeface="Courier New" panose="02070309020205020404" pitchFamily="49" charset="0"/>
-                <a:cs typeface="Courier New" panose="02070309020205020404" pitchFamily="49" charset="0"/>
-              </a:rPr>
-              <a:t>mydir</a:t>
-            </a:r>
-            <a:r>
-              <a:rPr lang="en-US" sz="1800" dirty="0">
-                <a:solidFill>
-                  <a:srgbClr val="66FA66"/>
-                </a:solidFill>
-                <a:latin typeface="Courier New" panose="02070309020205020404" pitchFamily="49" charset="0"/>
-                <a:cs typeface="Courier New" panose="02070309020205020404" pitchFamily="49" charset="0"/>
-              </a:rPr>
-              <a:t>/t1.txt</a:t>
-            </a:r>
-          </a:p>
-          <a:p>
-            <a:endParaRPr lang="en-US" sz="1800" dirty="0">
-              <a:latin typeface="Courier New" panose="02070309020205020404" pitchFamily="49" charset="0"/>
-              <a:cs typeface="Courier New" panose="02070309020205020404" pitchFamily="49" charset="0"/>
-            </a:endParaRPr>
-          </a:p>
-          <a:p>
-            <a:pPr marL="0" indent="0">
-              <a:buNone/>
-            </a:pPr>
-            <a:endParaRPr lang="en-US" sz="1800" dirty="0">
-              <a:latin typeface="Courier New" panose="02070309020205020404" pitchFamily="49" charset="0"/>
-              <a:cs typeface="Courier New" panose="02070309020205020404" pitchFamily="49" charset="0"/>
-            </a:endParaRPr>
-          </a:p>
-        </p:txBody>
-      </p:sp>
-      <p:sp>
-        <p:nvSpPr>
-          <p:cNvPr id="4" name="TextBox 3"/>
-          <p:cNvSpPr txBox="1"/>
-          <p:nvPr/>
-        </p:nvSpPr>
-        <p:spPr>
-          <a:xfrm>
-            <a:off x="457200" y="1331074"/>
-            <a:ext cx="6045200" cy="707886"/>
-          </a:xfrm>
-          <a:prstGeom prst="rect">
-            <a:avLst/>
-          </a:prstGeom>
-          <a:noFill/>
-        </p:spPr>
-        <p:txBody>
-          <a:bodyPr wrap="square" rtlCol="0">
-            <a:spAutoFit/>
-          </a:bodyPr>
-          <a:lstStyle/>
-          <a:p>
-            <a:r>
-              <a:rPr lang="en-US" sz="2000" dirty="0" smtClean="0">
-                <a:latin typeface="+mn-lt"/>
-              </a:rPr>
-              <a:t>Adding files tells </a:t>
-            </a:r>
-            <a:r>
-              <a:rPr lang="en-US" sz="2000" dirty="0" err="1" smtClean="0">
-                <a:latin typeface="+mn-lt"/>
-              </a:rPr>
-              <a:t>git</a:t>
-            </a:r>
-            <a:r>
-              <a:rPr lang="en-US" sz="2000" dirty="0" smtClean="0">
-                <a:latin typeface="+mn-lt"/>
-              </a:rPr>
-              <a:t> to start looking after them or add a new version if it already knows about it.</a:t>
-            </a:r>
-            <a:endParaRPr lang="en-US" sz="2000" dirty="0">
-              <a:latin typeface="+mn-lt"/>
-            </a:endParaRPr>
-          </a:p>
-        </p:txBody>
-      </p:sp>
-    </p:spTree>
-    <p:extLst>
-      <p:ext uri="{BB962C8B-B14F-4D97-AF65-F5344CB8AC3E}">
-        <p14:creationId xmlns:p14="http://schemas.microsoft.com/office/powerpoint/2010/main" val="2983270938"/>
-      </p:ext>
-    </p:extLst>
-  </p:cSld>
-  <p:clrMapOvr>
-    <a:masterClrMapping/>
-  </p:clrMapOvr>
-</p:sld>
-</file>
-
-<file path=ppt/slides/slide26.xml><?xml version="1.0" encoding="utf-8"?>
-<p:sld xmlns:a="http://schemas.openxmlformats.org/drawingml/2006/main" xmlns:r="http://schemas.openxmlformats.org/officeDocument/2006/relationships" xmlns:p="http://schemas.openxmlformats.org/presentationml/2006/main">
-  <p:cSld>
-    <p:spTree>
-      <p:nvGrpSpPr>
-        <p:cNvPr id="1" name=""/>
-        <p:cNvGrpSpPr/>
-        <p:nvPr/>
-      </p:nvGrpSpPr>
-      <p:grpSpPr>
-        <a:xfrm>
-          <a:off x="0" y="0"/>
-          <a:ext cx="0" cy="0"/>
-          <a:chOff x="0" y="0"/>
-          <a:chExt cx="0" cy="0"/>
-        </a:xfrm>
-      </p:grpSpPr>
-      <p:sp>
-        <p:nvSpPr>
-          <p:cNvPr id="2" name="Title 1"/>
-          <p:cNvSpPr>
-            <a:spLocks noGrp="1"/>
-          </p:cNvSpPr>
-          <p:nvPr>
-            <p:ph type="title"/>
-          </p:nvPr>
-        </p:nvSpPr>
-        <p:spPr/>
-        <p:txBody>
-          <a:bodyPr/>
-          <a:lstStyle/>
-          <a:p>
-            <a:r>
-              <a:rPr lang="en-US" dirty="0"/>
-              <a:t>A</a:t>
-            </a:r>
-            <a:r>
-              <a:rPr lang="en-US" dirty="0" smtClean="0"/>
-              <a:t>dd another file</a:t>
-            </a:r>
-            <a:endParaRPr lang="en-US" dirty="0"/>
-          </a:p>
-        </p:txBody>
-      </p:sp>
-      <p:sp>
-        <p:nvSpPr>
-          <p:cNvPr id="3" name="Content Placeholder 2"/>
-          <p:cNvSpPr>
-            <a:spLocks noGrp="1"/>
-          </p:cNvSpPr>
-          <p:nvPr>
-            <p:ph idx="1"/>
-          </p:nvPr>
-        </p:nvSpPr>
-        <p:spPr>
-          <a:xfrm>
-            <a:off x="457200" y="1955801"/>
-            <a:ext cx="8229600" cy="4064000"/>
-          </a:xfrm>
-        </p:spPr>
-        <p:style>
-          <a:lnRef idx="2">
-            <a:schemeClr val="dk1">
-              <a:shade val="50000"/>
-            </a:schemeClr>
-          </a:lnRef>
-          <a:fillRef idx="1">
-            <a:schemeClr val="dk1"/>
-          </a:fillRef>
-          <a:effectRef idx="0">
-            <a:schemeClr val="dk1"/>
-          </a:effectRef>
-          <a:fontRef idx="minor">
-            <a:schemeClr val="lt1"/>
-          </a:fontRef>
-        </p:style>
-        <p:txBody>
-          <a:bodyPr>
-            <a:normAutofit lnSpcReduction="10000"/>
-          </a:bodyPr>
-          <a:lstStyle/>
-          <a:p>
-            <a:pPr marL="0" indent="0">
-              <a:buNone/>
-            </a:pPr>
-            <a:r>
-              <a:rPr lang="en-US" sz="1800" dirty="0" smtClean="0">
-                <a:latin typeface="Courier New" panose="02070309020205020404" pitchFamily="49" charset="0"/>
-                <a:cs typeface="Courier New" panose="02070309020205020404" pitchFamily="49" charset="0"/>
-              </a:rPr>
-              <a:t>$ </a:t>
-            </a:r>
-            <a:r>
-              <a:rPr lang="en-US" sz="1800" b="1" dirty="0">
-                <a:solidFill>
-                  <a:srgbClr val="FFFF00"/>
-                </a:solidFill>
-                <a:latin typeface="Courier New" panose="02070309020205020404" pitchFamily="49" charset="0"/>
-                <a:cs typeface="Courier New" panose="02070309020205020404" pitchFamily="49" charset="0"/>
-              </a:rPr>
-              <a:t>echo </a:t>
-            </a:r>
-            <a:r>
-              <a:rPr lang="en-US" sz="1800" b="1" dirty="0" smtClean="0">
-                <a:solidFill>
-                  <a:srgbClr val="FFFF00"/>
-                </a:solidFill>
-                <a:latin typeface="Courier New" panose="02070309020205020404" pitchFamily="49" charset="0"/>
-                <a:cs typeface="Courier New" panose="02070309020205020404" pitchFamily="49" charset="0"/>
-              </a:rPr>
-              <a:t>"testing..." </a:t>
-            </a:r>
-            <a:r>
-              <a:rPr lang="en-US" sz="1800" b="1" dirty="0">
-                <a:solidFill>
-                  <a:srgbClr val="FFFF00"/>
-                </a:solidFill>
-                <a:latin typeface="Courier New" panose="02070309020205020404" pitchFamily="49" charset="0"/>
-                <a:cs typeface="Courier New" panose="02070309020205020404" pitchFamily="49" charset="0"/>
-              </a:rPr>
-              <a:t>&gt; </a:t>
-            </a:r>
-            <a:r>
-              <a:rPr lang="en-US" sz="1800" b="1" dirty="0" err="1">
-                <a:solidFill>
-                  <a:srgbClr val="FFFF00"/>
-                </a:solidFill>
-                <a:latin typeface="Courier New" panose="02070309020205020404" pitchFamily="49" charset="0"/>
-                <a:cs typeface="Courier New" panose="02070309020205020404" pitchFamily="49" charset="0"/>
-              </a:rPr>
-              <a:t>mydir</a:t>
-            </a:r>
-            <a:r>
-              <a:rPr lang="en-US" sz="1800" b="1" dirty="0">
-                <a:solidFill>
-                  <a:srgbClr val="FFFF00"/>
-                </a:solidFill>
-                <a:latin typeface="Courier New" panose="02070309020205020404" pitchFamily="49" charset="0"/>
-                <a:cs typeface="Courier New" panose="02070309020205020404" pitchFamily="49" charset="0"/>
-              </a:rPr>
-              <a:t>/t2.txt</a:t>
-            </a:r>
-          </a:p>
-          <a:p>
-            <a:pPr marL="0" indent="0">
-              <a:buNone/>
-            </a:pPr>
-            <a:r>
-              <a:rPr lang="en-US" sz="1800" dirty="0" smtClean="0">
-                <a:latin typeface="Courier New" panose="02070309020205020404" pitchFamily="49" charset="0"/>
-                <a:cs typeface="Courier New" panose="02070309020205020404" pitchFamily="49" charset="0"/>
-              </a:rPr>
-              <a:t>$ </a:t>
-            </a:r>
-            <a:r>
-              <a:rPr lang="en-US" sz="1800" b="1" dirty="0" err="1">
-                <a:solidFill>
-                  <a:srgbClr val="FFFF00"/>
-                </a:solidFill>
-                <a:latin typeface="Courier New" panose="02070309020205020404" pitchFamily="49" charset="0"/>
-                <a:cs typeface="Courier New" panose="02070309020205020404" pitchFamily="49" charset="0"/>
-              </a:rPr>
-              <a:t>git</a:t>
-            </a:r>
-            <a:r>
-              <a:rPr lang="en-US" sz="1800" b="1" dirty="0">
-                <a:solidFill>
-                  <a:srgbClr val="FFFF00"/>
-                </a:solidFill>
-                <a:latin typeface="Courier New" panose="02070309020205020404" pitchFamily="49" charset="0"/>
-                <a:cs typeface="Courier New" panose="02070309020205020404" pitchFamily="49" charset="0"/>
-              </a:rPr>
-              <a:t> add </a:t>
-            </a:r>
-            <a:r>
-              <a:rPr lang="en-US" sz="1800" b="1" dirty="0" err="1">
-                <a:solidFill>
-                  <a:srgbClr val="FFFF00"/>
-                </a:solidFill>
-                <a:latin typeface="Courier New" panose="02070309020205020404" pitchFamily="49" charset="0"/>
-                <a:cs typeface="Courier New" panose="02070309020205020404" pitchFamily="49" charset="0"/>
-              </a:rPr>
-              <a:t>mydir</a:t>
-            </a:r>
-            <a:r>
-              <a:rPr lang="en-US" sz="1800" b="1" dirty="0">
-                <a:solidFill>
-                  <a:srgbClr val="FFFF00"/>
-                </a:solidFill>
-                <a:latin typeface="Courier New" panose="02070309020205020404" pitchFamily="49" charset="0"/>
-                <a:cs typeface="Courier New" panose="02070309020205020404" pitchFamily="49" charset="0"/>
-              </a:rPr>
-              <a:t>/t2.txt </a:t>
-            </a:r>
-          </a:p>
-          <a:p>
-            <a:pPr marL="0" indent="0">
-              <a:buNone/>
-            </a:pPr>
-            <a:r>
-              <a:rPr lang="en-US" sz="1800" dirty="0" smtClean="0">
-                <a:latin typeface="Courier New" panose="02070309020205020404" pitchFamily="49" charset="0"/>
-                <a:cs typeface="Courier New" panose="02070309020205020404" pitchFamily="49" charset="0"/>
-              </a:rPr>
-              <a:t>$ </a:t>
-            </a:r>
-            <a:r>
-              <a:rPr lang="en-US" sz="1800" b="1" dirty="0" err="1">
-                <a:solidFill>
-                  <a:srgbClr val="FFFF00"/>
-                </a:solidFill>
-                <a:latin typeface="Courier New" panose="02070309020205020404" pitchFamily="49" charset="0"/>
-                <a:cs typeface="Courier New" panose="02070309020205020404" pitchFamily="49" charset="0"/>
-              </a:rPr>
-              <a:t>git</a:t>
-            </a:r>
-            <a:r>
-              <a:rPr lang="en-US" sz="1800" b="1" dirty="0">
-                <a:solidFill>
-                  <a:srgbClr val="FFFF00"/>
-                </a:solidFill>
-                <a:latin typeface="Courier New" panose="02070309020205020404" pitchFamily="49" charset="0"/>
-                <a:cs typeface="Courier New" panose="02070309020205020404" pitchFamily="49" charset="0"/>
-              </a:rPr>
-              <a:t> status</a:t>
-            </a:r>
-          </a:p>
-          <a:p>
-            <a:pPr marL="0" indent="0">
-              <a:buNone/>
-            </a:pPr>
-            <a:r>
-              <a:rPr lang="en-US" sz="1800" dirty="0">
-                <a:latin typeface="Courier New" panose="02070309020205020404" pitchFamily="49" charset="0"/>
-                <a:cs typeface="Courier New" panose="02070309020205020404" pitchFamily="49" charset="0"/>
-              </a:rPr>
-              <a:t>On branch master</a:t>
-            </a:r>
-          </a:p>
-          <a:p>
-            <a:pPr marL="0" indent="0">
-              <a:buNone/>
-            </a:pPr>
-            <a:r>
-              <a:rPr lang="en-US" sz="1800" dirty="0">
-                <a:latin typeface="Courier New" panose="02070309020205020404" pitchFamily="49" charset="0"/>
-                <a:cs typeface="Courier New" panose="02070309020205020404" pitchFamily="49" charset="0"/>
-              </a:rPr>
-              <a:t>Your branch is up-to-date with </a:t>
-            </a:r>
-            <a:r>
-              <a:rPr lang="en-US" sz="1800" dirty="0" smtClean="0">
-                <a:latin typeface="Courier New" panose="02070309020205020404" pitchFamily="49" charset="0"/>
-                <a:cs typeface="Courier New" panose="02070309020205020404" pitchFamily="49" charset="0"/>
-              </a:rPr>
-              <a:t>'origin/master'.</a:t>
-            </a:r>
-            <a:endParaRPr lang="en-US" sz="1800" dirty="0">
-              <a:latin typeface="Courier New" panose="02070309020205020404" pitchFamily="49" charset="0"/>
-              <a:cs typeface="Courier New" panose="02070309020205020404" pitchFamily="49" charset="0"/>
-            </a:endParaRPr>
-          </a:p>
-          <a:p>
-            <a:pPr marL="0" indent="0">
-              <a:buNone/>
-            </a:pPr>
-            <a:r>
-              <a:rPr lang="en-US" sz="1800" dirty="0">
-                <a:latin typeface="Courier New" panose="02070309020205020404" pitchFamily="49" charset="0"/>
-                <a:cs typeface="Courier New" panose="02070309020205020404" pitchFamily="49" charset="0"/>
-              </a:rPr>
-              <a:t>Changes to be committed:</a:t>
-            </a:r>
-          </a:p>
-          <a:p>
-            <a:pPr marL="0" indent="0">
-              <a:buNone/>
-            </a:pPr>
-            <a:r>
-              <a:rPr lang="en-US" sz="1800" dirty="0">
-                <a:latin typeface="Courier New" panose="02070309020205020404" pitchFamily="49" charset="0"/>
-                <a:cs typeface="Courier New" panose="02070309020205020404" pitchFamily="49" charset="0"/>
-              </a:rPr>
-              <a:t>  (use </a:t>
-            </a:r>
-            <a:r>
-              <a:rPr lang="en-US" sz="1800" dirty="0" smtClean="0">
-                <a:latin typeface="Courier New" panose="02070309020205020404" pitchFamily="49" charset="0"/>
-                <a:cs typeface="Courier New" panose="02070309020205020404" pitchFamily="49" charset="0"/>
-              </a:rPr>
-              <a:t>"</a:t>
-            </a:r>
-            <a:r>
-              <a:rPr lang="en-US" sz="1800" dirty="0" err="1" smtClean="0">
-                <a:latin typeface="Courier New" panose="02070309020205020404" pitchFamily="49" charset="0"/>
-                <a:cs typeface="Courier New" panose="02070309020205020404" pitchFamily="49" charset="0"/>
-              </a:rPr>
-              <a:t>git</a:t>
-            </a:r>
-            <a:r>
-              <a:rPr lang="en-US" sz="1800" dirty="0" smtClean="0">
-                <a:latin typeface="Courier New" panose="02070309020205020404" pitchFamily="49" charset="0"/>
-                <a:cs typeface="Courier New" panose="02070309020205020404" pitchFamily="49" charset="0"/>
-              </a:rPr>
-              <a:t> </a:t>
-            </a:r>
-            <a:r>
-              <a:rPr lang="en-US" sz="1800" dirty="0">
-                <a:latin typeface="Courier New" panose="02070309020205020404" pitchFamily="49" charset="0"/>
-                <a:cs typeface="Courier New" panose="02070309020205020404" pitchFamily="49" charset="0"/>
-              </a:rPr>
-              <a:t>reset HEAD &lt;file</a:t>
-            </a:r>
-            <a:r>
-              <a:rPr lang="en-US" sz="1800" dirty="0" smtClean="0">
-                <a:latin typeface="Courier New" panose="02070309020205020404" pitchFamily="49" charset="0"/>
-                <a:cs typeface="Courier New" panose="02070309020205020404" pitchFamily="49" charset="0"/>
-              </a:rPr>
-              <a:t>&gt;..." </a:t>
-            </a:r>
-            <a:r>
-              <a:rPr lang="en-US" sz="1800" dirty="0">
-                <a:latin typeface="Courier New" panose="02070309020205020404" pitchFamily="49" charset="0"/>
-                <a:cs typeface="Courier New" panose="02070309020205020404" pitchFamily="49" charset="0"/>
-              </a:rPr>
-              <a:t>to </a:t>
-            </a:r>
-            <a:r>
-              <a:rPr lang="en-US" sz="1800" dirty="0" err="1">
-                <a:latin typeface="Courier New" panose="02070309020205020404" pitchFamily="49" charset="0"/>
-                <a:cs typeface="Courier New" panose="02070309020205020404" pitchFamily="49" charset="0"/>
-              </a:rPr>
-              <a:t>unstage</a:t>
-            </a:r>
-            <a:r>
-              <a:rPr lang="en-US" sz="1800" dirty="0">
-                <a:latin typeface="Courier New" panose="02070309020205020404" pitchFamily="49" charset="0"/>
-                <a:cs typeface="Courier New" panose="02070309020205020404" pitchFamily="49" charset="0"/>
-              </a:rPr>
-              <a:t>)</a:t>
-            </a:r>
-          </a:p>
-          <a:p>
-            <a:pPr marL="0" indent="0">
-              <a:buNone/>
-            </a:pPr>
-            <a:endParaRPr lang="en-US" sz="1800" dirty="0">
-              <a:latin typeface="Courier New" panose="02070309020205020404" pitchFamily="49" charset="0"/>
-              <a:cs typeface="Courier New" panose="02070309020205020404" pitchFamily="49" charset="0"/>
-            </a:endParaRPr>
-          </a:p>
-          <a:p>
-            <a:pPr marL="0" indent="0">
-              <a:buNone/>
-            </a:pPr>
-            <a:r>
-              <a:rPr lang="en-US" sz="1800" dirty="0">
-                <a:latin typeface="Courier New" panose="02070309020205020404" pitchFamily="49" charset="0"/>
-                <a:cs typeface="Courier New" panose="02070309020205020404" pitchFamily="49" charset="0"/>
-              </a:rPr>
-              <a:t>	</a:t>
-            </a:r>
-            <a:r>
-              <a:rPr lang="en-US" sz="1800" dirty="0">
-                <a:solidFill>
-                  <a:srgbClr val="66FA66"/>
-                </a:solidFill>
-                <a:latin typeface="Courier New" panose="02070309020205020404" pitchFamily="49" charset="0"/>
-                <a:cs typeface="Courier New" panose="02070309020205020404" pitchFamily="49" charset="0"/>
-              </a:rPr>
-              <a:t>new file:   </a:t>
-            </a:r>
-            <a:r>
-              <a:rPr lang="en-US" sz="1800" dirty="0" err="1">
-                <a:solidFill>
-                  <a:srgbClr val="66FA66"/>
-                </a:solidFill>
-                <a:latin typeface="Courier New" panose="02070309020205020404" pitchFamily="49" charset="0"/>
-                <a:cs typeface="Courier New" panose="02070309020205020404" pitchFamily="49" charset="0"/>
-              </a:rPr>
-              <a:t>hi.txt</a:t>
-            </a:r>
-            <a:endParaRPr lang="en-US" sz="1800" dirty="0">
-              <a:solidFill>
-                <a:srgbClr val="66FA66"/>
-              </a:solidFill>
-              <a:latin typeface="Courier New" panose="02070309020205020404" pitchFamily="49" charset="0"/>
-              <a:cs typeface="Courier New" panose="02070309020205020404" pitchFamily="49" charset="0"/>
-            </a:endParaRPr>
-          </a:p>
-          <a:p>
-            <a:pPr marL="0" indent="0">
-              <a:buNone/>
-            </a:pPr>
-            <a:r>
-              <a:rPr lang="en-US" sz="1800" dirty="0">
-                <a:solidFill>
-                  <a:srgbClr val="66FA66"/>
-                </a:solidFill>
-                <a:latin typeface="Courier New" panose="02070309020205020404" pitchFamily="49" charset="0"/>
-                <a:cs typeface="Courier New" panose="02070309020205020404" pitchFamily="49" charset="0"/>
-              </a:rPr>
-              <a:t>	new file:   </a:t>
-            </a:r>
-            <a:r>
-              <a:rPr lang="en-US" sz="1800" dirty="0" err="1">
-                <a:solidFill>
-                  <a:srgbClr val="66FA66"/>
-                </a:solidFill>
-                <a:latin typeface="Courier New" panose="02070309020205020404" pitchFamily="49" charset="0"/>
-                <a:cs typeface="Courier New" panose="02070309020205020404" pitchFamily="49" charset="0"/>
-              </a:rPr>
-              <a:t>mydir</a:t>
-            </a:r>
-            <a:r>
-              <a:rPr lang="en-US" sz="1800" dirty="0">
-                <a:solidFill>
-                  <a:srgbClr val="66FA66"/>
-                </a:solidFill>
-                <a:latin typeface="Courier New" panose="02070309020205020404" pitchFamily="49" charset="0"/>
-                <a:cs typeface="Courier New" panose="02070309020205020404" pitchFamily="49" charset="0"/>
-              </a:rPr>
-              <a:t>/t1.txt</a:t>
-            </a:r>
-          </a:p>
-          <a:p>
-            <a:pPr marL="0" indent="0">
-              <a:buNone/>
-            </a:pPr>
-            <a:r>
-              <a:rPr lang="en-US" sz="1800" dirty="0">
-                <a:solidFill>
-                  <a:srgbClr val="66FA66"/>
-                </a:solidFill>
-                <a:latin typeface="Courier New" panose="02070309020205020404" pitchFamily="49" charset="0"/>
-                <a:cs typeface="Courier New" panose="02070309020205020404" pitchFamily="49" charset="0"/>
-              </a:rPr>
-              <a:t>	new file:   </a:t>
-            </a:r>
-            <a:r>
-              <a:rPr lang="en-US" sz="1800" dirty="0" err="1">
-                <a:solidFill>
-                  <a:srgbClr val="66FA66"/>
-                </a:solidFill>
-                <a:latin typeface="Courier New" panose="02070309020205020404" pitchFamily="49" charset="0"/>
-                <a:cs typeface="Courier New" panose="02070309020205020404" pitchFamily="49" charset="0"/>
-              </a:rPr>
-              <a:t>mydir</a:t>
-            </a:r>
-            <a:r>
-              <a:rPr lang="en-US" sz="1800" dirty="0">
-                <a:solidFill>
-                  <a:srgbClr val="66FA66"/>
-                </a:solidFill>
-                <a:latin typeface="Courier New" panose="02070309020205020404" pitchFamily="49" charset="0"/>
-                <a:cs typeface="Courier New" panose="02070309020205020404" pitchFamily="49" charset="0"/>
-              </a:rPr>
-              <a:t>/t2.txt</a:t>
-            </a:r>
-          </a:p>
-          <a:p>
-            <a:pPr marL="0" indent="0">
-              <a:buNone/>
-            </a:pPr>
-            <a:endParaRPr lang="en-US" dirty="0">
-              <a:latin typeface="Courier New" panose="02070309020205020404" pitchFamily="49" charset="0"/>
-              <a:cs typeface="Courier New" panose="02070309020205020404" pitchFamily="49" charset="0"/>
-            </a:endParaRPr>
-          </a:p>
-          <a:p>
-            <a:pPr marL="0" indent="0">
-              <a:buNone/>
-            </a:pPr>
-            <a:endParaRPr lang="en-US" dirty="0">
-              <a:latin typeface="Courier New" panose="02070309020205020404" pitchFamily="49" charset="0"/>
-              <a:cs typeface="Courier New" panose="02070309020205020404" pitchFamily="49" charset="0"/>
-            </a:endParaRPr>
-          </a:p>
-        </p:txBody>
-      </p:sp>
-      <p:sp>
-        <p:nvSpPr>
-          <p:cNvPr id="4" name="TextBox 3"/>
-          <p:cNvSpPr txBox="1"/>
-          <p:nvPr/>
-        </p:nvSpPr>
-        <p:spPr>
-          <a:xfrm>
-            <a:off x="457200" y="1286609"/>
-            <a:ext cx="8293100" cy="400110"/>
-          </a:xfrm>
-          <a:prstGeom prst="rect">
-            <a:avLst/>
-          </a:prstGeom>
-          <a:noFill/>
-        </p:spPr>
-        <p:txBody>
-          <a:bodyPr wrap="square" rtlCol="0">
-            <a:spAutoFit/>
-          </a:bodyPr>
-          <a:lstStyle/>
-          <a:p>
-            <a:r>
-              <a:rPr lang="en-US" sz="2000" dirty="0" smtClean="0">
-                <a:latin typeface="+mn-lt"/>
-              </a:rPr>
-              <a:t>These files are all staged to go into the repository, but are not committed yet.</a:t>
-            </a:r>
-            <a:endParaRPr lang="en-US" sz="2000" dirty="0">
-              <a:latin typeface="+mn-lt"/>
-            </a:endParaRPr>
-          </a:p>
-        </p:txBody>
-      </p:sp>
-    </p:spTree>
-    <p:extLst>
-      <p:ext uri="{BB962C8B-B14F-4D97-AF65-F5344CB8AC3E}">
-        <p14:creationId xmlns:p14="http://schemas.microsoft.com/office/powerpoint/2010/main" val="2616453291"/>
-      </p:ext>
-    </p:extLst>
-  </p:cSld>
-  <p:clrMapOvr>
-    <a:masterClrMapping/>
-  </p:clrMapOvr>
-</p:sld>
-</file>
-
-<file path=ppt/slides/slide27.xml><?xml version="1.0" encoding="utf-8"?>
-<p:sld xmlns:a="http://schemas.openxmlformats.org/drawingml/2006/main" xmlns:r="http://schemas.openxmlformats.org/officeDocument/2006/relationships" xmlns:p="http://schemas.openxmlformats.org/presentationml/2006/main">
-  <p:cSld>
-    <p:spTree>
-      <p:nvGrpSpPr>
-        <p:cNvPr id="1" name=""/>
-        <p:cNvGrpSpPr/>
-        <p:nvPr/>
-      </p:nvGrpSpPr>
-      <p:grpSpPr>
-        <a:xfrm>
-          <a:off x="0" y="0"/>
-          <a:ext cx="0" cy="0"/>
-          <a:chOff x="0" y="0"/>
-          <a:chExt cx="0" cy="0"/>
-        </a:xfrm>
-      </p:grpSpPr>
-      <p:sp>
-        <p:nvSpPr>
-          <p:cNvPr id="2" name="Title 1"/>
-          <p:cNvSpPr>
-            <a:spLocks noGrp="1"/>
-          </p:cNvSpPr>
-          <p:nvPr>
-            <p:ph type="title"/>
-          </p:nvPr>
-        </p:nvSpPr>
-        <p:spPr/>
-        <p:txBody>
-          <a:bodyPr/>
-          <a:lstStyle/>
-          <a:p>
-            <a:r>
-              <a:rPr lang="en-US" dirty="0" smtClean="0"/>
-              <a:t>Lets commit </a:t>
-            </a:r>
-            <a:endParaRPr lang="en-US" dirty="0"/>
-          </a:p>
-        </p:txBody>
-      </p:sp>
-      <p:sp>
-        <p:nvSpPr>
-          <p:cNvPr id="3" name="Content Placeholder 2"/>
-          <p:cNvSpPr>
-            <a:spLocks noGrp="1"/>
-          </p:cNvSpPr>
-          <p:nvPr>
-            <p:ph idx="1"/>
-          </p:nvPr>
-        </p:nvSpPr>
-        <p:spPr>
-          <a:xfrm>
-            <a:off x="469900" y="1930547"/>
-            <a:ext cx="8229600" cy="4038600"/>
-          </a:xfrm>
-        </p:spPr>
-        <p:style>
-          <a:lnRef idx="2">
-            <a:schemeClr val="dk1">
-              <a:shade val="50000"/>
-            </a:schemeClr>
-          </a:lnRef>
-          <a:fillRef idx="1">
-            <a:schemeClr val="dk1"/>
-          </a:fillRef>
-          <a:effectRef idx="0">
-            <a:schemeClr val="dk1"/>
-          </a:effectRef>
-          <a:fontRef idx="minor">
-            <a:schemeClr val="lt1"/>
-          </a:fontRef>
-        </p:style>
-        <p:txBody>
-          <a:bodyPr>
-            <a:normAutofit fontScale="92500" lnSpcReduction="10000"/>
-          </a:bodyPr>
-          <a:lstStyle/>
-          <a:p>
-            <a:pPr marL="0" indent="0">
-              <a:buNone/>
-            </a:pPr>
-            <a:r>
-              <a:rPr lang="en-US" sz="1800" dirty="0">
-                <a:latin typeface="Courier New" panose="02070309020205020404" pitchFamily="49" charset="0"/>
-                <a:cs typeface="Courier New" panose="02070309020205020404" pitchFamily="49" charset="0"/>
-              </a:rPr>
-              <a:t>$ </a:t>
-            </a:r>
-            <a:r>
-              <a:rPr lang="en-US" sz="1800" b="1" dirty="0" err="1">
-                <a:solidFill>
-                  <a:srgbClr val="FFFF00"/>
-                </a:solidFill>
-                <a:latin typeface="Courier New" panose="02070309020205020404" pitchFamily="49" charset="0"/>
-                <a:cs typeface="Courier New" panose="02070309020205020404" pitchFamily="49" charset="0"/>
-              </a:rPr>
-              <a:t>git</a:t>
-            </a:r>
-            <a:r>
-              <a:rPr lang="en-US" sz="1800" b="1" dirty="0">
-                <a:solidFill>
-                  <a:srgbClr val="FFFF00"/>
-                </a:solidFill>
-                <a:latin typeface="Courier New" panose="02070309020205020404" pitchFamily="49" charset="0"/>
-                <a:cs typeface="Courier New" panose="02070309020205020404" pitchFamily="49" charset="0"/>
-              </a:rPr>
-              <a:t> commit -m </a:t>
-            </a:r>
-            <a:r>
-              <a:rPr lang="en-US" sz="1800" b="1" dirty="0" smtClean="0">
-                <a:solidFill>
-                  <a:srgbClr val="FFFF00"/>
-                </a:solidFill>
-                <a:latin typeface="Courier New" panose="02070309020205020404" pitchFamily="49" charset="0"/>
-                <a:cs typeface="Courier New" panose="02070309020205020404" pitchFamily="49" charset="0"/>
-              </a:rPr>
-              <a:t>'Adding </a:t>
-            </a:r>
-            <a:r>
-              <a:rPr lang="en-US" sz="1800" b="1" dirty="0">
-                <a:solidFill>
-                  <a:srgbClr val="FFFF00"/>
-                </a:solidFill>
-                <a:latin typeface="Courier New" panose="02070309020205020404" pitchFamily="49" charset="0"/>
-                <a:cs typeface="Courier New" panose="02070309020205020404" pitchFamily="49" charset="0"/>
-              </a:rPr>
-              <a:t>my new greetings </a:t>
-            </a:r>
-            <a:r>
-              <a:rPr lang="en-US" sz="1800" b="1" dirty="0" smtClean="0">
-                <a:solidFill>
-                  <a:srgbClr val="FFFF00"/>
-                </a:solidFill>
-                <a:latin typeface="Courier New" panose="02070309020205020404" pitchFamily="49" charset="0"/>
-                <a:cs typeface="Courier New" panose="02070309020205020404" pitchFamily="49" charset="0"/>
-              </a:rPr>
-              <a:t>files'</a:t>
-            </a:r>
-            <a:endParaRPr lang="en-US" sz="1800" b="1" dirty="0">
-              <a:solidFill>
-                <a:srgbClr val="FFFF00"/>
-              </a:solidFill>
-              <a:latin typeface="Courier New" panose="02070309020205020404" pitchFamily="49" charset="0"/>
-              <a:cs typeface="Courier New" panose="02070309020205020404" pitchFamily="49" charset="0"/>
-            </a:endParaRPr>
-          </a:p>
-          <a:p>
-            <a:pPr marL="0" indent="0">
-              <a:buNone/>
-            </a:pPr>
-            <a:r>
-              <a:rPr lang="en-US" sz="1800" dirty="0">
-                <a:latin typeface="Courier New" panose="02070309020205020404" pitchFamily="49" charset="0"/>
-                <a:cs typeface="Courier New" panose="02070309020205020404" pitchFamily="49" charset="0"/>
-              </a:rPr>
-              <a:t>[master fe70026] Adding my new greetings files</a:t>
-            </a:r>
-          </a:p>
-          <a:p>
-            <a:pPr marL="0" indent="0">
-              <a:buNone/>
-            </a:pPr>
-            <a:r>
-              <a:rPr lang="en-US" sz="1800" dirty="0">
-                <a:latin typeface="Courier New" panose="02070309020205020404" pitchFamily="49" charset="0"/>
-                <a:cs typeface="Courier New" panose="02070309020205020404" pitchFamily="49" charset="0"/>
-              </a:rPr>
-              <a:t> 3 files changed, 3 insertions(+)</a:t>
-            </a:r>
-          </a:p>
-          <a:p>
-            <a:pPr marL="0" indent="0">
-              <a:buNone/>
-            </a:pPr>
-            <a:r>
-              <a:rPr lang="en-US" sz="1800" dirty="0">
-                <a:latin typeface="Courier New" panose="02070309020205020404" pitchFamily="49" charset="0"/>
-                <a:cs typeface="Courier New" panose="02070309020205020404" pitchFamily="49" charset="0"/>
-              </a:rPr>
-              <a:t> create mode 100644 </a:t>
-            </a:r>
-            <a:r>
-              <a:rPr lang="en-US" sz="1800" dirty="0" err="1">
-                <a:latin typeface="Courier New" panose="02070309020205020404" pitchFamily="49" charset="0"/>
-                <a:cs typeface="Courier New" panose="02070309020205020404" pitchFamily="49" charset="0"/>
-              </a:rPr>
-              <a:t>hi.txt</a:t>
-            </a:r>
-            <a:endParaRPr lang="en-US" sz="1800" dirty="0">
-              <a:latin typeface="Courier New" panose="02070309020205020404" pitchFamily="49" charset="0"/>
-              <a:cs typeface="Courier New" panose="02070309020205020404" pitchFamily="49" charset="0"/>
-            </a:endParaRPr>
-          </a:p>
-          <a:p>
-            <a:pPr marL="0" indent="0">
-              <a:buNone/>
-            </a:pPr>
-            <a:r>
-              <a:rPr lang="en-US" sz="1800" dirty="0">
-                <a:latin typeface="Courier New" panose="02070309020205020404" pitchFamily="49" charset="0"/>
-                <a:cs typeface="Courier New" panose="02070309020205020404" pitchFamily="49" charset="0"/>
-              </a:rPr>
-              <a:t> create mode 100644 </a:t>
-            </a:r>
-            <a:r>
-              <a:rPr lang="en-US" sz="1800" dirty="0" err="1">
-                <a:latin typeface="Courier New" panose="02070309020205020404" pitchFamily="49" charset="0"/>
-                <a:cs typeface="Courier New" panose="02070309020205020404" pitchFamily="49" charset="0"/>
-              </a:rPr>
-              <a:t>mydir</a:t>
-            </a:r>
-            <a:r>
-              <a:rPr lang="en-US" sz="1800" dirty="0">
-                <a:latin typeface="Courier New" panose="02070309020205020404" pitchFamily="49" charset="0"/>
-                <a:cs typeface="Courier New" panose="02070309020205020404" pitchFamily="49" charset="0"/>
-              </a:rPr>
-              <a:t>/t1.txt</a:t>
-            </a:r>
-          </a:p>
-          <a:p>
-            <a:pPr marL="0" indent="0">
-              <a:buNone/>
-            </a:pPr>
-            <a:r>
-              <a:rPr lang="en-US" sz="1800" dirty="0">
-                <a:latin typeface="Courier New" panose="02070309020205020404" pitchFamily="49" charset="0"/>
-                <a:cs typeface="Courier New" panose="02070309020205020404" pitchFamily="49" charset="0"/>
-              </a:rPr>
-              <a:t> create mode 100644 </a:t>
-            </a:r>
-            <a:r>
-              <a:rPr lang="en-US" sz="1800" dirty="0" err="1">
-                <a:latin typeface="Courier New" panose="02070309020205020404" pitchFamily="49" charset="0"/>
-                <a:cs typeface="Courier New" panose="02070309020205020404" pitchFamily="49" charset="0"/>
-              </a:rPr>
-              <a:t>mydir</a:t>
-            </a:r>
-            <a:r>
-              <a:rPr lang="en-US" sz="1800" dirty="0">
-                <a:latin typeface="Courier New" panose="02070309020205020404" pitchFamily="49" charset="0"/>
-                <a:cs typeface="Courier New" panose="02070309020205020404" pitchFamily="49" charset="0"/>
-              </a:rPr>
-              <a:t>/t2.txt</a:t>
-            </a:r>
-          </a:p>
-          <a:p>
-            <a:pPr marL="0" indent="0">
-              <a:buNone/>
-            </a:pPr>
-            <a:endParaRPr lang="en-US" sz="1800" dirty="0" smtClean="0">
-              <a:latin typeface="Courier New" panose="02070309020205020404" pitchFamily="49" charset="0"/>
-              <a:cs typeface="Courier New" panose="02070309020205020404" pitchFamily="49" charset="0"/>
-            </a:endParaRPr>
-          </a:p>
-          <a:p>
-            <a:pPr marL="0" indent="0">
-              <a:buNone/>
-            </a:pPr>
-            <a:r>
-              <a:rPr lang="en-US" sz="1800" dirty="0" smtClean="0">
-                <a:latin typeface="Courier New" panose="02070309020205020404" pitchFamily="49" charset="0"/>
-                <a:cs typeface="Courier New" panose="02070309020205020404" pitchFamily="49" charset="0"/>
-              </a:rPr>
-              <a:t>$ </a:t>
-            </a:r>
-            <a:r>
-              <a:rPr lang="en-US" sz="1800" b="1" dirty="0" err="1">
-                <a:solidFill>
-                  <a:srgbClr val="FFFF00"/>
-                </a:solidFill>
-                <a:latin typeface="Courier New" panose="02070309020205020404" pitchFamily="49" charset="0"/>
-                <a:cs typeface="Courier New" panose="02070309020205020404" pitchFamily="49" charset="0"/>
-              </a:rPr>
-              <a:t>git</a:t>
-            </a:r>
-            <a:r>
-              <a:rPr lang="en-US" sz="1800" b="1" dirty="0">
-                <a:solidFill>
-                  <a:srgbClr val="FFFF00"/>
-                </a:solidFill>
-                <a:latin typeface="Courier New" panose="02070309020205020404" pitchFamily="49" charset="0"/>
-                <a:cs typeface="Courier New" panose="02070309020205020404" pitchFamily="49" charset="0"/>
-              </a:rPr>
-              <a:t> status</a:t>
-            </a:r>
-          </a:p>
-          <a:p>
-            <a:pPr marL="0" indent="0">
-              <a:buNone/>
-            </a:pPr>
-            <a:r>
-              <a:rPr lang="en-US" sz="1800" dirty="0">
-                <a:latin typeface="Courier New" panose="02070309020205020404" pitchFamily="49" charset="0"/>
-                <a:cs typeface="Courier New" panose="02070309020205020404" pitchFamily="49" charset="0"/>
-              </a:rPr>
-              <a:t>On branch master</a:t>
-            </a:r>
-          </a:p>
-          <a:p>
-            <a:pPr marL="0" indent="0">
-              <a:buNone/>
-            </a:pPr>
-            <a:r>
-              <a:rPr lang="en-US" sz="1800" dirty="0">
-                <a:latin typeface="Courier New" panose="02070309020205020404" pitchFamily="49" charset="0"/>
-                <a:cs typeface="Courier New" panose="02070309020205020404" pitchFamily="49" charset="0"/>
-              </a:rPr>
-              <a:t>Your branch is ahead of </a:t>
-            </a:r>
-            <a:r>
-              <a:rPr lang="en-US" sz="1800" dirty="0" smtClean="0">
-                <a:latin typeface="Courier New" panose="02070309020205020404" pitchFamily="49" charset="0"/>
-                <a:cs typeface="Courier New" panose="02070309020205020404" pitchFamily="49" charset="0"/>
-              </a:rPr>
-              <a:t>'origin/master' </a:t>
-            </a:r>
-            <a:r>
-              <a:rPr lang="en-US" sz="1800" dirty="0">
-                <a:latin typeface="Courier New" panose="02070309020205020404" pitchFamily="49" charset="0"/>
-                <a:cs typeface="Courier New" panose="02070309020205020404" pitchFamily="49" charset="0"/>
-              </a:rPr>
-              <a:t>by 1 commit.</a:t>
-            </a:r>
-          </a:p>
-          <a:p>
-            <a:pPr marL="0" indent="0">
-              <a:buNone/>
-            </a:pPr>
-            <a:r>
-              <a:rPr lang="en-US" sz="1800" dirty="0">
-                <a:latin typeface="Courier New" panose="02070309020205020404" pitchFamily="49" charset="0"/>
-                <a:cs typeface="Courier New" panose="02070309020205020404" pitchFamily="49" charset="0"/>
-              </a:rPr>
-              <a:t>  (use </a:t>
-            </a:r>
-            <a:r>
-              <a:rPr lang="en-US" sz="1800" dirty="0" smtClean="0">
-                <a:latin typeface="Courier New" panose="02070309020205020404" pitchFamily="49" charset="0"/>
-                <a:cs typeface="Courier New" panose="02070309020205020404" pitchFamily="49" charset="0"/>
-              </a:rPr>
-              <a:t>"</a:t>
-            </a:r>
-            <a:r>
-              <a:rPr lang="en-US" sz="1800" dirty="0" err="1" smtClean="0">
-                <a:latin typeface="Courier New" panose="02070309020205020404" pitchFamily="49" charset="0"/>
-                <a:cs typeface="Courier New" panose="02070309020205020404" pitchFamily="49" charset="0"/>
-              </a:rPr>
-              <a:t>git</a:t>
-            </a:r>
-            <a:r>
-              <a:rPr lang="en-US" sz="1800" dirty="0" smtClean="0">
-                <a:latin typeface="Courier New" panose="02070309020205020404" pitchFamily="49" charset="0"/>
-                <a:cs typeface="Courier New" panose="02070309020205020404" pitchFamily="49" charset="0"/>
-              </a:rPr>
-              <a:t> push" </a:t>
-            </a:r>
-            <a:r>
-              <a:rPr lang="en-US" sz="1800" dirty="0">
-                <a:latin typeface="Courier New" panose="02070309020205020404" pitchFamily="49" charset="0"/>
-                <a:cs typeface="Courier New" panose="02070309020205020404" pitchFamily="49" charset="0"/>
-              </a:rPr>
-              <a:t>to publish your local commits)</a:t>
-            </a:r>
-          </a:p>
-          <a:p>
-            <a:pPr marL="0" indent="0">
-              <a:buNone/>
-            </a:pPr>
-            <a:r>
-              <a:rPr lang="en-US" sz="1800" dirty="0">
-                <a:latin typeface="Courier New" panose="02070309020205020404" pitchFamily="49" charset="0"/>
-                <a:cs typeface="Courier New" panose="02070309020205020404" pitchFamily="49" charset="0"/>
-              </a:rPr>
-              <a:t>nothing to commit, working tree clean</a:t>
-            </a:r>
-          </a:p>
-        </p:txBody>
-      </p:sp>
-      <p:sp>
-        <p:nvSpPr>
-          <p:cNvPr id="4" name="TextBox 3"/>
-          <p:cNvSpPr txBox="1"/>
-          <p:nvPr/>
-        </p:nvSpPr>
-        <p:spPr>
-          <a:xfrm>
-            <a:off x="457200" y="1239749"/>
-            <a:ext cx="8293100" cy="707886"/>
-          </a:xfrm>
-          <a:prstGeom prst="rect">
-            <a:avLst/>
-          </a:prstGeom>
-          <a:noFill/>
-        </p:spPr>
-        <p:txBody>
-          <a:bodyPr wrap="square" rtlCol="0">
-            <a:spAutoFit/>
-          </a:bodyPr>
-          <a:lstStyle/>
-          <a:p>
-            <a:r>
-              <a:rPr lang="en-US" sz="2000" dirty="0" smtClean="0">
-                <a:latin typeface="+mn-lt"/>
-              </a:rPr>
-              <a:t>Now the files are in the local repository. The working tree is the same as repository. </a:t>
-            </a:r>
-            <a:endParaRPr lang="en-US" sz="2000" dirty="0">
-              <a:latin typeface="+mn-lt"/>
-            </a:endParaRPr>
-          </a:p>
-        </p:txBody>
-      </p:sp>
-    </p:spTree>
-    <p:extLst>
-      <p:ext uri="{BB962C8B-B14F-4D97-AF65-F5344CB8AC3E}">
-        <p14:creationId xmlns:p14="http://schemas.microsoft.com/office/powerpoint/2010/main" val="2525722507"/>
-      </p:ext>
-    </p:extLst>
-  </p:cSld>
-  <p:clrMapOvr>
-    <a:masterClrMapping/>
-  </p:clrMapOvr>
-</p:sld>
-</file>
-
-<file path=ppt/slides/slide28.xml><?xml version="1.0" encoding="utf-8"?>
-<p:sld xmlns:a="http://schemas.openxmlformats.org/drawingml/2006/main" xmlns:r="http://schemas.openxmlformats.org/officeDocument/2006/relationships" xmlns:p="http://schemas.openxmlformats.org/presentationml/2006/main">
-  <p:cSld>
-    <p:spTree>
-      <p:nvGrpSpPr>
-        <p:cNvPr id="1" name=""/>
-        <p:cNvGrpSpPr/>
-        <p:nvPr/>
-      </p:nvGrpSpPr>
-      <p:grpSpPr>
-        <a:xfrm>
-          <a:off x="0" y="0"/>
-          <a:ext cx="0" cy="0"/>
-          <a:chOff x="0" y="0"/>
-          <a:chExt cx="0" cy="0"/>
-        </a:xfrm>
-      </p:grpSpPr>
-      <p:sp>
-        <p:nvSpPr>
-          <p:cNvPr id="2" name="Title 1"/>
-          <p:cNvSpPr>
-            <a:spLocks noGrp="1"/>
-          </p:cNvSpPr>
-          <p:nvPr>
-            <p:ph type="title"/>
-          </p:nvPr>
-        </p:nvSpPr>
-        <p:spPr/>
-        <p:txBody>
-          <a:bodyPr/>
-          <a:lstStyle/>
-          <a:p>
-            <a:r>
-              <a:rPr lang="en-US" dirty="0" smtClean="0"/>
-              <a:t>Push the new version back to </a:t>
-            </a:r>
-            <a:r>
-              <a:rPr lang="en-US" dirty="0" err="1" smtClean="0"/>
-              <a:t>Github</a:t>
-            </a:r>
-            <a:endParaRPr lang="en-US" dirty="0"/>
-          </a:p>
-        </p:txBody>
-      </p:sp>
-      <p:sp>
-        <p:nvSpPr>
-          <p:cNvPr id="3" name="Content Placeholder 2"/>
-          <p:cNvSpPr>
-            <a:spLocks noGrp="1"/>
-          </p:cNvSpPr>
-          <p:nvPr>
-            <p:ph idx="1"/>
-          </p:nvPr>
-        </p:nvSpPr>
-        <p:spPr>
-          <a:xfrm>
-            <a:off x="355600" y="1594353"/>
-            <a:ext cx="8229600" cy="3086100"/>
-          </a:xfrm>
-        </p:spPr>
-        <p:style>
-          <a:lnRef idx="2">
-            <a:schemeClr val="dk1">
-              <a:shade val="50000"/>
-            </a:schemeClr>
-          </a:lnRef>
-          <a:fillRef idx="1">
-            <a:schemeClr val="dk1"/>
-          </a:fillRef>
-          <a:effectRef idx="0">
-            <a:schemeClr val="dk1"/>
-          </a:effectRef>
-          <a:fontRef idx="minor">
-            <a:schemeClr val="lt1"/>
-          </a:fontRef>
-        </p:style>
-        <p:txBody>
-          <a:bodyPr/>
-          <a:lstStyle/>
-          <a:p>
-            <a:pPr marL="0" indent="0">
-              <a:buNone/>
-            </a:pPr>
-            <a:r>
-              <a:rPr lang="en-US" sz="1800" dirty="0" smtClean="0">
-                <a:latin typeface="Courier New" panose="02070309020205020404" pitchFamily="49" charset="0"/>
-                <a:cs typeface="Courier New" panose="02070309020205020404" pitchFamily="49" charset="0"/>
-              </a:rPr>
-              <a:t>$ </a:t>
-            </a:r>
-            <a:r>
-              <a:rPr lang="en-US" sz="1800" b="1" dirty="0" err="1">
-                <a:solidFill>
-                  <a:srgbClr val="FFFF00"/>
-                </a:solidFill>
-                <a:latin typeface="Courier New" panose="02070309020205020404" pitchFamily="49" charset="0"/>
-                <a:cs typeface="Courier New" panose="02070309020205020404" pitchFamily="49" charset="0"/>
-              </a:rPr>
-              <a:t>git</a:t>
-            </a:r>
-            <a:r>
-              <a:rPr lang="en-US" sz="1800" b="1" dirty="0">
-                <a:solidFill>
-                  <a:srgbClr val="FFFF00"/>
-                </a:solidFill>
-                <a:latin typeface="Courier New" panose="02070309020205020404" pitchFamily="49" charset="0"/>
-                <a:cs typeface="Courier New" panose="02070309020205020404" pitchFamily="49" charset="0"/>
-              </a:rPr>
-              <a:t> push</a:t>
-            </a:r>
-          </a:p>
-          <a:p>
-            <a:pPr marL="0" indent="0">
-              <a:buNone/>
-            </a:pPr>
-            <a:r>
-              <a:rPr lang="en-US" sz="1800" dirty="0">
-                <a:latin typeface="Courier New" panose="02070309020205020404" pitchFamily="49" charset="0"/>
-                <a:cs typeface="Courier New" panose="02070309020205020404" pitchFamily="49" charset="0"/>
-              </a:rPr>
-              <a:t>Counting objects: 5, done.</a:t>
-            </a:r>
-          </a:p>
-          <a:p>
-            <a:pPr marL="0" indent="0">
-              <a:buNone/>
-            </a:pPr>
-            <a:r>
-              <a:rPr lang="en-US" sz="1800" dirty="0">
-                <a:latin typeface="Courier New" panose="02070309020205020404" pitchFamily="49" charset="0"/>
-                <a:cs typeface="Courier New" panose="02070309020205020404" pitchFamily="49" charset="0"/>
-              </a:rPr>
-              <a:t>Delta compression using up to 4 threads.</a:t>
-            </a:r>
-          </a:p>
-          <a:p>
-            <a:pPr marL="0" indent="0">
-              <a:buNone/>
-            </a:pPr>
-            <a:r>
-              <a:rPr lang="en-US" sz="1800" dirty="0">
-                <a:latin typeface="Courier New" panose="02070309020205020404" pitchFamily="49" charset="0"/>
-                <a:cs typeface="Courier New" panose="02070309020205020404" pitchFamily="49" charset="0"/>
-              </a:rPr>
-              <a:t>Compressing objects: 100% (3/3), done.</a:t>
-            </a:r>
-          </a:p>
-          <a:p>
-            <a:pPr marL="0" indent="0">
-              <a:buNone/>
-            </a:pPr>
-            <a:r>
-              <a:rPr lang="en-US" sz="1800" dirty="0">
-                <a:latin typeface="Courier New" panose="02070309020205020404" pitchFamily="49" charset="0"/>
-                <a:cs typeface="Courier New" panose="02070309020205020404" pitchFamily="49" charset="0"/>
-              </a:rPr>
-              <a:t>Writing objects: 100% (5/5), 465 bytes | 0 bytes/s, done.</a:t>
-            </a:r>
-          </a:p>
-          <a:p>
-            <a:pPr marL="0" indent="0">
-              <a:buNone/>
-            </a:pPr>
-            <a:r>
-              <a:rPr lang="en-US" sz="1800" dirty="0">
-                <a:latin typeface="Courier New" panose="02070309020205020404" pitchFamily="49" charset="0"/>
-                <a:cs typeface="Courier New" panose="02070309020205020404" pitchFamily="49" charset="0"/>
-              </a:rPr>
-              <a:t>Total 5 (delta 0), reused 0 (delta 0)</a:t>
-            </a:r>
-          </a:p>
-          <a:p>
-            <a:pPr marL="0" indent="0">
-              <a:buNone/>
-            </a:pPr>
-            <a:r>
-              <a:rPr lang="en-US" sz="1800" dirty="0">
-                <a:latin typeface="Courier New" panose="02070309020205020404" pitchFamily="49" charset="0"/>
-                <a:cs typeface="Courier New" panose="02070309020205020404" pitchFamily="49" charset="0"/>
-              </a:rPr>
-              <a:t>To </a:t>
-            </a:r>
-            <a:r>
-              <a:rPr lang="en-US" sz="1800" dirty="0" err="1">
-                <a:latin typeface="Courier New" panose="02070309020205020404" pitchFamily="49" charset="0"/>
-                <a:cs typeface="Courier New" panose="02070309020205020404" pitchFamily="49" charset="0"/>
-              </a:rPr>
-              <a:t>github.com:spepler</a:t>
-            </a:r>
-            <a:r>
-              <a:rPr lang="en-US" sz="1800" dirty="0">
-                <a:latin typeface="Courier New" panose="02070309020205020404" pitchFamily="49" charset="0"/>
-                <a:cs typeface="Courier New" panose="02070309020205020404" pitchFamily="49" charset="0"/>
-              </a:rPr>
-              <a:t>/</a:t>
-            </a:r>
-            <a:r>
-              <a:rPr lang="en-US" sz="1800" dirty="0" err="1">
-                <a:latin typeface="Courier New" panose="02070309020205020404" pitchFamily="49" charset="0"/>
-                <a:cs typeface="Courier New" panose="02070309020205020404" pitchFamily="49" charset="0"/>
-              </a:rPr>
-              <a:t>ncas-isc.git</a:t>
-            </a:r>
-            <a:endParaRPr lang="en-US" sz="1800" dirty="0">
-              <a:latin typeface="Courier New" panose="02070309020205020404" pitchFamily="49" charset="0"/>
-              <a:cs typeface="Courier New" panose="02070309020205020404" pitchFamily="49" charset="0"/>
-            </a:endParaRPr>
-          </a:p>
-          <a:p>
-            <a:pPr marL="0" indent="0">
-              <a:buNone/>
-            </a:pPr>
-            <a:r>
-              <a:rPr lang="mr-IN" sz="1800" dirty="0">
-                <a:latin typeface="Courier New" panose="02070309020205020404" pitchFamily="49" charset="0"/>
-                <a:cs typeface="Courier"/>
-              </a:rPr>
-              <a:t>   fdd3c9e..fe70026  master -&gt; </a:t>
-            </a:r>
-            <a:r>
-              <a:rPr lang="mr-IN" sz="1800" dirty="0" smtClean="0">
-                <a:latin typeface="Courier New" panose="02070309020205020404" pitchFamily="49" charset="0"/>
-                <a:cs typeface="Courier"/>
-              </a:rPr>
-              <a:t>master</a:t>
-            </a:r>
-            <a:endParaRPr lang="mr-IN" sz="1800" dirty="0">
-              <a:latin typeface="Courier New" panose="02070309020205020404" pitchFamily="49" charset="0"/>
-              <a:cs typeface="Courier"/>
-            </a:endParaRPr>
-          </a:p>
-        </p:txBody>
-      </p:sp>
-      <p:sp>
-        <p:nvSpPr>
-          <p:cNvPr id="4" name="TextBox 3"/>
-          <p:cNvSpPr txBox="1"/>
-          <p:nvPr/>
-        </p:nvSpPr>
-        <p:spPr>
-          <a:xfrm>
-            <a:off x="292100" y="1225065"/>
-            <a:ext cx="8293100" cy="400110"/>
-          </a:xfrm>
-          <a:prstGeom prst="rect">
-            <a:avLst/>
-          </a:prstGeom>
-          <a:noFill/>
-        </p:spPr>
-        <p:txBody>
-          <a:bodyPr wrap="square" rtlCol="0">
-            <a:spAutoFit/>
-          </a:bodyPr>
-          <a:lstStyle/>
-          <a:p>
-            <a:r>
-              <a:rPr lang="en-US" sz="2000" dirty="0" smtClean="0">
-                <a:latin typeface="+mn-lt"/>
-              </a:rPr>
-              <a:t>Make the repo on </a:t>
-            </a:r>
-            <a:r>
-              <a:rPr lang="en-US" sz="2000" dirty="0" err="1" smtClean="0">
-                <a:latin typeface="+mn-lt"/>
-              </a:rPr>
-              <a:t>Github</a:t>
-            </a:r>
-            <a:r>
-              <a:rPr lang="en-US" sz="2000" dirty="0" smtClean="0">
-                <a:latin typeface="+mn-lt"/>
-              </a:rPr>
-              <a:t> match the local repo.  </a:t>
-            </a:r>
-            <a:endParaRPr lang="en-US" sz="2000" dirty="0">
-              <a:latin typeface="+mn-lt"/>
-            </a:endParaRPr>
-          </a:p>
-        </p:txBody>
-      </p:sp>
-      <p:pic>
-        <p:nvPicPr>
-          <p:cNvPr id="5" name="Picture 4" descr="Screen Shot 2017-02-24 at 12.07.08.png"/>
-          <p:cNvPicPr>
-            <a:picLocks noChangeAspect="1"/>
-          </p:cNvPicPr>
-          <p:nvPr/>
-        </p:nvPicPr>
-        <p:blipFill>
-          <a:blip r:embed="rId2" cstate="email">
-            <a:extLst>
-              <a:ext uri="{28A0092B-C50C-407E-A947-70E740481C1C}">
-                <a14:useLocalDpi xmlns:a14="http://schemas.microsoft.com/office/drawing/2010/main" val="0"/>
-              </a:ext>
-            </a:extLst>
-          </a:blip>
-          <a:stretch>
-            <a:fillRect/>
-          </a:stretch>
-        </p:blipFill>
-        <p:spPr>
-          <a:xfrm>
-            <a:off x="0" y="4643919"/>
-            <a:ext cx="9144000" cy="2214081"/>
-          </a:xfrm>
-          <a:prstGeom prst="rect">
-            <a:avLst/>
-          </a:prstGeom>
-        </p:spPr>
-      </p:pic>
-    </p:spTree>
-    <p:extLst>
-      <p:ext uri="{BB962C8B-B14F-4D97-AF65-F5344CB8AC3E}">
-        <p14:creationId xmlns:p14="http://schemas.microsoft.com/office/powerpoint/2010/main" val="97994793"/>
-      </p:ext>
-    </p:extLst>
-  </p:cSld>
-  <p:clrMapOvr>
-    <a:masterClrMapping/>
-  </p:clrMapOvr>
-</p:sld>
-</file>
-
-<file path=ppt/slides/slide29.xml><?xml version="1.0" encoding="utf-8"?>
-<p:sld xmlns:a="http://schemas.openxmlformats.org/drawingml/2006/main" xmlns:r="http://schemas.openxmlformats.org/officeDocument/2006/relationships" xmlns:p="http://schemas.openxmlformats.org/presentationml/2006/main">
-  <p:cSld>
-    <p:spTree>
-      <p:nvGrpSpPr>
-        <p:cNvPr id="1" name=""/>
-        <p:cNvGrpSpPr/>
-        <p:nvPr/>
-      </p:nvGrpSpPr>
-      <p:grpSpPr>
-        <a:xfrm>
-          <a:off x="0" y="0"/>
-          <a:ext cx="0" cy="0"/>
-          <a:chOff x="0" y="0"/>
-          <a:chExt cx="0" cy="0"/>
-        </a:xfrm>
-      </p:grpSpPr>
-      <p:sp>
-        <p:nvSpPr>
-          <p:cNvPr id="2" name="Title 1"/>
-          <p:cNvSpPr>
-            <a:spLocks noGrp="1"/>
-          </p:cNvSpPr>
-          <p:nvPr>
-            <p:ph type="title"/>
-          </p:nvPr>
-        </p:nvSpPr>
-        <p:spPr/>
-        <p:txBody>
-          <a:bodyPr/>
-          <a:lstStyle/>
-          <a:p>
-            <a:r>
-              <a:rPr lang="en-US" dirty="0" smtClean="0"/>
-              <a:t>Enough?</a:t>
-            </a:r>
-            <a:endParaRPr lang="en-US" dirty="0"/>
-          </a:p>
-        </p:txBody>
-      </p:sp>
-      <p:sp>
-        <p:nvSpPr>
-          <p:cNvPr id="3" name="Content Placeholder 2"/>
-          <p:cNvSpPr>
-            <a:spLocks noGrp="1"/>
-          </p:cNvSpPr>
-          <p:nvPr>
-            <p:ph idx="1"/>
-          </p:nvPr>
-        </p:nvSpPr>
-        <p:spPr/>
-        <p:txBody>
-          <a:bodyPr/>
-          <a:lstStyle/>
-          <a:p>
-            <a:r>
-              <a:rPr lang="en-US" dirty="0" smtClean="0"/>
-              <a:t>If you are working on your own then that is all you need to know.</a:t>
-            </a:r>
-          </a:p>
-          <a:p>
-            <a:r>
-              <a:rPr lang="en-US" dirty="0" smtClean="0"/>
-              <a:t>You can keep track of changes in your code, you know its safe and you can share it with people.</a:t>
-            </a:r>
-          </a:p>
-          <a:p>
-            <a:endParaRPr lang="en-US" dirty="0" smtClean="0"/>
-          </a:p>
-          <a:p>
-            <a:endParaRPr lang="en-US" dirty="0"/>
-          </a:p>
-        </p:txBody>
-      </p:sp>
-    </p:spTree>
-    <p:extLst>
-      <p:ext uri="{BB962C8B-B14F-4D97-AF65-F5344CB8AC3E}">
-        <p14:creationId xmlns:p14="http://schemas.microsoft.com/office/powerpoint/2010/main" val="3313336411"/>
-      </p:ext>
-    </p:extLst>
-  </p:cSld>
-  <p:clrMapOvr>
-    <a:masterClrMapping/>
-  </p:clrMapOvr>
-</p:sld>
-</file>
-
-<file path=ppt/slides/slide3.xml><?xml version="1.0" encoding="utf-8"?>
+<file path=ppt/slides/slide2.xml><?xml version="1.0" encoding="utf-8"?>
 <p:sld xmlns:a="http://schemas.openxmlformats.org/drawingml/2006/main" xmlns:r="http://schemas.openxmlformats.org/officeDocument/2006/relationships" xmlns:p="http://schemas.openxmlformats.org/presentationml/2006/main">
   <p:cSld>
     <p:spTree>
@@ -16465,7 +13061,3141 @@
 </p:sld>
 </file>
 
-<file path=ppt/slides/slide30.xml><?xml version="1.0" encoding="utf-8"?>
+<file path=ppt/slides/slide20.xml><?xml version="1.0" encoding="utf-8"?>
+<p:sld xmlns:a="http://schemas.openxmlformats.org/drawingml/2006/main" xmlns:r="http://schemas.openxmlformats.org/officeDocument/2006/relationships" xmlns:p="http://schemas.openxmlformats.org/presentationml/2006/main">
+  <p:cSld>
+    <p:spTree>
+      <p:nvGrpSpPr>
+        <p:cNvPr id="1" name=""/>
+        <p:cNvGrpSpPr/>
+        <p:nvPr/>
+      </p:nvGrpSpPr>
+      <p:grpSpPr>
+        <a:xfrm>
+          <a:off x="0" y="0"/>
+          <a:ext cx="0" cy="0"/>
+          <a:chOff x="0" y="0"/>
+          <a:chExt cx="0" cy="0"/>
+        </a:xfrm>
+      </p:grpSpPr>
+      <p:sp>
+        <p:nvSpPr>
+          <p:cNvPr id="27650" name="Title 1"/>
+          <p:cNvSpPr>
+            <a:spLocks noGrp="1"/>
+          </p:cNvSpPr>
+          <p:nvPr>
+            <p:ph type="title"/>
+          </p:nvPr>
+        </p:nvSpPr>
+        <p:spPr/>
+        <p:txBody>
+          <a:bodyPr/>
+          <a:lstStyle/>
+          <a:p>
+            <a:r>
+              <a:rPr lang="en-GB" dirty="0" smtClean="0">
+                <a:latin typeface="Calibri" charset="0"/>
+              </a:rPr>
+              <a:t>Let's </a:t>
+            </a:r>
+            <a:r>
+              <a:rPr lang="en-GB" dirty="0">
+                <a:latin typeface="Calibri" charset="0"/>
+              </a:rPr>
+              <a:t>look on GitHub</a:t>
+            </a:r>
+          </a:p>
+        </p:txBody>
+      </p:sp>
+      <p:sp>
+        <p:nvSpPr>
+          <p:cNvPr id="27651" name="Content Placeholder 2"/>
+          <p:cNvSpPr>
+            <a:spLocks noGrp="1"/>
+          </p:cNvSpPr>
+          <p:nvPr>
+            <p:ph idx="1"/>
+          </p:nvPr>
+        </p:nvSpPr>
+        <p:spPr>
+          <a:xfrm>
+            <a:off x="376518" y="1255997"/>
+            <a:ext cx="7899400" cy="850900"/>
+          </a:xfrm>
+        </p:spPr>
+        <p:txBody>
+          <a:bodyPr/>
+          <a:lstStyle/>
+          <a:p>
+            <a:pPr marL="0" indent="0">
+              <a:buFont typeface="Arial" charset="0"/>
+              <a:buNone/>
+            </a:pPr>
+            <a:r>
+              <a:rPr lang="en-GB" dirty="0" smtClean="0">
+                <a:latin typeface="Calibri" charset="0"/>
+              </a:rPr>
+              <a:t>Before</a:t>
+            </a:r>
+            <a:r>
+              <a:rPr lang="mr-IN" dirty="0" smtClean="0">
+                <a:latin typeface="Calibri" charset="0"/>
+              </a:rPr>
+              <a:t>…</a:t>
+            </a:r>
+            <a:endParaRPr lang="en-GB" dirty="0">
+              <a:latin typeface="Calibri" charset="0"/>
+            </a:endParaRPr>
+          </a:p>
+        </p:txBody>
+      </p:sp>
+      <p:pic>
+        <p:nvPicPr>
+          <p:cNvPr id="2" name="Picture 1" descr="Screen Shot 2017-02-23 at 11.11.53.png"/>
+          <p:cNvPicPr>
+            <a:picLocks noChangeAspect="1"/>
+          </p:cNvPicPr>
+          <p:nvPr/>
+        </p:nvPicPr>
+        <p:blipFill>
+          <a:blip r:embed="rId2" cstate="email">
+            <a:extLst>
+              <a:ext uri="{28A0092B-C50C-407E-A947-70E740481C1C}">
+                <a14:useLocalDpi xmlns:a14="http://schemas.microsoft.com/office/drawing/2010/main" val="0"/>
+              </a:ext>
+            </a:extLst>
+          </a:blip>
+          <a:stretch>
+            <a:fillRect/>
+          </a:stretch>
+        </p:blipFill>
+        <p:spPr>
+          <a:xfrm>
+            <a:off x="26894" y="1739901"/>
+            <a:ext cx="9117106" cy="1796474"/>
+          </a:xfrm>
+          <a:prstGeom prst="rect">
+            <a:avLst/>
+          </a:prstGeom>
+        </p:spPr>
+      </p:pic>
+      <p:sp>
+        <p:nvSpPr>
+          <p:cNvPr id="5" name="Content Placeholder 2"/>
+          <p:cNvSpPr txBox="1">
+            <a:spLocks/>
+          </p:cNvSpPr>
+          <p:nvPr/>
+        </p:nvSpPr>
+        <p:spPr bwMode="auto">
+          <a:xfrm>
+            <a:off x="376518" y="3536375"/>
+            <a:ext cx="7899400" cy="850900"/>
+          </a:xfrm>
+          <a:prstGeom prst="rect">
+            <a:avLst/>
+          </a:prstGeom>
+          <a:noFill/>
+          <a:ln>
+            <a:noFill/>
+          </a:ln>
+          <a:extLst>
+            <a:ext uri="{FAA26D3D-D897-4be2-8F04-BA451C77F1D7}">
+              <ma14:placeholderFlag xmlns="" xmlns:ma14="http://schemas.microsoft.com/office/mac/drawingml/2011/main" val="1"/>
+            </a:ext>
+            <a:ext uri="{909E8E84-426E-40dd-AFC4-6F175D3DCCD1}">
+              <a14:hiddenFill xmlns:a14="http://schemas.microsoft.com/office/drawing/2010/main" xmlns="">
+                <a:solidFill>
+                  <a:srgbClr val="FFFFFF"/>
+                </a:solidFill>
+              </a14:hiddenFill>
+            </a:ext>
+            <a:ext uri="{91240B29-F687-4f45-9708-019B960494DF}">
+              <a14:hiddenLine xmlns:a14="http://schemas.microsoft.com/office/drawing/2010/main" xmlns="" w="9525">
+                <a:solidFill>
+                  <a:srgbClr val="000000"/>
+                </a:solidFill>
+                <a:miter lim="800000"/>
+                <a:headEnd/>
+                <a:tailEnd/>
+              </a14:hiddenLine>
+            </a:ext>
+          </a:extLst>
+        </p:spPr>
+        <p:txBody>
+          <a:bodyPr vert="horz" wrap="square" lIns="91440" tIns="45720" rIns="91440" bIns="45720" numCol="1" anchor="t" anchorCtr="0" compatLnSpc="1">
+            <a:prstTxWarp prst="textNoShape">
+              <a:avLst/>
+            </a:prstTxWarp>
+          </a:bodyPr>
+          <a:lstStyle>
+            <a:lvl1pPr marL="342900" indent="-342900" algn="l" rtl="0" eaLnBrk="0" fontAlgn="base" hangingPunct="0">
+              <a:spcBef>
+                <a:spcPct val="20000"/>
+              </a:spcBef>
+              <a:spcAft>
+                <a:spcPct val="0"/>
+              </a:spcAft>
+              <a:buFont typeface="Arial" charset="0"/>
+              <a:buChar char="•"/>
+              <a:defRPr sz="3200" kern="1200">
+                <a:solidFill>
+                  <a:schemeClr val="tx1"/>
+                </a:solidFill>
+                <a:latin typeface="+mn-lt"/>
+                <a:ea typeface="ＭＳ Ｐゴシック" charset="0"/>
+                <a:cs typeface="+mn-cs"/>
+              </a:defRPr>
+            </a:lvl1pPr>
+            <a:lvl2pPr marL="742950" indent="-285750" algn="l" rtl="0" eaLnBrk="0" fontAlgn="base" hangingPunct="0">
+              <a:spcBef>
+                <a:spcPct val="20000"/>
+              </a:spcBef>
+              <a:spcAft>
+                <a:spcPct val="0"/>
+              </a:spcAft>
+              <a:buFont typeface="Arial" charset="0"/>
+              <a:buChar char="–"/>
+              <a:defRPr sz="2800" kern="1200">
+                <a:solidFill>
+                  <a:schemeClr val="tx1"/>
+                </a:solidFill>
+                <a:latin typeface="+mn-lt"/>
+                <a:ea typeface="ＭＳ Ｐゴシック" charset="0"/>
+                <a:cs typeface="+mn-cs"/>
+              </a:defRPr>
+            </a:lvl2pPr>
+            <a:lvl3pPr marL="1143000" indent="-228600" algn="l" rtl="0" eaLnBrk="0" fontAlgn="base" hangingPunct="0">
+              <a:spcBef>
+                <a:spcPct val="20000"/>
+              </a:spcBef>
+              <a:spcAft>
+                <a:spcPct val="0"/>
+              </a:spcAft>
+              <a:buFont typeface="Arial" charset="0"/>
+              <a:buChar char="•"/>
+              <a:defRPr sz="2400" kern="1200">
+                <a:solidFill>
+                  <a:schemeClr val="tx1"/>
+                </a:solidFill>
+                <a:latin typeface="+mn-lt"/>
+                <a:ea typeface="ＭＳ Ｐゴシック" charset="0"/>
+                <a:cs typeface="+mn-cs"/>
+              </a:defRPr>
+            </a:lvl3pPr>
+            <a:lvl4pPr marL="1600200" indent="-228600" algn="l" rtl="0" eaLnBrk="0" fontAlgn="base" hangingPunct="0">
+              <a:spcBef>
+                <a:spcPct val="20000"/>
+              </a:spcBef>
+              <a:spcAft>
+                <a:spcPct val="0"/>
+              </a:spcAft>
+              <a:buFont typeface="Arial" charset="0"/>
+              <a:buChar char="–"/>
+              <a:defRPr sz="2000" kern="1200">
+                <a:solidFill>
+                  <a:schemeClr val="tx1"/>
+                </a:solidFill>
+                <a:latin typeface="+mn-lt"/>
+                <a:ea typeface="ＭＳ Ｐゴシック" charset="0"/>
+                <a:cs typeface="+mn-cs"/>
+              </a:defRPr>
+            </a:lvl4pPr>
+            <a:lvl5pPr marL="2057400" indent="-228600" algn="l" rtl="0" eaLnBrk="0" fontAlgn="base" hangingPunct="0">
+              <a:spcBef>
+                <a:spcPct val="20000"/>
+              </a:spcBef>
+              <a:spcAft>
+                <a:spcPct val="0"/>
+              </a:spcAft>
+              <a:buFont typeface="Arial" charset="0"/>
+              <a:buChar char="»"/>
+              <a:defRPr sz="2000" kern="1200">
+                <a:solidFill>
+                  <a:schemeClr val="tx1"/>
+                </a:solidFill>
+                <a:latin typeface="+mn-lt"/>
+                <a:ea typeface="ＭＳ Ｐゴシック" charset="0"/>
+                <a:cs typeface="+mn-cs"/>
+              </a:defRPr>
+            </a:lvl5pPr>
+            <a:lvl6pPr marL="2514600" indent="-228600" algn="l" defTabSz="914400" rtl="0" eaLnBrk="1" latinLnBrk="0" hangingPunct="1">
+              <a:spcBef>
+                <a:spcPct val="20000"/>
+              </a:spcBef>
+              <a:buFont typeface="Arial" pitchFamily="34" charset="0"/>
+              <a:buChar char="•"/>
+              <a:defRPr sz="2000" kern="1200">
+                <a:solidFill>
+                  <a:schemeClr val="tx1"/>
+                </a:solidFill>
+                <a:latin typeface="+mn-lt"/>
+                <a:ea typeface="+mn-ea"/>
+                <a:cs typeface="+mn-cs"/>
+              </a:defRPr>
+            </a:lvl6pPr>
+            <a:lvl7pPr marL="2971800" indent="-228600" algn="l" defTabSz="914400" rtl="0" eaLnBrk="1" latinLnBrk="0" hangingPunct="1">
+              <a:spcBef>
+                <a:spcPct val="20000"/>
+              </a:spcBef>
+              <a:buFont typeface="Arial" pitchFamily="34" charset="0"/>
+              <a:buChar char="•"/>
+              <a:defRPr sz="2000" kern="1200">
+                <a:solidFill>
+                  <a:schemeClr val="tx1"/>
+                </a:solidFill>
+                <a:latin typeface="+mn-lt"/>
+                <a:ea typeface="+mn-ea"/>
+                <a:cs typeface="+mn-cs"/>
+              </a:defRPr>
+            </a:lvl7pPr>
+            <a:lvl8pPr marL="3429000" indent="-228600" algn="l" defTabSz="914400" rtl="0" eaLnBrk="1" latinLnBrk="0" hangingPunct="1">
+              <a:spcBef>
+                <a:spcPct val="20000"/>
+              </a:spcBef>
+              <a:buFont typeface="Arial" pitchFamily="34" charset="0"/>
+              <a:buChar char="•"/>
+              <a:defRPr sz="2000" kern="1200">
+                <a:solidFill>
+                  <a:schemeClr val="tx1"/>
+                </a:solidFill>
+                <a:latin typeface="+mn-lt"/>
+                <a:ea typeface="+mn-ea"/>
+                <a:cs typeface="+mn-cs"/>
+              </a:defRPr>
+            </a:lvl8pPr>
+            <a:lvl9pPr marL="3886200" indent="-228600" algn="l" defTabSz="914400" rtl="0" eaLnBrk="1" latinLnBrk="0" hangingPunct="1">
+              <a:spcBef>
+                <a:spcPct val="20000"/>
+              </a:spcBef>
+              <a:buFont typeface="Arial" pitchFamily="34" charset="0"/>
+              <a:buChar char="•"/>
+              <a:defRPr sz="2000" kern="1200">
+                <a:solidFill>
+                  <a:schemeClr val="tx1"/>
+                </a:solidFill>
+                <a:latin typeface="+mn-lt"/>
+                <a:ea typeface="+mn-ea"/>
+                <a:cs typeface="+mn-cs"/>
+              </a:defRPr>
+            </a:lvl9pPr>
+          </a:lstStyle>
+          <a:p>
+            <a:pPr marL="0" indent="0">
+              <a:buFont typeface="Arial" charset="0"/>
+              <a:buNone/>
+            </a:pPr>
+            <a:r>
+              <a:rPr lang="en-GB" sz="2800" dirty="0" smtClean="0">
+                <a:latin typeface="Calibri" charset="0"/>
+              </a:rPr>
+              <a:t>After</a:t>
+            </a:r>
+            <a:r>
+              <a:rPr lang="mr-IN" sz="2800" dirty="0" smtClean="0">
+                <a:latin typeface="Calibri" charset="0"/>
+              </a:rPr>
+              <a:t>…</a:t>
+            </a:r>
+            <a:endParaRPr lang="en-GB" sz="2800" dirty="0">
+              <a:latin typeface="Calibri" charset="0"/>
+            </a:endParaRPr>
+          </a:p>
+        </p:txBody>
+      </p:sp>
+      <p:pic>
+        <p:nvPicPr>
+          <p:cNvPr id="3" name="Picture 2" descr="Screen Shot 2017-02-23 at 11.13.40.png"/>
+          <p:cNvPicPr>
+            <a:picLocks noChangeAspect="1"/>
+          </p:cNvPicPr>
+          <p:nvPr/>
+        </p:nvPicPr>
+        <p:blipFill>
+          <a:blip r:embed="rId3" cstate="email">
+            <a:extLst>
+              <a:ext uri="{28A0092B-C50C-407E-A947-70E740481C1C}">
+                <a14:useLocalDpi xmlns:a14="http://schemas.microsoft.com/office/drawing/2010/main" val="0"/>
+              </a:ext>
+            </a:extLst>
+          </a:blip>
+          <a:stretch>
+            <a:fillRect/>
+          </a:stretch>
+        </p:blipFill>
+        <p:spPr>
+          <a:xfrm>
+            <a:off x="26894" y="4020279"/>
+            <a:ext cx="8767482" cy="1928155"/>
+          </a:xfrm>
+          <a:prstGeom prst="rect">
+            <a:avLst/>
+          </a:prstGeom>
+        </p:spPr>
+      </p:pic>
+    </p:spTree>
+  </p:cSld>
+  <p:clrMapOvr>
+    <a:masterClrMapping/>
+  </p:clrMapOvr>
+</p:sld>
+</file>
+
+<file path=ppt/slides/slide21.xml><?xml version="1.0" encoding="utf-8"?>
+<p:sld xmlns:a="http://schemas.openxmlformats.org/drawingml/2006/main" xmlns:r="http://schemas.openxmlformats.org/officeDocument/2006/relationships" xmlns:p="http://schemas.openxmlformats.org/presentationml/2006/main">
+  <p:cSld>
+    <p:spTree>
+      <p:nvGrpSpPr>
+        <p:cNvPr id="1" name=""/>
+        <p:cNvGrpSpPr/>
+        <p:nvPr/>
+      </p:nvGrpSpPr>
+      <p:grpSpPr>
+        <a:xfrm>
+          <a:off x="0" y="0"/>
+          <a:ext cx="0" cy="0"/>
+          <a:chOff x="0" y="0"/>
+          <a:chExt cx="0" cy="0"/>
+        </a:xfrm>
+      </p:grpSpPr>
+      <p:sp>
+        <p:nvSpPr>
+          <p:cNvPr id="29698" name="Title 1"/>
+          <p:cNvSpPr>
+            <a:spLocks noGrp="1"/>
+          </p:cNvSpPr>
+          <p:nvPr>
+            <p:ph type="title"/>
+          </p:nvPr>
+        </p:nvSpPr>
+        <p:spPr/>
+        <p:txBody>
+          <a:bodyPr/>
+          <a:lstStyle/>
+          <a:p>
+            <a:r>
+              <a:rPr lang="en-GB" dirty="0" smtClean="0">
+                <a:latin typeface="Calibri" charset="0"/>
+              </a:rPr>
+              <a:t>The Plan: Use </a:t>
+            </a:r>
+            <a:r>
+              <a:rPr lang="en-GB" dirty="0" smtClean="0">
+                <a:latin typeface="Calibri" charset="0"/>
+              </a:rPr>
+              <a:t>git / </a:t>
+            </a:r>
+            <a:r>
+              <a:rPr lang="en-GB" dirty="0">
+                <a:latin typeface="Calibri" charset="0"/>
+              </a:rPr>
+              <a:t>GitHub </a:t>
+            </a:r>
+            <a:r>
+              <a:rPr lang="en-GB" dirty="0">
+                <a:latin typeface="Calibri" charset="0"/>
+              </a:rPr>
+              <a:t>all week</a:t>
+            </a:r>
+          </a:p>
+        </p:txBody>
+      </p:sp>
+      <p:sp>
+        <p:nvSpPr>
+          <p:cNvPr id="3" name="Content Placeholder 2"/>
+          <p:cNvSpPr>
+            <a:spLocks noGrp="1"/>
+          </p:cNvSpPr>
+          <p:nvPr>
+            <p:ph idx="1"/>
+          </p:nvPr>
+        </p:nvSpPr>
+        <p:spPr/>
+        <p:txBody>
+          <a:bodyPr/>
+          <a:lstStyle/>
+          <a:p>
+            <a:pPr>
+              <a:buFont typeface="Arial" pitchFamily="34" charset="0"/>
+              <a:buChar char="•"/>
+              <a:defRPr/>
+            </a:pPr>
+            <a:r>
+              <a:rPr lang="en-GB" dirty="0" smtClean="0">
+                <a:ea typeface="+mn-ea"/>
+              </a:rPr>
+              <a:t>This stuff is hard to learn - we know that from experience.</a:t>
+            </a:r>
+          </a:p>
+          <a:p>
+            <a:pPr>
+              <a:buFont typeface="Arial" pitchFamily="34" charset="0"/>
+              <a:buChar char="•"/>
+              <a:defRPr/>
+            </a:pPr>
+            <a:r>
+              <a:rPr lang="en-GB" dirty="0" smtClean="0">
+                <a:ea typeface="+mn-ea"/>
+              </a:rPr>
+              <a:t>A presentation is quickly forgotten.</a:t>
+            </a:r>
+          </a:p>
+          <a:p>
+            <a:pPr>
+              <a:buFont typeface="Arial" pitchFamily="34" charset="0"/>
+              <a:buChar char="•"/>
+              <a:defRPr/>
+            </a:pPr>
+            <a:r>
+              <a:rPr lang="en-GB" dirty="0" smtClean="0">
+                <a:ea typeface="+mn-ea"/>
+              </a:rPr>
+              <a:t>So, we propose that you use Git/GitHub for every exercise.</a:t>
+            </a:r>
+          </a:p>
+          <a:p>
+            <a:pPr>
+              <a:buFont typeface="Arial" pitchFamily="34" charset="0"/>
+              <a:buChar char="•"/>
+              <a:defRPr/>
+            </a:pPr>
+            <a:r>
+              <a:rPr lang="en-GB" dirty="0" smtClean="0">
+                <a:ea typeface="+mn-ea"/>
+              </a:rPr>
+              <a:t>You are going to create and update your own </a:t>
+            </a:r>
+            <a:r>
+              <a:rPr lang="en-GB" dirty="0" err="1">
+                <a:ea typeface="+mn-ea"/>
+              </a:rPr>
+              <a:t>G</a:t>
+            </a:r>
+            <a:r>
+              <a:rPr lang="en-GB" dirty="0" err="1" smtClean="0">
+                <a:ea typeface="+mn-ea"/>
+              </a:rPr>
+              <a:t>ithub</a:t>
+            </a:r>
+            <a:r>
+              <a:rPr lang="en-GB" dirty="0" smtClean="0">
+                <a:ea typeface="+mn-ea"/>
+              </a:rPr>
+              <a:t> repository with files from exercises throughout the course.</a:t>
+            </a:r>
+          </a:p>
+          <a:p>
+            <a:pPr marL="0" indent="0">
+              <a:buFont typeface="Arial" pitchFamily="34" charset="0"/>
+              <a:buNone/>
+              <a:defRPr/>
+            </a:pPr>
+            <a:endParaRPr lang="en-GB" dirty="0">
+              <a:ea typeface="+mn-ea"/>
+            </a:endParaRPr>
+          </a:p>
+        </p:txBody>
+      </p:sp>
+    </p:spTree>
+  </p:cSld>
+  <p:clrMapOvr>
+    <a:masterClrMapping/>
+  </p:clrMapOvr>
+</p:sld>
+</file>
+
+<file path=ppt/slides/slide22.xml><?xml version="1.0" encoding="utf-8"?>
+<p:sld xmlns:a="http://schemas.openxmlformats.org/drawingml/2006/main" xmlns:r="http://schemas.openxmlformats.org/officeDocument/2006/relationships" xmlns:p="http://schemas.openxmlformats.org/presentationml/2006/main">
+  <p:cSld>
+    <p:spTree>
+      <p:nvGrpSpPr>
+        <p:cNvPr id="1" name=""/>
+        <p:cNvGrpSpPr/>
+        <p:nvPr/>
+      </p:nvGrpSpPr>
+      <p:grpSpPr>
+        <a:xfrm>
+          <a:off x="0" y="0"/>
+          <a:ext cx="0" cy="0"/>
+          <a:chOff x="0" y="0"/>
+          <a:chExt cx="0" cy="0"/>
+        </a:xfrm>
+      </p:grpSpPr>
+      <p:sp>
+        <p:nvSpPr>
+          <p:cNvPr id="2" name="Title 1"/>
+          <p:cNvSpPr>
+            <a:spLocks noGrp="1"/>
+          </p:cNvSpPr>
+          <p:nvPr>
+            <p:ph type="title"/>
+          </p:nvPr>
+        </p:nvSpPr>
+        <p:spPr/>
+        <p:txBody>
+          <a:bodyPr/>
+          <a:lstStyle/>
+          <a:p>
+            <a:r>
+              <a:rPr lang="en-US" dirty="0" smtClean="0"/>
+              <a:t>Lets make some test files</a:t>
+            </a:r>
+            <a:endParaRPr lang="en-US" dirty="0"/>
+          </a:p>
+        </p:txBody>
+      </p:sp>
+      <p:sp>
+        <p:nvSpPr>
+          <p:cNvPr id="3" name="Content Placeholder 2"/>
+          <p:cNvSpPr>
+            <a:spLocks noGrp="1"/>
+          </p:cNvSpPr>
+          <p:nvPr>
+            <p:ph idx="1"/>
+          </p:nvPr>
+        </p:nvSpPr>
+        <p:spPr>
+          <a:xfrm>
+            <a:off x="457200" y="1600200"/>
+            <a:ext cx="8229600" cy="3225799"/>
+          </a:xfrm>
+        </p:spPr>
+        <p:style>
+          <a:lnRef idx="2">
+            <a:schemeClr val="dk1">
+              <a:shade val="50000"/>
+            </a:schemeClr>
+          </a:lnRef>
+          <a:fillRef idx="1">
+            <a:schemeClr val="dk1"/>
+          </a:fillRef>
+          <a:effectRef idx="0">
+            <a:schemeClr val="dk1"/>
+          </a:effectRef>
+          <a:fontRef idx="minor">
+            <a:schemeClr val="lt1"/>
+          </a:fontRef>
+        </p:style>
+        <p:txBody>
+          <a:bodyPr/>
+          <a:lstStyle/>
+          <a:p>
+            <a:pPr marL="0" indent="0">
+              <a:buNone/>
+            </a:pPr>
+            <a:r>
+              <a:rPr lang="en-US" sz="2400" dirty="0" smtClean="0">
+                <a:latin typeface="Courier New" panose="02070309020205020404" pitchFamily="49" charset="0"/>
+                <a:cs typeface="Courier New" panose="02070309020205020404" pitchFamily="49" charset="0"/>
+              </a:rPr>
+              <a:t>$ </a:t>
+            </a:r>
+            <a:r>
+              <a:rPr lang="en-US" sz="2400" b="1" dirty="0" err="1">
+                <a:solidFill>
+                  <a:srgbClr val="FFFF00"/>
+                </a:solidFill>
+                <a:latin typeface="Courier New" panose="02070309020205020404" pitchFamily="49" charset="0"/>
+                <a:cs typeface="Courier New" panose="02070309020205020404" pitchFamily="49" charset="0"/>
+              </a:rPr>
+              <a:t>mkdir</a:t>
+            </a:r>
+            <a:r>
+              <a:rPr lang="en-US" sz="2400" b="1" dirty="0">
+                <a:solidFill>
+                  <a:srgbClr val="FFFF00"/>
+                </a:solidFill>
+                <a:latin typeface="Courier New" panose="02070309020205020404" pitchFamily="49" charset="0"/>
+                <a:cs typeface="Courier New" panose="02070309020205020404" pitchFamily="49" charset="0"/>
+              </a:rPr>
+              <a:t> </a:t>
+            </a:r>
+            <a:r>
+              <a:rPr lang="en-US" sz="2400" b="1" dirty="0" err="1">
+                <a:solidFill>
+                  <a:srgbClr val="FFFF00"/>
+                </a:solidFill>
+                <a:latin typeface="Courier New" panose="02070309020205020404" pitchFamily="49" charset="0"/>
+                <a:cs typeface="Courier New" panose="02070309020205020404" pitchFamily="49" charset="0"/>
+              </a:rPr>
+              <a:t>mydir</a:t>
+            </a:r>
+            <a:endParaRPr lang="en-US" sz="2400" b="1" dirty="0">
+              <a:solidFill>
+                <a:srgbClr val="FFFF00"/>
+              </a:solidFill>
+              <a:latin typeface="Courier New" panose="02070309020205020404" pitchFamily="49" charset="0"/>
+              <a:cs typeface="Courier New" panose="02070309020205020404" pitchFamily="49" charset="0"/>
+            </a:endParaRPr>
+          </a:p>
+          <a:p>
+            <a:pPr marL="0" indent="0">
+              <a:buNone/>
+            </a:pPr>
+            <a:r>
+              <a:rPr lang="en-US" sz="2400" dirty="0" smtClean="0">
+                <a:latin typeface="Courier New" panose="02070309020205020404" pitchFamily="49" charset="0"/>
+                <a:cs typeface="Courier New" panose="02070309020205020404" pitchFamily="49" charset="0"/>
+              </a:rPr>
+              <a:t>$ </a:t>
+            </a:r>
+            <a:r>
+              <a:rPr lang="en-US" sz="2400" b="1" dirty="0">
+                <a:solidFill>
+                  <a:srgbClr val="FFFF00"/>
+                </a:solidFill>
+                <a:latin typeface="Courier New" panose="02070309020205020404" pitchFamily="49" charset="0"/>
+                <a:cs typeface="Courier New" panose="02070309020205020404" pitchFamily="49" charset="0"/>
+              </a:rPr>
+              <a:t>echo </a:t>
+            </a:r>
+            <a:r>
+              <a:rPr lang="en-US" sz="2400" b="1" dirty="0" smtClean="0">
+                <a:solidFill>
+                  <a:srgbClr val="FFFF00"/>
+                </a:solidFill>
+                <a:latin typeface="Courier New" panose="02070309020205020404" pitchFamily="49" charset="0"/>
+                <a:cs typeface="Courier New" panose="02070309020205020404" pitchFamily="49" charset="0"/>
+              </a:rPr>
+              <a:t>"hi" </a:t>
+            </a:r>
+            <a:r>
+              <a:rPr lang="en-US" sz="2400" b="1" dirty="0">
+                <a:solidFill>
+                  <a:srgbClr val="FFFF00"/>
+                </a:solidFill>
+                <a:latin typeface="Courier New" panose="02070309020205020404" pitchFamily="49" charset="0"/>
+                <a:cs typeface="Courier New" panose="02070309020205020404" pitchFamily="49" charset="0"/>
+              </a:rPr>
+              <a:t>&gt; hi.txt</a:t>
+            </a:r>
+          </a:p>
+          <a:p>
+            <a:pPr marL="0" indent="0">
+              <a:buNone/>
+            </a:pPr>
+            <a:r>
+              <a:rPr lang="en-US" sz="2400" dirty="0" smtClean="0">
+                <a:latin typeface="Courier New" panose="02070309020205020404" pitchFamily="49" charset="0"/>
+                <a:cs typeface="Courier New" panose="02070309020205020404" pitchFamily="49" charset="0"/>
+              </a:rPr>
+              <a:t>$ </a:t>
+            </a:r>
+            <a:r>
+              <a:rPr lang="en-US" sz="2400" b="1" dirty="0">
+                <a:solidFill>
+                  <a:srgbClr val="FFFF00"/>
+                </a:solidFill>
+                <a:latin typeface="Courier New" panose="02070309020205020404" pitchFamily="49" charset="0"/>
+                <a:cs typeface="Courier New" panose="02070309020205020404" pitchFamily="49" charset="0"/>
+              </a:rPr>
+              <a:t>echo </a:t>
+            </a:r>
+            <a:r>
+              <a:rPr lang="en-US" sz="2400" b="1" dirty="0" smtClean="0">
+                <a:solidFill>
+                  <a:srgbClr val="FFFF00"/>
+                </a:solidFill>
+                <a:latin typeface="Courier New" panose="02070309020205020404" pitchFamily="49" charset="0"/>
+                <a:cs typeface="Courier New" panose="02070309020205020404" pitchFamily="49" charset="0"/>
+              </a:rPr>
+              <a:t>"testing..." </a:t>
+            </a:r>
+            <a:r>
+              <a:rPr lang="en-US" sz="2400" b="1" dirty="0">
+                <a:solidFill>
+                  <a:srgbClr val="FFFF00"/>
+                </a:solidFill>
+                <a:latin typeface="Courier New" panose="02070309020205020404" pitchFamily="49" charset="0"/>
+                <a:cs typeface="Courier New" panose="02070309020205020404" pitchFamily="49" charset="0"/>
+              </a:rPr>
+              <a:t>&gt; </a:t>
+            </a:r>
+            <a:r>
+              <a:rPr lang="en-US" sz="2400" b="1" dirty="0" err="1">
+                <a:solidFill>
+                  <a:srgbClr val="FFFF00"/>
+                </a:solidFill>
+                <a:latin typeface="Courier New" panose="02070309020205020404" pitchFamily="49" charset="0"/>
+                <a:cs typeface="Courier New" panose="02070309020205020404" pitchFamily="49" charset="0"/>
+              </a:rPr>
+              <a:t>mydir</a:t>
+            </a:r>
+            <a:r>
+              <a:rPr lang="en-US" sz="2400" b="1" dirty="0">
+                <a:solidFill>
+                  <a:srgbClr val="FFFF00"/>
+                </a:solidFill>
+                <a:latin typeface="Courier New" panose="02070309020205020404" pitchFamily="49" charset="0"/>
+                <a:cs typeface="Courier New" panose="02070309020205020404" pitchFamily="49" charset="0"/>
+              </a:rPr>
+              <a:t>/t1.</a:t>
+            </a:r>
+            <a:r>
+              <a:rPr lang="en-US" sz="2400" b="1" dirty="0" smtClean="0">
+                <a:solidFill>
+                  <a:srgbClr val="FFFF00"/>
+                </a:solidFill>
+                <a:latin typeface="Courier New" panose="02070309020205020404" pitchFamily="49" charset="0"/>
+                <a:cs typeface="Courier New" panose="02070309020205020404" pitchFamily="49" charset="0"/>
+              </a:rPr>
+              <a:t>txt</a:t>
+            </a:r>
+          </a:p>
+          <a:p>
+            <a:pPr marL="0" indent="0">
+              <a:buNone/>
+            </a:pPr>
+            <a:r>
+              <a:rPr lang="en-US" sz="2400" dirty="0">
+                <a:latin typeface="Courier New" panose="02070309020205020404" pitchFamily="49" charset="0"/>
+                <a:cs typeface="Courier New" panose="02070309020205020404" pitchFamily="49" charset="0"/>
+              </a:rPr>
+              <a:t>$ </a:t>
+            </a:r>
+            <a:r>
+              <a:rPr lang="en-US" sz="2400" b="1" dirty="0" err="1">
+                <a:solidFill>
+                  <a:srgbClr val="FFFF00"/>
+                </a:solidFill>
+                <a:latin typeface="Courier New" panose="02070309020205020404" pitchFamily="49" charset="0"/>
+                <a:cs typeface="Courier New" panose="02070309020205020404" pitchFamily="49" charset="0"/>
+              </a:rPr>
+              <a:t>ls</a:t>
+            </a:r>
+            <a:endParaRPr lang="en-US" sz="2400" b="1" dirty="0">
+              <a:solidFill>
+                <a:srgbClr val="FFFF00"/>
+              </a:solidFill>
+              <a:latin typeface="Courier New" panose="02070309020205020404" pitchFamily="49" charset="0"/>
+              <a:cs typeface="Courier New" panose="02070309020205020404" pitchFamily="49" charset="0"/>
+            </a:endParaRPr>
+          </a:p>
+          <a:p>
+            <a:pPr marL="0" indent="0">
+              <a:buNone/>
+            </a:pPr>
+            <a:r>
+              <a:rPr lang="en-US" sz="2400" dirty="0" err="1" smtClean="0">
+                <a:latin typeface="Courier New" panose="02070309020205020404" pitchFamily="49" charset="0"/>
+                <a:cs typeface="Courier New" panose="02070309020205020404" pitchFamily="49" charset="0"/>
+              </a:rPr>
+              <a:t>hi.txt</a:t>
+            </a:r>
+            <a:r>
+              <a:rPr lang="en-US" sz="2400" dirty="0">
+                <a:latin typeface="Courier New" panose="02070309020205020404" pitchFamily="49" charset="0"/>
+                <a:cs typeface="Courier New" panose="02070309020205020404" pitchFamily="49" charset="0"/>
+              </a:rPr>
+              <a:t>	</a:t>
+            </a:r>
+            <a:r>
+              <a:rPr lang="en-US" sz="2400" dirty="0" err="1" smtClean="0">
+                <a:latin typeface="Courier New" panose="02070309020205020404" pitchFamily="49" charset="0"/>
+                <a:cs typeface="Courier New" panose="02070309020205020404" pitchFamily="49" charset="0"/>
+              </a:rPr>
+              <a:t>hello.txt</a:t>
+            </a:r>
+            <a:r>
+              <a:rPr lang="en-US" sz="2400" dirty="0">
+                <a:latin typeface="Courier New" panose="02070309020205020404" pitchFamily="49" charset="0"/>
+                <a:cs typeface="Courier New" panose="02070309020205020404" pitchFamily="49" charset="0"/>
+              </a:rPr>
+              <a:t>	</a:t>
+            </a:r>
+            <a:r>
+              <a:rPr lang="en-US" sz="2400" dirty="0" smtClean="0">
+                <a:latin typeface="Courier New" panose="02070309020205020404" pitchFamily="49" charset="0"/>
+                <a:cs typeface="Courier New" panose="02070309020205020404" pitchFamily="49" charset="0"/>
+              </a:rPr>
+              <a:t> </a:t>
+            </a:r>
+            <a:r>
+              <a:rPr lang="en-US" sz="2400" dirty="0" err="1" smtClean="0">
+                <a:latin typeface="Courier New" panose="02070309020205020404" pitchFamily="49" charset="0"/>
+                <a:cs typeface="Courier New" panose="02070309020205020404" pitchFamily="49" charset="0"/>
+              </a:rPr>
+              <a:t>mydir</a:t>
+            </a:r>
+            <a:endParaRPr lang="en-US" sz="2400" dirty="0">
+              <a:latin typeface="Courier New" panose="02070309020205020404" pitchFamily="49" charset="0"/>
+              <a:cs typeface="Courier New" panose="02070309020205020404" pitchFamily="49" charset="0"/>
+            </a:endParaRPr>
+          </a:p>
+        </p:txBody>
+      </p:sp>
+    </p:spTree>
+    <p:extLst>
+      <p:ext uri="{BB962C8B-B14F-4D97-AF65-F5344CB8AC3E}">
+        <p14:creationId xmlns:p14="http://schemas.microsoft.com/office/powerpoint/2010/main" val="4273298645"/>
+      </p:ext>
+    </p:extLst>
+  </p:cSld>
+  <p:clrMapOvr>
+    <a:masterClrMapping/>
+  </p:clrMapOvr>
+</p:sld>
+</file>
+
+<file path=ppt/slides/slide23.xml><?xml version="1.0" encoding="utf-8"?>
+<p:sld xmlns:a="http://schemas.openxmlformats.org/drawingml/2006/main" xmlns:r="http://schemas.openxmlformats.org/officeDocument/2006/relationships" xmlns:p="http://schemas.openxmlformats.org/presentationml/2006/main">
+  <p:cSld>
+    <p:spTree>
+      <p:nvGrpSpPr>
+        <p:cNvPr id="1" name=""/>
+        <p:cNvGrpSpPr/>
+        <p:nvPr/>
+      </p:nvGrpSpPr>
+      <p:grpSpPr>
+        <a:xfrm>
+          <a:off x="0" y="0"/>
+          <a:ext cx="0" cy="0"/>
+          <a:chOff x="0" y="0"/>
+          <a:chExt cx="0" cy="0"/>
+        </a:xfrm>
+      </p:grpSpPr>
+      <p:sp>
+        <p:nvSpPr>
+          <p:cNvPr id="2" name="Title 1"/>
+          <p:cNvSpPr>
+            <a:spLocks noGrp="1"/>
+          </p:cNvSpPr>
+          <p:nvPr>
+            <p:ph type="title"/>
+          </p:nvPr>
+        </p:nvSpPr>
+        <p:spPr/>
+        <p:txBody>
+          <a:bodyPr/>
+          <a:lstStyle/>
+          <a:p>
+            <a:r>
+              <a:rPr lang="en-US" dirty="0" err="1">
+                <a:latin typeface="Courier New" panose="02070309020205020404" pitchFamily="49" charset="0"/>
+                <a:cs typeface="Courier New" panose="02070309020205020404" pitchFamily="49" charset="0"/>
+              </a:rPr>
+              <a:t>g</a:t>
+            </a:r>
+            <a:r>
+              <a:rPr lang="en-US" dirty="0" err="1" smtClean="0">
+                <a:latin typeface="Courier New" panose="02070309020205020404" pitchFamily="49" charset="0"/>
+                <a:cs typeface="Courier New" panose="02070309020205020404" pitchFamily="49" charset="0"/>
+              </a:rPr>
+              <a:t>it</a:t>
+            </a:r>
+            <a:r>
+              <a:rPr lang="en-US" dirty="0" smtClean="0">
+                <a:latin typeface="Courier New" panose="02070309020205020404" pitchFamily="49" charset="0"/>
+                <a:cs typeface="Courier New" panose="02070309020205020404" pitchFamily="49" charset="0"/>
+              </a:rPr>
+              <a:t> </a:t>
+            </a:r>
+            <a:r>
+              <a:rPr lang="en-US" dirty="0" smtClean="0">
+                <a:latin typeface="Courier New" panose="02070309020205020404" pitchFamily="49" charset="0"/>
+                <a:cs typeface="Courier New" panose="02070309020205020404" pitchFamily="49" charset="0"/>
+              </a:rPr>
+              <a:t>Status</a:t>
+            </a:r>
+            <a:endParaRPr lang="en-US" dirty="0">
+              <a:latin typeface="Courier New" panose="02070309020205020404" pitchFamily="49" charset="0"/>
+              <a:cs typeface="Courier New" panose="02070309020205020404" pitchFamily="49" charset="0"/>
+            </a:endParaRPr>
+          </a:p>
+        </p:txBody>
+      </p:sp>
+      <p:sp>
+        <p:nvSpPr>
+          <p:cNvPr id="4" name="TextBox 3"/>
+          <p:cNvSpPr txBox="1"/>
+          <p:nvPr/>
+        </p:nvSpPr>
+        <p:spPr>
+          <a:xfrm>
+            <a:off x="609600" y="2222500"/>
+            <a:ext cx="8051800" cy="3416320"/>
+          </a:xfrm>
+          <a:prstGeom prst="rect">
+            <a:avLst/>
+          </a:prstGeom>
+          <a:solidFill>
+            <a:schemeClr val="tx1"/>
+          </a:solidFill>
+          <a:ln>
+            <a:noFill/>
+          </a:ln>
+        </p:spPr>
+        <p:style>
+          <a:lnRef idx="2">
+            <a:schemeClr val="dk1">
+              <a:shade val="50000"/>
+            </a:schemeClr>
+          </a:lnRef>
+          <a:fillRef idx="1">
+            <a:schemeClr val="dk1"/>
+          </a:fillRef>
+          <a:effectRef idx="0">
+            <a:schemeClr val="dk1"/>
+          </a:effectRef>
+          <a:fontRef idx="minor">
+            <a:schemeClr val="lt1"/>
+          </a:fontRef>
+        </p:style>
+        <p:txBody>
+          <a:bodyPr wrap="square" rtlCol="0">
+            <a:spAutoFit/>
+          </a:bodyPr>
+          <a:lstStyle/>
+          <a:p>
+            <a:r>
+              <a:rPr lang="en-US" dirty="0">
+                <a:solidFill>
+                  <a:srgbClr val="FFFFFF"/>
+                </a:solidFill>
+                <a:latin typeface="Courier New" panose="02070309020205020404" pitchFamily="49" charset="0"/>
+                <a:cs typeface="Courier New" panose="02070309020205020404" pitchFamily="49" charset="0"/>
+              </a:rPr>
+              <a:t>$ </a:t>
+            </a:r>
+            <a:r>
+              <a:rPr lang="en-US" b="1" dirty="0" err="1">
+                <a:solidFill>
+                  <a:srgbClr val="FFFF00"/>
+                </a:solidFill>
+                <a:latin typeface="Courier New" panose="02070309020205020404" pitchFamily="49" charset="0"/>
+                <a:cs typeface="Courier New" panose="02070309020205020404" pitchFamily="49" charset="0"/>
+              </a:rPr>
+              <a:t>git</a:t>
+            </a:r>
+            <a:r>
+              <a:rPr lang="en-US" b="1" dirty="0">
+                <a:solidFill>
+                  <a:srgbClr val="FFFF00"/>
+                </a:solidFill>
+                <a:latin typeface="Courier New" panose="02070309020205020404" pitchFamily="49" charset="0"/>
+                <a:cs typeface="Courier New" panose="02070309020205020404" pitchFamily="49" charset="0"/>
+              </a:rPr>
+              <a:t> status</a:t>
+            </a:r>
+          </a:p>
+          <a:p>
+            <a:r>
+              <a:rPr lang="en-US" dirty="0">
+                <a:solidFill>
+                  <a:srgbClr val="FFFFFF"/>
+                </a:solidFill>
+                <a:latin typeface="Courier New" panose="02070309020205020404" pitchFamily="49" charset="0"/>
+                <a:cs typeface="Courier New" panose="02070309020205020404" pitchFamily="49" charset="0"/>
+              </a:rPr>
+              <a:t>On branch master</a:t>
+            </a:r>
+          </a:p>
+          <a:p>
+            <a:r>
+              <a:rPr lang="en-US" dirty="0">
+                <a:solidFill>
+                  <a:srgbClr val="FFFFFF"/>
+                </a:solidFill>
+                <a:latin typeface="Courier New" panose="02070309020205020404" pitchFamily="49" charset="0"/>
+                <a:cs typeface="Courier New" panose="02070309020205020404" pitchFamily="49" charset="0"/>
+              </a:rPr>
+              <a:t>Your branch is up-to-date with </a:t>
+            </a:r>
+            <a:r>
+              <a:rPr lang="en-US" dirty="0" smtClean="0">
+                <a:solidFill>
+                  <a:srgbClr val="FFFFFF"/>
+                </a:solidFill>
+                <a:latin typeface="Courier New" panose="02070309020205020404" pitchFamily="49" charset="0"/>
+                <a:cs typeface="Courier New" panose="02070309020205020404" pitchFamily="49" charset="0"/>
+              </a:rPr>
+              <a:t>'origin/master'.</a:t>
+            </a:r>
+            <a:endParaRPr lang="en-US" dirty="0">
+              <a:solidFill>
+                <a:srgbClr val="FFFFFF"/>
+              </a:solidFill>
+              <a:latin typeface="Courier New" panose="02070309020205020404" pitchFamily="49" charset="0"/>
+              <a:cs typeface="Courier New" panose="02070309020205020404" pitchFamily="49" charset="0"/>
+            </a:endParaRPr>
+          </a:p>
+          <a:p>
+            <a:r>
+              <a:rPr lang="en-US" dirty="0">
+                <a:solidFill>
+                  <a:srgbClr val="FFFFFF"/>
+                </a:solidFill>
+                <a:latin typeface="Courier New" panose="02070309020205020404" pitchFamily="49" charset="0"/>
+                <a:cs typeface="Courier New" panose="02070309020205020404" pitchFamily="49" charset="0"/>
+              </a:rPr>
+              <a:t>Untracked files:</a:t>
+            </a:r>
+          </a:p>
+          <a:p>
+            <a:r>
+              <a:rPr lang="en-US" dirty="0">
+                <a:solidFill>
+                  <a:srgbClr val="FFFFFF"/>
+                </a:solidFill>
+                <a:latin typeface="Courier New" panose="02070309020205020404" pitchFamily="49" charset="0"/>
+                <a:cs typeface="Courier New" panose="02070309020205020404" pitchFamily="49" charset="0"/>
+              </a:rPr>
+              <a:t>  (use </a:t>
+            </a:r>
+            <a:r>
+              <a:rPr lang="en-US" dirty="0" smtClean="0">
+                <a:solidFill>
+                  <a:srgbClr val="FFFFFF"/>
+                </a:solidFill>
+                <a:latin typeface="Courier New" panose="02070309020205020404" pitchFamily="49" charset="0"/>
+                <a:cs typeface="Courier New" panose="02070309020205020404" pitchFamily="49" charset="0"/>
+              </a:rPr>
+              <a:t>"</a:t>
+            </a:r>
+            <a:r>
+              <a:rPr lang="en-US" dirty="0" err="1" smtClean="0">
+                <a:solidFill>
+                  <a:srgbClr val="FFFFFF"/>
+                </a:solidFill>
+                <a:latin typeface="Courier New" panose="02070309020205020404" pitchFamily="49" charset="0"/>
+                <a:cs typeface="Courier New" panose="02070309020205020404" pitchFamily="49" charset="0"/>
+              </a:rPr>
+              <a:t>git</a:t>
+            </a:r>
+            <a:r>
+              <a:rPr lang="en-US" dirty="0" smtClean="0">
+                <a:solidFill>
+                  <a:srgbClr val="FFFFFF"/>
+                </a:solidFill>
+                <a:latin typeface="Courier New" panose="02070309020205020404" pitchFamily="49" charset="0"/>
+                <a:cs typeface="Courier New" panose="02070309020205020404" pitchFamily="49" charset="0"/>
+              </a:rPr>
+              <a:t> </a:t>
+            </a:r>
+            <a:r>
+              <a:rPr lang="en-US" dirty="0">
+                <a:solidFill>
+                  <a:srgbClr val="FFFFFF"/>
+                </a:solidFill>
+                <a:latin typeface="Courier New" panose="02070309020205020404" pitchFamily="49" charset="0"/>
+                <a:cs typeface="Courier New" panose="02070309020205020404" pitchFamily="49" charset="0"/>
+              </a:rPr>
+              <a:t>add &lt;file</a:t>
+            </a:r>
+            <a:r>
+              <a:rPr lang="en-US" dirty="0" smtClean="0">
+                <a:solidFill>
+                  <a:srgbClr val="FFFFFF"/>
+                </a:solidFill>
+                <a:latin typeface="Courier New" panose="02070309020205020404" pitchFamily="49" charset="0"/>
+                <a:cs typeface="Courier New" panose="02070309020205020404" pitchFamily="49" charset="0"/>
+              </a:rPr>
+              <a:t>&gt;..." </a:t>
+            </a:r>
+            <a:r>
+              <a:rPr lang="en-US" dirty="0">
+                <a:solidFill>
+                  <a:srgbClr val="FFFFFF"/>
+                </a:solidFill>
+                <a:latin typeface="Courier New" panose="02070309020205020404" pitchFamily="49" charset="0"/>
+                <a:cs typeface="Courier New" panose="02070309020205020404" pitchFamily="49" charset="0"/>
+              </a:rPr>
+              <a:t>to include in what will be committed)</a:t>
+            </a:r>
+          </a:p>
+          <a:p>
+            <a:endParaRPr lang="en-US" dirty="0">
+              <a:solidFill>
+                <a:srgbClr val="FFFFFF"/>
+              </a:solidFill>
+              <a:latin typeface="Courier New" panose="02070309020205020404" pitchFamily="49" charset="0"/>
+              <a:cs typeface="Courier New" panose="02070309020205020404" pitchFamily="49" charset="0"/>
+            </a:endParaRPr>
+          </a:p>
+          <a:p>
+            <a:r>
+              <a:rPr lang="en-US" dirty="0">
+                <a:solidFill>
+                  <a:srgbClr val="FFFFFF"/>
+                </a:solidFill>
+                <a:latin typeface="Courier New" panose="02070309020205020404" pitchFamily="49" charset="0"/>
+                <a:cs typeface="Courier New" panose="02070309020205020404" pitchFamily="49" charset="0"/>
+              </a:rPr>
+              <a:t>	</a:t>
+            </a:r>
+            <a:r>
+              <a:rPr lang="en-US" dirty="0" err="1">
+                <a:solidFill>
+                  <a:srgbClr val="FF0000"/>
+                </a:solidFill>
+                <a:latin typeface="Courier New" panose="02070309020205020404" pitchFamily="49" charset="0"/>
+                <a:cs typeface="Courier New" panose="02070309020205020404" pitchFamily="49" charset="0"/>
+              </a:rPr>
+              <a:t>hi.txt</a:t>
+            </a:r>
+            <a:endParaRPr lang="en-US" dirty="0">
+              <a:solidFill>
+                <a:srgbClr val="FF0000"/>
+              </a:solidFill>
+              <a:latin typeface="Courier New" panose="02070309020205020404" pitchFamily="49" charset="0"/>
+              <a:cs typeface="Courier New" panose="02070309020205020404" pitchFamily="49" charset="0"/>
+            </a:endParaRPr>
+          </a:p>
+          <a:p>
+            <a:r>
+              <a:rPr lang="en-US" dirty="0">
+                <a:solidFill>
+                  <a:srgbClr val="FF0000"/>
+                </a:solidFill>
+                <a:latin typeface="Courier New" panose="02070309020205020404" pitchFamily="49" charset="0"/>
+                <a:cs typeface="Courier New" panose="02070309020205020404" pitchFamily="49" charset="0"/>
+              </a:rPr>
+              <a:t>	</a:t>
+            </a:r>
+            <a:r>
+              <a:rPr lang="en-US" dirty="0" err="1">
+                <a:solidFill>
+                  <a:srgbClr val="FF0000"/>
+                </a:solidFill>
+                <a:latin typeface="Courier New" panose="02070309020205020404" pitchFamily="49" charset="0"/>
+                <a:cs typeface="Courier New" panose="02070309020205020404" pitchFamily="49" charset="0"/>
+              </a:rPr>
+              <a:t>mydir</a:t>
+            </a:r>
+            <a:r>
+              <a:rPr lang="en-US" dirty="0">
+                <a:solidFill>
+                  <a:srgbClr val="FF0000"/>
+                </a:solidFill>
+                <a:latin typeface="Courier New" panose="02070309020205020404" pitchFamily="49" charset="0"/>
+                <a:cs typeface="Courier New" panose="02070309020205020404" pitchFamily="49" charset="0"/>
+              </a:rPr>
+              <a:t>/</a:t>
+            </a:r>
+          </a:p>
+          <a:p>
+            <a:endParaRPr lang="en-US" dirty="0">
+              <a:solidFill>
+                <a:srgbClr val="FFFFFF"/>
+              </a:solidFill>
+              <a:latin typeface="Courier New" panose="02070309020205020404" pitchFamily="49" charset="0"/>
+              <a:cs typeface="Courier New" panose="02070309020205020404" pitchFamily="49" charset="0"/>
+            </a:endParaRPr>
+          </a:p>
+          <a:p>
+            <a:r>
+              <a:rPr lang="en-US" dirty="0">
+                <a:solidFill>
+                  <a:srgbClr val="FFFFFF"/>
+                </a:solidFill>
+                <a:latin typeface="Courier New" panose="02070309020205020404" pitchFamily="49" charset="0"/>
+                <a:cs typeface="Courier New" panose="02070309020205020404" pitchFamily="49" charset="0"/>
+              </a:rPr>
+              <a:t>nothing added to commit but untracked files present (use </a:t>
+            </a:r>
+            <a:r>
+              <a:rPr lang="en-US" dirty="0" smtClean="0">
+                <a:solidFill>
+                  <a:srgbClr val="FFFFFF"/>
+                </a:solidFill>
+                <a:latin typeface="Courier New" panose="02070309020205020404" pitchFamily="49" charset="0"/>
+                <a:cs typeface="Courier New" panose="02070309020205020404" pitchFamily="49" charset="0"/>
+              </a:rPr>
+              <a:t>"</a:t>
+            </a:r>
+            <a:r>
+              <a:rPr lang="en-US" dirty="0" err="1" smtClean="0">
+                <a:solidFill>
+                  <a:srgbClr val="FFFFFF"/>
+                </a:solidFill>
+                <a:latin typeface="Courier New" panose="02070309020205020404" pitchFamily="49" charset="0"/>
+                <a:cs typeface="Courier New" panose="02070309020205020404" pitchFamily="49" charset="0"/>
+              </a:rPr>
+              <a:t>git</a:t>
+            </a:r>
+            <a:r>
+              <a:rPr lang="en-US" dirty="0" smtClean="0">
+                <a:solidFill>
+                  <a:srgbClr val="FFFFFF"/>
+                </a:solidFill>
+                <a:latin typeface="Courier New" panose="02070309020205020404" pitchFamily="49" charset="0"/>
+                <a:cs typeface="Courier New" panose="02070309020205020404" pitchFamily="49" charset="0"/>
+              </a:rPr>
+              <a:t> add" </a:t>
+            </a:r>
+            <a:r>
+              <a:rPr lang="en-US" dirty="0">
+                <a:solidFill>
+                  <a:srgbClr val="FFFFFF"/>
+                </a:solidFill>
+                <a:latin typeface="Courier New" panose="02070309020205020404" pitchFamily="49" charset="0"/>
+                <a:cs typeface="Courier New" panose="02070309020205020404" pitchFamily="49" charset="0"/>
+              </a:rPr>
+              <a:t>to track)</a:t>
+            </a:r>
+          </a:p>
+        </p:txBody>
+      </p:sp>
+      <p:sp>
+        <p:nvSpPr>
+          <p:cNvPr id="6" name="TextBox 5"/>
+          <p:cNvSpPr txBox="1"/>
+          <p:nvPr/>
+        </p:nvSpPr>
+        <p:spPr>
+          <a:xfrm>
+            <a:off x="609600" y="1516152"/>
+            <a:ext cx="4343400" cy="400110"/>
+          </a:xfrm>
+          <a:prstGeom prst="rect">
+            <a:avLst/>
+          </a:prstGeom>
+          <a:noFill/>
+        </p:spPr>
+        <p:txBody>
+          <a:bodyPr wrap="square" rtlCol="0">
+            <a:spAutoFit/>
+          </a:bodyPr>
+          <a:lstStyle/>
+          <a:p>
+            <a:r>
+              <a:rPr lang="en-US" sz="2000" dirty="0" smtClean="0">
+                <a:latin typeface="+mn-lt"/>
+              </a:rPr>
+              <a:t>Use to see what stage files are at</a:t>
+            </a:r>
+            <a:endParaRPr lang="en-US" sz="2000" dirty="0">
+              <a:latin typeface="+mn-lt"/>
+            </a:endParaRPr>
+          </a:p>
+        </p:txBody>
+      </p:sp>
+    </p:spTree>
+    <p:extLst>
+      <p:ext uri="{BB962C8B-B14F-4D97-AF65-F5344CB8AC3E}">
+        <p14:creationId xmlns:p14="http://schemas.microsoft.com/office/powerpoint/2010/main" val="2920327806"/>
+      </p:ext>
+    </p:extLst>
+  </p:cSld>
+  <p:clrMapOvr>
+    <a:masterClrMapping/>
+  </p:clrMapOvr>
+</p:sld>
+</file>
+
+<file path=ppt/slides/slide24.xml><?xml version="1.0" encoding="utf-8"?>
+<p:sld xmlns:a="http://schemas.openxmlformats.org/drawingml/2006/main" xmlns:r="http://schemas.openxmlformats.org/officeDocument/2006/relationships" xmlns:p="http://schemas.openxmlformats.org/presentationml/2006/main">
+  <p:cSld>
+    <p:spTree>
+      <p:nvGrpSpPr>
+        <p:cNvPr id="1" name=""/>
+        <p:cNvGrpSpPr/>
+        <p:nvPr/>
+      </p:nvGrpSpPr>
+      <p:grpSpPr>
+        <a:xfrm>
+          <a:off x="0" y="0"/>
+          <a:ext cx="0" cy="0"/>
+          <a:chOff x="0" y="0"/>
+          <a:chExt cx="0" cy="0"/>
+        </a:xfrm>
+      </p:grpSpPr>
+      <p:sp>
+        <p:nvSpPr>
+          <p:cNvPr id="2" name="Title 1"/>
+          <p:cNvSpPr>
+            <a:spLocks noGrp="1"/>
+          </p:cNvSpPr>
+          <p:nvPr>
+            <p:ph type="title"/>
+          </p:nvPr>
+        </p:nvSpPr>
+        <p:spPr/>
+        <p:txBody>
+          <a:bodyPr/>
+          <a:lstStyle/>
+          <a:p>
+            <a:r>
+              <a:rPr lang="en-US" dirty="0" err="1">
+                <a:latin typeface="Courier New" panose="02070309020205020404" pitchFamily="49" charset="0"/>
+                <a:cs typeface="Courier New" panose="02070309020205020404" pitchFamily="49" charset="0"/>
+              </a:rPr>
+              <a:t>g</a:t>
+            </a:r>
+            <a:r>
+              <a:rPr lang="en-US" dirty="0" err="1" smtClean="0">
+                <a:latin typeface="Courier New" panose="02070309020205020404" pitchFamily="49" charset="0"/>
+                <a:cs typeface="Courier New" panose="02070309020205020404" pitchFamily="49" charset="0"/>
+              </a:rPr>
+              <a:t>it</a:t>
+            </a:r>
+            <a:r>
+              <a:rPr lang="en-US" dirty="0" smtClean="0">
+                <a:latin typeface="Courier New" panose="02070309020205020404" pitchFamily="49" charset="0"/>
+                <a:cs typeface="Courier New" panose="02070309020205020404" pitchFamily="49" charset="0"/>
+              </a:rPr>
+              <a:t> </a:t>
+            </a:r>
+            <a:r>
+              <a:rPr lang="en-US" dirty="0" smtClean="0">
+                <a:latin typeface="Courier New" panose="02070309020205020404" pitchFamily="49" charset="0"/>
+                <a:cs typeface="Courier New" panose="02070309020205020404" pitchFamily="49" charset="0"/>
+              </a:rPr>
+              <a:t>add</a:t>
+            </a:r>
+            <a:endParaRPr lang="en-US" dirty="0">
+              <a:latin typeface="Courier New" panose="02070309020205020404" pitchFamily="49" charset="0"/>
+              <a:cs typeface="Courier New" panose="02070309020205020404" pitchFamily="49" charset="0"/>
+            </a:endParaRPr>
+          </a:p>
+        </p:txBody>
+      </p:sp>
+      <p:sp>
+        <p:nvSpPr>
+          <p:cNvPr id="3" name="Content Placeholder 2"/>
+          <p:cNvSpPr>
+            <a:spLocks noGrp="1"/>
+          </p:cNvSpPr>
+          <p:nvPr>
+            <p:ph idx="1"/>
+          </p:nvPr>
+        </p:nvSpPr>
+        <p:spPr>
+          <a:xfrm>
+            <a:off x="457200" y="2171701"/>
+            <a:ext cx="8229600" cy="3340099"/>
+          </a:xfrm>
+        </p:spPr>
+        <p:style>
+          <a:lnRef idx="2">
+            <a:schemeClr val="dk1">
+              <a:shade val="50000"/>
+            </a:schemeClr>
+          </a:lnRef>
+          <a:fillRef idx="1">
+            <a:schemeClr val="dk1"/>
+          </a:fillRef>
+          <a:effectRef idx="0">
+            <a:schemeClr val="dk1"/>
+          </a:effectRef>
+          <a:fontRef idx="minor">
+            <a:schemeClr val="lt1"/>
+          </a:fontRef>
+        </p:style>
+        <p:txBody>
+          <a:bodyPr/>
+          <a:lstStyle/>
+          <a:p>
+            <a:pPr marL="0" indent="0">
+              <a:buNone/>
+            </a:pPr>
+            <a:r>
+              <a:rPr lang="en-US" sz="1800" dirty="0" smtClean="0">
+                <a:latin typeface="Courier New" panose="02070309020205020404" pitchFamily="49" charset="0"/>
+                <a:cs typeface="Courier New" panose="02070309020205020404" pitchFamily="49" charset="0"/>
+              </a:rPr>
+              <a:t>$ </a:t>
+            </a:r>
+            <a:r>
+              <a:rPr lang="en-US" sz="1800" b="1" dirty="0" err="1">
+                <a:solidFill>
+                  <a:srgbClr val="FFFF00"/>
+                </a:solidFill>
+                <a:latin typeface="Courier New" panose="02070309020205020404" pitchFamily="49" charset="0"/>
+                <a:cs typeface="Courier New" panose="02070309020205020404" pitchFamily="49" charset="0"/>
+              </a:rPr>
+              <a:t>git</a:t>
+            </a:r>
+            <a:r>
+              <a:rPr lang="en-US" sz="1800" b="1" dirty="0">
+                <a:solidFill>
+                  <a:srgbClr val="FFFF00"/>
+                </a:solidFill>
+                <a:latin typeface="Courier New" panose="02070309020205020404" pitchFamily="49" charset="0"/>
+                <a:cs typeface="Courier New" panose="02070309020205020404" pitchFamily="49" charset="0"/>
+              </a:rPr>
+              <a:t> add .</a:t>
+            </a:r>
+          </a:p>
+          <a:p>
+            <a:pPr marL="0" indent="0">
+              <a:buNone/>
+            </a:pPr>
+            <a:r>
+              <a:rPr lang="en-US" sz="1800" dirty="0" smtClean="0">
+                <a:latin typeface="Courier New" panose="02070309020205020404" pitchFamily="49" charset="0"/>
+                <a:cs typeface="Courier New" panose="02070309020205020404" pitchFamily="49" charset="0"/>
+              </a:rPr>
+              <a:t>$ </a:t>
+            </a:r>
+            <a:r>
+              <a:rPr lang="en-US" sz="1800" b="1" dirty="0" err="1">
+                <a:solidFill>
+                  <a:srgbClr val="FFFF00"/>
+                </a:solidFill>
+                <a:latin typeface="Courier New" panose="02070309020205020404" pitchFamily="49" charset="0"/>
+                <a:cs typeface="Courier New" panose="02070309020205020404" pitchFamily="49" charset="0"/>
+              </a:rPr>
+              <a:t>git</a:t>
+            </a:r>
+            <a:r>
+              <a:rPr lang="en-US" sz="1800" b="1" dirty="0">
+                <a:solidFill>
+                  <a:srgbClr val="FFFF00"/>
+                </a:solidFill>
+                <a:latin typeface="Courier New" panose="02070309020205020404" pitchFamily="49" charset="0"/>
+                <a:cs typeface="Courier New" panose="02070309020205020404" pitchFamily="49" charset="0"/>
+              </a:rPr>
+              <a:t> status</a:t>
+            </a:r>
+          </a:p>
+          <a:p>
+            <a:pPr marL="0" indent="0">
+              <a:buNone/>
+            </a:pPr>
+            <a:r>
+              <a:rPr lang="en-US" sz="1800" dirty="0">
+                <a:latin typeface="Courier New" panose="02070309020205020404" pitchFamily="49" charset="0"/>
+                <a:cs typeface="Courier New" panose="02070309020205020404" pitchFamily="49" charset="0"/>
+              </a:rPr>
+              <a:t>On branch master</a:t>
+            </a:r>
+          </a:p>
+          <a:p>
+            <a:pPr marL="0" indent="0">
+              <a:buNone/>
+            </a:pPr>
+            <a:r>
+              <a:rPr lang="en-US" sz="1800" dirty="0">
+                <a:latin typeface="Courier New" panose="02070309020205020404" pitchFamily="49" charset="0"/>
+                <a:cs typeface="Courier New" panose="02070309020205020404" pitchFamily="49" charset="0"/>
+              </a:rPr>
+              <a:t>Your branch is up-to-date with </a:t>
+            </a:r>
+            <a:r>
+              <a:rPr lang="en-US" sz="1800" dirty="0" smtClean="0">
+                <a:latin typeface="Courier New" panose="02070309020205020404" pitchFamily="49" charset="0"/>
+                <a:cs typeface="Courier New" panose="02070309020205020404" pitchFamily="49" charset="0"/>
+              </a:rPr>
+              <a:t>'origin/master'.</a:t>
+            </a:r>
+            <a:endParaRPr lang="en-US" sz="1800" dirty="0">
+              <a:latin typeface="Courier New" panose="02070309020205020404" pitchFamily="49" charset="0"/>
+              <a:cs typeface="Courier New" panose="02070309020205020404" pitchFamily="49" charset="0"/>
+            </a:endParaRPr>
+          </a:p>
+          <a:p>
+            <a:pPr marL="0" indent="0">
+              <a:buNone/>
+            </a:pPr>
+            <a:r>
+              <a:rPr lang="en-US" sz="1800" dirty="0">
+                <a:latin typeface="Courier New" panose="02070309020205020404" pitchFamily="49" charset="0"/>
+                <a:cs typeface="Courier New" panose="02070309020205020404" pitchFamily="49" charset="0"/>
+              </a:rPr>
+              <a:t>Changes to be committed:</a:t>
+            </a:r>
+          </a:p>
+          <a:p>
+            <a:pPr marL="0" indent="0">
+              <a:buNone/>
+            </a:pPr>
+            <a:r>
+              <a:rPr lang="en-US" sz="1800" dirty="0">
+                <a:latin typeface="Courier New" panose="02070309020205020404" pitchFamily="49" charset="0"/>
+                <a:cs typeface="Courier New" panose="02070309020205020404" pitchFamily="49" charset="0"/>
+              </a:rPr>
+              <a:t>  (use </a:t>
+            </a:r>
+            <a:r>
+              <a:rPr lang="en-US" sz="1800" dirty="0" smtClean="0">
+                <a:latin typeface="Courier New" panose="02070309020205020404" pitchFamily="49" charset="0"/>
+                <a:cs typeface="Courier New" panose="02070309020205020404" pitchFamily="49" charset="0"/>
+              </a:rPr>
+              <a:t>"</a:t>
+            </a:r>
+            <a:r>
+              <a:rPr lang="en-US" sz="1800" dirty="0" err="1" smtClean="0">
+                <a:latin typeface="Courier New" panose="02070309020205020404" pitchFamily="49" charset="0"/>
+                <a:cs typeface="Courier New" panose="02070309020205020404" pitchFamily="49" charset="0"/>
+              </a:rPr>
+              <a:t>git</a:t>
+            </a:r>
+            <a:r>
+              <a:rPr lang="en-US" sz="1800" dirty="0" smtClean="0">
+                <a:latin typeface="Courier New" panose="02070309020205020404" pitchFamily="49" charset="0"/>
+                <a:cs typeface="Courier New" panose="02070309020205020404" pitchFamily="49" charset="0"/>
+              </a:rPr>
+              <a:t> </a:t>
+            </a:r>
+            <a:r>
+              <a:rPr lang="en-US" sz="1800" dirty="0">
+                <a:latin typeface="Courier New" panose="02070309020205020404" pitchFamily="49" charset="0"/>
+                <a:cs typeface="Courier New" panose="02070309020205020404" pitchFamily="49" charset="0"/>
+              </a:rPr>
+              <a:t>reset HEAD &lt;file</a:t>
+            </a:r>
+            <a:r>
+              <a:rPr lang="en-US" sz="1800" dirty="0" smtClean="0">
+                <a:latin typeface="Courier New" panose="02070309020205020404" pitchFamily="49" charset="0"/>
+                <a:cs typeface="Courier New" panose="02070309020205020404" pitchFamily="49" charset="0"/>
+              </a:rPr>
+              <a:t>&gt;..." </a:t>
+            </a:r>
+            <a:r>
+              <a:rPr lang="en-US" sz="1800" dirty="0">
+                <a:latin typeface="Courier New" panose="02070309020205020404" pitchFamily="49" charset="0"/>
+                <a:cs typeface="Courier New" panose="02070309020205020404" pitchFamily="49" charset="0"/>
+              </a:rPr>
+              <a:t>to </a:t>
+            </a:r>
+            <a:r>
+              <a:rPr lang="en-US" sz="1800" dirty="0" err="1">
+                <a:latin typeface="Courier New" panose="02070309020205020404" pitchFamily="49" charset="0"/>
+                <a:cs typeface="Courier New" panose="02070309020205020404" pitchFamily="49" charset="0"/>
+              </a:rPr>
+              <a:t>unstage</a:t>
+            </a:r>
+            <a:r>
+              <a:rPr lang="en-US" sz="1800" dirty="0">
+                <a:latin typeface="Courier New" panose="02070309020205020404" pitchFamily="49" charset="0"/>
+                <a:cs typeface="Courier New" panose="02070309020205020404" pitchFamily="49" charset="0"/>
+              </a:rPr>
+              <a:t>)</a:t>
+            </a:r>
+          </a:p>
+          <a:p>
+            <a:pPr marL="0" indent="0">
+              <a:buNone/>
+            </a:pPr>
+            <a:endParaRPr lang="en-US" sz="1800" dirty="0">
+              <a:latin typeface="Courier New" panose="02070309020205020404" pitchFamily="49" charset="0"/>
+              <a:cs typeface="Courier New" panose="02070309020205020404" pitchFamily="49" charset="0"/>
+            </a:endParaRPr>
+          </a:p>
+          <a:p>
+            <a:pPr marL="0" indent="0">
+              <a:buNone/>
+            </a:pPr>
+            <a:r>
+              <a:rPr lang="en-US" sz="1800" dirty="0">
+                <a:latin typeface="Courier New" panose="02070309020205020404" pitchFamily="49" charset="0"/>
+                <a:cs typeface="Courier New" panose="02070309020205020404" pitchFamily="49" charset="0"/>
+              </a:rPr>
+              <a:t>	</a:t>
+            </a:r>
+            <a:r>
+              <a:rPr lang="en-US" sz="1800" dirty="0">
+                <a:solidFill>
+                  <a:srgbClr val="66FA66"/>
+                </a:solidFill>
+                <a:latin typeface="Courier New" panose="02070309020205020404" pitchFamily="49" charset="0"/>
+                <a:cs typeface="Courier New" panose="02070309020205020404" pitchFamily="49" charset="0"/>
+              </a:rPr>
+              <a:t>new file:   </a:t>
+            </a:r>
+            <a:r>
+              <a:rPr lang="en-US" sz="1800" dirty="0" err="1">
+                <a:solidFill>
+                  <a:srgbClr val="66FA66"/>
+                </a:solidFill>
+                <a:latin typeface="Courier New" panose="02070309020205020404" pitchFamily="49" charset="0"/>
+                <a:cs typeface="Courier New" panose="02070309020205020404" pitchFamily="49" charset="0"/>
+              </a:rPr>
+              <a:t>hi.txt</a:t>
+            </a:r>
+            <a:endParaRPr lang="en-US" sz="1800" dirty="0">
+              <a:solidFill>
+                <a:srgbClr val="66FA66"/>
+              </a:solidFill>
+              <a:latin typeface="Courier New" panose="02070309020205020404" pitchFamily="49" charset="0"/>
+              <a:cs typeface="Courier New" panose="02070309020205020404" pitchFamily="49" charset="0"/>
+            </a:endParaRPr>
+          </a:p>
+          <a:p>
+            <a:pPr marL="0" indent="0">
+              <a:buNone/>
+            </a:pPr>
+            <a:r>
+              <a:rPr lang="en-US" sz="1800" dirty="0">
+                <a:solidFill>
+                  <a:srgbClr val="66FA66"/>
+                </a:solidFill>
+                <a:latin typeface="Courier New" panose="02070309020205020404" pitchFamily="49" charset="0"/>
+                <a:cs typeface="Courier New" panose="02070309020205020404" pitchFamily="49" charset="0"/>
+              </a:rPr>
+              <a:t>	new file:   </a:t>
+            </a:r>
+            <a:r>
+              <a:rPr lang="en-US" sz="1800" dirty="0" err="1">
+                <a:solidFill>
+                  <a:srgbClr val="66FA66"/>
+                </a:solidFill>
+                <a:latin typeface="Courier New" panose="02070309020205020404" pitchFamily="49" charset="0"/>
+                <a:cs typeface="Courier New" panose="02070309020205020404" pitchFamily="49" charset="0"/>
+              </a:rPr>
+              <a:t>mydir</a:t>
+            </a:r>
+            <a:r>
+              <a:rPr lang="en-US" sz="1800" dirty="0">
+                <a:solidFill>
+                  <a:srgbClr val="66FA66"/>
+                </a:solidFill>
+                <a:latin typeface="Courier New" panose="02070309020205020404" pitchFamily="49" charset="0"/>
+                <a:cs typeface="Courier New" panose="02070309020205020404" pitchFamily="49" charset="0"/>
+              </a:rPr>
+              <a:t>/t1.txt</a:t>
+            </a:r>
+          </a:p>
+          <a:p>
+            <a:endParaRPr lang="en-US" sz="1800" dirty="0">
+              <a:latin typeface="Courier New" panose="02070309020205020404" pitchFamily="49" charset="0"/>
+              <a:cs typeface="Courier New" panose="02070309020205020404" pitchFamily="49" charset="0"/>
+            </a:endParaRPr>
+          </a:p>
+          <a:p>
+            <a:pPr marL="0" indent="0">
+              <a:buNone/>
+            </a:pPr>
+            <a:endParaRPr lang="en-US" sz="1800" dirty="0">
+              <a:latin typeface="Courier New" panose="02070309020205020404" pitchFamily="49" charset="0"/>
+              <a:cs typeface="Courier New" panose="02070309020205020404" pitchFamily="49" charset="0"/>
+            </a:endParaRPr>
+          </a:p>
+        </p:txBody>
+      </p:sp>
+      <p:sp>
+        <p:nvSpPr>
+          <p:cNvPr id="4" name="TextBox 3"/>
+          <p:cNvSpPr txBox="1"/>
+          <p:nvPr/>
+        </p:nvSpPr>
+        <p:spPr>
+          <a:xfrm>
+            <a:off x="457200" y="1331074"/>
+            <a:ext cx="6045200" cy="707886"/>
+          </a:xfrm>
+          <a:prstGeom prst="rect">
+            <a:avLst/>
+          </a:prstGeom>
+          <a:noFill/>
+        </p:spPr>
+        <p:txBody>
+          <a:bodyPr wrap="square" rtlCol="0">
+            <a:spAutoFit/>
+          </a:bodyPr>
+          <a:lstStyle/>
+          <a:p>
+            <a:r>
+              <a:rPr lang="en-US" sz="2000" dirty="0" smtClean="0">
+                <a:latin typeface="+mn-lt"/>
+              </a:rPr>
+              <a:t>Adding files tells </a:t>
+            </a:r>
+            <a:r>
+              <a:rPr lang="en-US" sz="2000" dirty="0" err="1" smtClean="0">
+                <a:latin typeface="+mn-lt"/>
+              </a:rPr>
+              <a:t>git</a:t>
+            </a:r>
+            <a:r>
+              <a:rPr lang="en-US" sz="2000" dirty="0" smtClean="0">
+                <a:latin typeface="+mn-lt"/>
+              </a:rPr>
+              <a:t> to start looking after them or add a new version if it already knows about it.</a:t>
+            </a:r>
+            <a:endParaRPr lang="en-US" sz="2000" dirty="0">
+              <a:latin typeface="+mn-lt"/>
+            </a:endParaRPr>
+          </a:p>
+        </p:txBody>
+      </p:sp>
+    </p:spTree>
+    <p:extLst>
+      <p:ext uri="{BB962C8B-B14F-4D97-AF65-F5344CB8AC3E}">
+        <p14:creationId xmlns:p14="http://schemas.microsoft.com/office/powerpoint/2010/main" val="2983270938"/>
+      </p:ext>
+    </p:extLst>
+  </p:cSld>
+  <p:clrMapOvr>
+    <a:masterClrMapping/>
+  </p:clrMapOvr>
+</p:sld>
+</file>
+
+<file path=ppt/slides/slide25.xml><?xml version="1.0" encoding="utf-8"?>
+<p:sld xmlns:a="http://schemas.openxmlformats.org/drawingml/2006/main" xmlns:r="http://schemas.openxmlformats.org/officeDocument/2006/relationships" xmlns:p="http://schemas.openxmlformats.org/presentationml/2006/main">
+  <p:cSld>
+    <p:spTree>
+      <p:nvGrpSpPr>
+        <p:cNvPr id="1" name=""/>
+        <p:cNvGrpSpPr/>
+        <p:nvPr/>
+      </p:nvGrpSpPr>
+      <p:grpSpPr>
+        <a:xfrm>
+          <a:off x="0" y="0"/>
+          <a:ext cx="0" cy="0"/>
+          <a:chOff x="0" y="0"/>
+          <a:chExt cx="0" cy="0"/>
+        </a:xfrm>
+      </p:grpSpPr>
+      <p:sp>
+        <p:nvSpPr>
+          <p:cNvPr id="2" name="Title 1"/>
+          <p:cNvSpPr>
+            <a:spLocks noGrp="1"/>
+          </p:cNvSpPr>
+          <p:nvPr>
+            <p:ph type="title"/>
+          </p:nvPr>
+        </p:nvSpPr>
+        <p:spPr/>
+        <p:txBody>
+          <a:bodyPr/>
+          <a:lstStyle/>
+          <a:p>
+            <a:r>
+              <a:rPr lang="en-US" dirty="0"/>
+              <a:t>A</a:t>
+            </a:r>
+            <a:r>
+              <a:rPr lang="en-US" dirty="0" smtClean="0"/>
+              <a:t>dd another file</a:t>
+            </a:r>
+            <a:endParaRPr lang="en-US" dirty="0"/>
+          </a:p>
+        </p:txBody>
+      </p:sp>
+      <p:sp>
+        <p:nvSpPr>
+          <p:cNvPr id="3" name="Content Placeholder 2"/>
+          <p:cNvSpPr>
+            <a:spLocks noGrp="1"/>
+          </p:cNvSpPr>
+          <p:nvPr>
+            <p:ph idx="1"/>
+          </p:nvPr>
+        </p:nvSpPr>
+        <p:spPr>
+          <a:xfrm>
+            <a:off x="457200" y="1955801"/>
+            <a:ext cx="8229600" cy="4064000"/>
+          </a:xfrm>
+        </p:spPr>
+        <p:style>
+          <a:lnRef idx="2">
+            <a:schemeClr val="dk1">
+              <a:shade val="50000"/>
+            </a:schemeClr>
+          </a:lnRef>
+          <a:fillRef idx="1">
+            <a:schemeClr val="dk1"/>
+          </a:fillRef>
+          <a:effectRef idx="0">
+            <a:schemeClr val="dk1"/>
+          </a:effectRef>
+          <a:fontRef idx="minor">
+            <a:schemeClr val="lt1"/>
+          </a:fontRef>
+        </p:style>
+        <p:txBody>
+          <a:bodyPr>
+            <a:normAutofit lnSpcReduction="10000"/>
+          </a:bodyPr>
+          <a:lstStyle/>
+          <a:p>
+            <a:pPr marL="0" indent="0">
+              <a:buNone/>
+            </a:pPr>
+            <a:r>
+              <a:rPr lang="en-US" sz="1800" dirty="0" smtClean="0">
+                <a:latin typeface="Courier New" panose="02070309020205020404" pitchFamily="49" charset="0"/>
+                <a:cs typeface="Courier New" panose="02070309020205020404" pitchFamily="49" charset="0"/>
+              </a:rPr>
+              <a:t>$ </a:t>
+            </a:r>
+            <a:r>
+              <a:rPr lang="en-US" sz="1800" b="1" dirty="0">
+                <a:solidFill>
+                  <a:srgbClr val="FFFF00"/>
+                </a:solidFill>
+                <a:latin typeface="Courier New" panose="02070309020205020404" pitchFamily="49" charset="0"/>
+                <a:cs typeface="Courier New" panose="02070309020205020404" pitchFamily="49" charset="0"/>
+              </a:rPr>
+              <a:t>echo </a:t>
+            </a:r>
+            <a:r>
+              <a:rPr lang="en-US" sz="1800" b="1" dirty="0" smtClean="0">
+                <a:solidFill>
+                  <a:srgbClr val="FFFF00"/>
+                </a:solidFill>
+                <a:latin typeface="Courier New" panose="02070309020205020404" pitchFamily="49" charset="0"/>
+                <a:cs typeface="Courier New" panose="02070309020205020404" pitchFamily="49" charset="0"/>
+              </a:rPr>
+              <a:t>"testing..." </a:t>
+            </a:r>
+            <a:r>
+              <a:rPr lang="en-US" sz="1800" b="1" dirty="0">
+                <a:solidFill>
+                  <a:srgbClr val="FFFF00"/>
+                </a:solidFill>
+                <a:latin typeface="Courier New" panose="02070309020205020404" pitchFamily="49" charset="0"/>
+                <a:cs typeface="Courier New" panose="02070309020205020404" pitchFamily="49" charset="0"/>
+              </a:rPr>
+              <a:t>&gt; </a:t>
+            </a:r>
+            <a:r>
+              <a:rPr lang="en-US" sz="1800" b="1" dirty="0" err="1">
+                <a:solidFill>
+                  <a:srgbClr val="FFFF00"/>
+                </a:solidFill>
+                <a:latin typeface="Courier New" panose="02070309020205020404" pitchFamily="49" charset="0"/>
+                <a:cs typeface="Courier New" panose="02070309020205020404" pitchFamily="49" charset="0"/>
+              </a:rPr>
+              <a:t>mydir</a:t>
+            </a:r>
+            <a:r>
+              <a:rPr lang="en-US" sz="1800" b="1" dirty="0">
+                <a:solidFill>
+                  <a:srgbClr val="FFFF00"/>
+                </a:solidFill>
+                <a:latin typeface="Courier New" panose="02070309020205020404" pitchFamily="49" charset="0"/>
+                <a:cs typeface="Courier New" panose="02070309020205020404" pitchFamily="49" charset="0"/>
+              </a:rPr>
+              <a:t>/t2.txt</a:t>
+            </a:r>
+          </a:p>
+          <a:p>
+            <a:pPr marL="0" indent="0">
+              <a:buNone/>
+            </a:pPr>
+            <a:r>
+              <a:rPr lang="en-US" sz="1800" dirty="0" smtClean="0">
+                <a:latin typeface="Courier New" panose="02070309020205020404" pitchFamily="49" charset="0"/>
+                <a:cs typeface="Courier New" panose="02070309020205020404" pitchFamily="49" charset="0"/>
+              </a:rPr>
+              <a:t>$ </a:t>
+            </a:r>
+            <a:r>
+              <a:rPr lang="en-US" sz="1800" b="1" dirty="0" err="1">
+                <a:solidFill>
+                  <a:srgbClr val="FFFF00"/>
+                </a:solidFill>
+                <a:latin typeface="Courier New" panose="02070309020205020404" pitchFamily="49" charset="0"/>
+                <a:cs typeface="Courier New" panose="02070309020205020404" pitchFamily="49" charset="0"/>
+              </a:rPr>
+              <a:t>git</a:t>
+            </a:r>
+            <a:r>
+              <a:rPr lang="en-US" sz="1800" b="1" dirty="0">
+                <a:solidFill>
+                  <a:srgbClr val="FFFF00"/>
+                </a:solidFill>
+                <a:latin typeface="Courier New" panose="02070309020205020404" pitchFamily="49" charset="0"/>
+                <a:cs typeface="Courier New" panose="02070309020205020404" pitchFamily="49" charset="0"/>
+              </a:rPr>
+              <a:t> add </a:t>
+            </a:r>
+            <a:r>
+              <a:rPr lang="en-US" sz="1800" b="1" dirty="0" err="1">
+                <a:solidFill>
+                  <a:srgbClr val="FFFF00"/>
+                </a:solidFill>
+                <a:latin typeface="Courier New" panose="02070309020205020404" pitchFamily="49" charset="0"/>
+                <a:cs typeface="Courier New" panose="02070309020205020404" pitchFamily="49" charset="0"/>
+              </a:rPr>
+              <a:t>mydir</a:t>
+            </a:r>
+            <a:r>
+              <a:rPr lang="en-US" sz="1800" b="1" dirty="0">
+                <a:solidFill>
+                  <a:srgbClr val="FFFF00"/>
+                </a:solidFill>
+                <a:latin typeface="Courier New" panose="02070309020205020404" pitchFamily="49" charset="0"/>
+                <a:cs typeface="Courier New" panose="02070309020205020404" pitchFamily="49" charset="0"/>
+              </a:rPr>
+              <a:t>/t2.txt </a:t>
+            </a:r>
+          </a:p>
+          <a:p>
+            <a:pPr marL="0" indent="0">
+              <a:buNone/>
+            </a:pPr>
+            <a:r>
+              <a:rPr lang="en-US" sz="1800" dirty="0" smtClean="0">
+                <a:latin typeface="Courier New" panose="02070309020205020404" pitchFamily="49" charset="0"/>
+                <a:cs typeface="Courier New" panose="02070309020205020404" pitchFamily="49" charset="0"/>
+              </a:rPr>
+              <a:t>$ </a:t>
+            </a:r>
+            <a:r>
+              <a:rPr lang="en-US" sz="1800" b="1" dirty="0" err="1">
+                <a:solidFill>
+                  <a:srgbClr val="FFFF00"/>
+                </a:solidFill>
+                <a:latin typeface="Courier New" panose="02070309020205020404" pitchFamily="49" charset="0"/>
+                <a:cs typeface="Courier New" panose="02070309020205020404" pitchFamily="49" charset="0"/>
+              </a:rPr>
+              <a:t>git</a:t>
+            </a:r>
+            <a:r>
+              <a:rPr lang="en-US" sz="1800" b="1" dirty="0">
+                <a:solidFill>
+                  <a:srgbClr val="FFFF00"/>
+                </a:solidFill>
+                <a:latin typeface="Courier New" panose="02070309020205020404" pitchFamily="49" charset="0"/>
+                <a:cs typeface="Courier New" panose="02070309020205020404" pitchFamily="49" charset="0"/>
+              </a:rPr>
+              <a:t> status</a:t>
+            </a:r>
+          </a:p>
+          <a:p>
+            <a:pPr marL="0" indent="0">
+              <a:buNone/>
+            </a:pPr>
+            <a:r>
+              <a:rPr lang="en-US" sz="1800" dirty="0">
+                <a:latin typeface="Courier New" panose="02070309020205020404" pitchFamily="49" charset="0"/>
+                <a:cs typeface="Courier New" panose="02070309020205020404" pitchFamily="49" charset="0"/>
+              </a:rPr>
+              <a:t>On branch master</a:t>
+            </a:r>
+          </a:p>
+          <a:p>
+            <a:pPr marL="0" indent="0">
+              <a:buNone/>
+            </a:pPr>
+            <a:r>
+              <a:rPr lang="en-US" sz="1800" dirty="0">
+                <a:latin typeface="Courier New" panose="02070309020205020404" pitchFamily="49" charset="0"/>
+                <a:cs typeface="Courier New" panose="02070309020205020404" pitchFamily="49" charset="0"/>
+              </a:rPr>
+              <a:t>Your branch is up-to-date with </a:t>
+            </a:r>
+            <a:r>
+              <a:rPr lang="en-US" sz="1800" dirty="0" smtClean="0">
+                <a:latin typeface="Courier New" panose="02070309020205020404" pitchFamily="49" charset="0"/>
+                <a:cs typeface="Courier New" panose="02070309020205020404" pitchFamily="49" charset="0"/>
+              </a:rPr>
+              <a:t>'origin/master'.</a:t>
+            </a:r>
+            <a:endParaRPr lang="en-US" sz="1800" dirty="0">
+              <a:latin typeface="Courier New" panose="02070309020205020404" pitchFamily="49" charset="0"/>
+              <a:cs typeface="Courier New" panose="02070309020205020404" pitchFamily="49" charset="0"/>
+            </a:endParaRPr>
+          </a:p>
+          <a:p>
+            <a:pPr marL="0" indent="0">
+              <a:buNone/>
+            </a:pPr>
+            <a:r>
+              <a:rPr lang="en-US" sz="1800" dirty="0">
+                <a:latin typeface="Courier New" panose="02070309020205020404" pitchFamily="49" charset="0"/>
+                <a:cs typeface="Courier New" panose="02070309020205020404" pitchFamily="49" charset="0"/>
+              </a:rPr>
+              <a:t>Changes to be committed:</a:t>
+            </a:r>
+          </a:p>
+          <a:p>
+            <a:pPr marL="0" indent="0">
+              <a:buNone/>
+            </a:pPr>
+            <a:r>
+              <a:rPr lang="en-US" sz="1800" dirty="0">
+                <a:latin typeface="Courier New" panose="02070309020205020404" pitchFamily="49" charset="0"/>
+                <a:cs typeface="Courier New" panose="02070309020205020404" pitchFamily="49" charset="0"/>
+              </a:rPr>
+              <a:t>  (use </a:t>
+            </a:r>
+            <a:r>
+              <a:rPr lang="en-US" sz="1800" dirty="0" smtClean="0">
+                <a:latin typeface="Courier New" panose="02070309020205020404" pitchFamily="49" charset="0"/>
+                <a:cs typeface="Courier New" panose="02070309020205020404" pitchFamily="49" charset="0"/>
+              </a:rPr>
+              <a:t>"</a:t>
+            </a:r>
+            <a:r>
+              <a:rPr lang="en-US" sz="1800" dirty="0" err="1" smtClean="0">
+                <a:latin typeface="Courier New" panose="02070309020205020404" pitchFamily="49" charset="0"/>
+                <a:cs typeface="Courier New" panose="02070309020205020404" pitchFamily="49" charset="0"/>
+              </a:rPr>
+              <a:t>git</a:t>
+            </a:r>
+            <a:r>
+              <a:rPr lang="en-US" sz="1800" dirty="0" smtClean="0">
+                <a:latin typeface="Courier New" panose="02070309020205020404" pitchFamily="49" charset="0"/>
+                <a:cs typeface="Courier New" panose="02070309020205020404" pitchFamily="49" charset="0"/>
+              </a:rPr>
+              <a:t> </a:t>
+            </a:r>
+            <a:r>
+              <a:rPr lang="en-US" sz="1800" dirty="0">
+                <a:latin typeface="Courier New" panose="02070309020205020404" pitchFamily="49" charset="0"/>
+                <a:cs typeface="Courier New" panose="02070309020205020404" pitchFamily="49" charset="0"/>
+              </a:rPr>
+              <a:t>reset HEAD &lt;file</a:t>
+            </a:r>
+            <a:r>
+              <a:rPr lang="en-US" sz="1800" dirty="0" smtClean="0">
+                <a:latin typeface="Courier New" panose="02070309020205020404" pitchFamily="49" charset="0"/>
+                <a:cs typeface="Courier New" panose="02070309020205020404" pitchFamily="49" charset="0"/>
+              </a:rPr>
+              <a:t>&gt;..." </a:t>
+            </a:r>
+            <a:r>
+              <a:rPr lang="en-US" sz="1800" dirty="0">
+                <a:latin typeface="Courier New" panose="02070309020205020404" pitchFamily="49" charset="0"/>
+                <a:cs typeface="Courier New" panose="02070309020205020404" pitchFamily="49" charset="0"/>
+              </a:rPr>
+              <a:t>to </a:t>
+            </a:r>
+            <a:r>
+              <a:rPr lang="en-US" sz="1800" dirty="0" err="1">
+                <a:latin typeface="Courier New" panose="02070309020205020404" pitchFamily="49" charset="0"/>
+                <a:cs typeface="Courier New" panose="02070309020205020404" pitchFamily="49" charset="0"/>
+              </a:rPr>
+              <a:t>unstage</a:t>
+            </a:r>
+            <a:r>
+              <a:rPr lang="en-US" sz="1800" dirty="0">
+                <a:latin typeface="Courier New" panose="02070309020205020404" pitchFamily="49" charset="0"/>
+                <a:cs typeface="Courier New" panose="02070309020205020404" pitchFamily="49" charset="0"/>
+              </a:rPr>
+              <a:t>)</a:t>
+            </a:r>
+          </a:p>
+          <a:p>
+            <a:pPr marL="0" indent="0">
+              <a:buNone/>
+            </a:pPr>
+            <a:endParaRPr lang="en-US" sz="1800" dirty="0">
+              <a:latin typeface="Courier New" panose="02070309020205020404" pitchFamily="49" charset="0"/>
+              <a:cs typeface="Courier New" panose="02070309020205020404" pitchFamily="49" charset="0"/>
+            </a:endParaRPr>
+          </a:p>
+          <a:p>
+            <a:pPr marL="0" indent="0">
+              <a:buNone/>
+            </a:pPr>
+            <a:r>
+              <a:rPr lang="en-US" sz="1800" dirty="0">
+                <a:latin typeface="Courier New" panose="02070309020205020404" pitchFamily="49" charset="0"/>
+                <a:cs typeface="Courier New" panose="02070309020205020404" pitchFamily="49" charset="0"/>
+              </a:rPr>
+              <a:t>	</a:t>
+            </a:r>
+            <a:r>
+              <a:rPr lang="en-US" sz="1800" dirty="0">
+                <a:solidFill>
+                  <a:srgbClr val="66FA66"/>
+                </a:solidFill>
+                <a:latin typeface="Courier New" panose="02070309020205020404" pitchFamily="49" charset="0"/>
+                <a:cs typeface="Courier New" panose="02070309020205020404" pitchFamily="49" charset="0"/>
+              </a:rPr>
+              <a:t>new file:   </a:t>
+            </a:r>
+            <a:r>
+              <a:rPr lang="en-US" sz="1800" dirty="0" err="1">
+                <a:solidFill>
+                  <a:srgbClr val="66FA66"/>
+                </a:solidFill>
+                <a:latin typeface="Courier New" panose="02070309020205020404" pitchFamily="49" charset="0"/>
+                <a:cs typeface="Courier New" panose="02070309020205020404" pitchFamily="49" charset="0"/>
+              </a:rPr>
+              <a:t>hi.txt</a:t>
+            </a:r>
+            <a:endParaRPr lang="en-US" sz="1800" dirty="0">
+              <a:solidFill>
+                <a:srgbClr val="66FA66"/>
+              </a:solidFill>
+              <a:latin typeface="Courier New" panose="02070309020205020404" pitchFamily="49" charset="0"/>
+              <a:cs typeface="Courier New" panose="02070309020205020404" pitchFamily="49" charset="0"/>
+            </a:endParaRPr>
+          </a:p>
+          <a:p>
+            <a:pPr marL="0" indent="0">
+              <a:buNone/>
+            </a:pPr>
+            <a:r>
+              <a:rPr lang="en-US" sz="1800" dirty="0">
+                <a:solidFill>
+                  <a:srgbClr val="66FA66"/>
+                </a:solidFill>
+                <a:latin typeface="Courier New" panose="02070309020205020404" pitchFamily="49" charset="0"/>
+                <a:cs typeface="Courier New" panose="02070309020205020404" pitchFamily="49" charset="0"/>
+              </a:rPr>
+              <a:t>	new file:   </a:t>
+            </a:r>
+            <a:r>
+              <a:rPr lang="en-US" sz="1800" dirty="0" err="1">
+                <a:solidFill>
+                  <a:srgbClr val="66FA66"/>
+                </a:solidFill>
+                <a:latin typeface="Courier New" panose="02070309020205020404" pitchFamily="49" charset="0"/>
+                <a:cs typeface="Courier New" panose="02070309020205020404" pitchFamily="49" charset="0"/>
+              </a:rPr>
+              <a:t>mydir</a:t>
+            </a:r>
+            <a:r>
+              <a:rPr lang="en-US" sz="1800" dirty="0">
+                <a:solidFill>
+                  <a:srgbClr val="66FA66"/>
+                </a:solidFill>
+                <a:latin typeface="Courier New" panose="02070309020205020404" pitchFamily="49" charset="0"/>
+                <a:cs typeface="Courier New" panose="02070309020205020404" pitchFamily="49" charset="0"/>
+              </a:rPr>
+              <a:t>/t1.txt</a:t>
+            </a:r>
+          </a:p>
+          <a:p>
+            <a:pPr marL="0" indent="0">
+              <a:buNone/>
+            </a:pPr>
+            <a:r>
+              <a:rPr lang="en-US" sz="1800" dirty="0">
+                <a:solidFill>
+                  <a:srgbClr val="66FA66"/>
+                </a:solidFill>
+                <a:latin typeface="Courier New" panose="02070309020205020404" pitchFamily="49" charset="0"/>
+                <a:cs typeface="Courier New" panose="02070309020205020404" pitchFamily="49" charset="0"/>
+              </a:rPr>
+              <a:t>	new file:   </a:t>
+            </a:r>
+            <a:r>
+              <a:rPr lang="en-US" sz="1800" dirty="0" err="1">
+                <a:solidFill>
+                  <a:srgbClr val="66FA66"/>
+                </a:solidFill>
+                <a:latin typeface="Courier New" panose="02070309020205020404" pitchFamily="49" charset="0"/>
+                <a:cs typeface="Courier New" panose="02070309020205020404" pitchFamily="49" charset="0"/>
+              </a:rPr>
+              <a:t>mydir</a:t>
+            </a:r>
+            <a:r>
+              <a:rPr lang="en-US" sz="1800" dirty="0">
+                <a:solidFill>
+                  <a:srgbClr val="66FA66"/>
+                </a:solidFill>
+                <a:latin typeface="Courier New" panose="02070309020205020404" pitchFamily="49" charset="0"/>
+                <a:cs typeface="Courier New" panose="02070309020205020404" pitchFamily="49" charset="0"/>
+              </a:rPr>
+              <a:t>/t2.txt</a:t>
+            </a:r>
+          </a:p>
+          <a:p>
+            <a:pPr marL="0" indent="0">
+              <a:buNone/>
+            </a:pPr>
+            <a:endParaRPr lang="en-US" dirty="0">
+              <a:latin typeface="Courier New" panose="02070309020205020404" pitchFamily="49" charset="0"/>
+              <a:cs typeface="Courier New" panose="02070309020205020404" pitchFamily="49" charset="0"/>
+            </a:endParaRPr>
+          </a:p>
+          <a:p>
+            <a:pPr marL="0" indent="0">
+              <a:buNone/>
+            </a:pPr>
+            <a:endParaRPr lang="en-US" dirty="0">
+              <a:latin typeface="Courier New" panose="02070309020205020404" pitchFamily="49" charset="0"/>
+              <a:cs typeface="Courier New" panose="02070309020205020404" pitchFamily="49" charset="0"/>
+            </a:endParaRPr>
+          </a:p>
+        </p:txBody>
+      </p:sp>
+      <p:sp>
+        <p:nvSpPr>
+          <p:cNvPr id="4" name="TextBox 3"/>
+          <p:cNvSpPr txBox="1"/>
+          <p:nvPr/>
+        </p:nvSpPr>
+        <p:spPr>
+          <a:xfrm>
+            <a:off x="457200" y="1286609"/>
+            <a:ext cx="8293100" cy="400110"/>
+          </a:xfrm>
+          <a:prstGeom prst="rect">
+            <a:avLst/>
+          </a:prstGeom>
+          <a:noFill/>
+        </p:spPr>
+        <p:txBody>
+          <a:bodyPr wrap="square" rtlCol="0">
+            <a:spAutoFit/>
+          </a:bodyPr>
+          <a:lstStyle/>
+          <a:p>
+            <a:r>
+              <a:rPr lang="en-US" sz="2000" dirty="0" smtClean="0">
+                <a:latin typeface="+mn-lt"/>
+              </a:rPr>
+              <a:t>These files are all staged to go into the repository, but are not committed yet.</a:t>
+            </a:r>
+            <a:endParaRPr lang="en-US" sz="2000" dirty="0">
+              <a:latin typeface="+mn-lt"/>
+            </a:endParaRPr>
+          </a:p>
+        </p:txBody>
+      </p:sp>
+    </p:spTree>
+    <p:extLst>
+      <p:ext uri="{BB962C8B-B14F-4D97-AF65-F5344CB8AC3E}">
+        <p14:creationId xmlns:p14="http://schemas.microsoft.com/office/powerpoint/2010/main" val="2616453291"/>
+      </p:ext>
+    </p:extLst>
+  </p:cSld>
+  <p:clrMapOvr>
+    <a:masterClrMapping/>
+  </p:clrMapOvr>
+</p:sld>
+</file>
+
+<file path=ppt/slides/slide26.xml><?xml version="1.0" encoding="utf-8"?>
+<p:sld xmlns:a="http://schemas.openxmlformats.org/drawingml/2006/main" xmlns:r="http://schemas.openxmlformats.org/officeDocument/2006/relationships" xmlns:p="http://schemas.openxmlformats.org/presentationml/2006/main">
+  <p:cSld>
+    <p:spTree>
+      <p:nvGrpSpPr>
+        <p:cNvPr id="1" name=""/>
+        <p:cNvGrpSpPr/>
+        <p:nvPr/>
+      </p:nvGrpSpPr>
+      <p:grpSpPr>
+        <a:xfrm>
+          <a:off x="0" y="0"/>
+          <a:ext cx="0" cy="0"/>
+          <a:chOff x="0" y="0"/>
+          <a:chExt cx="0" cy="0"/>
+        </a:xfrm>
+      </p:grpSpPr>
+      <p:sp>
+        <p:nvSpPr>
+          <p:cNvPr id="2" name="Title 1"/>
+          <p:cNvSpPr>
+            <a:spLocks noGrp="1"/>
+          </p:cNvSpPr>
+          <p:nvPr>
+            <p:ph type="title"/>
+          </p:nvPr>
+        </p:nvSpPr>
+        <p:spPr/>
+        <p:txBody>
+          <a:bodyPr/>
+          <a:lstStyle/>
+          <a:p>
+            <a:r>
+              <a:rPr lang="en-US" dirty="0" smtClean="0"/>
+              <a:t>Lets commit </a:t>
+            </a:r>
+            <a:endParaRPr lang="en-US" dirty="0"/>
+          </a:p>
+        </p:txBody>
+      </p:sp>
+      <p:sp>
+        <p:nvSpPr>
+          <p:cNvPr id="3" name="Content Placeholder 2"/>
+          <p:cNvSpPr>
+            <a:spLocks noGrp="1"/>
+          </p:cNvSpPr>
+          <p:nvPr>
+            <p:ph idx="1"/>
+          </p:nvPr>
+        </p:nvSpPr>
+        <p:spPr>
+          <a:xfrm>
+            <a:off x="469900" y="1930547"/>
+            <a:ext cx="8229600" cy="4038600"/>
+          </a:xfrm>
+        </p:spPr>
+        <p:style>
+          <a:lnRef idx="2">
+            <a:schemeClr val="dk1">
+              <a:shade val="50000"/>
+            </a:schemeClr>
+          </a:lnRef>
+          <a:fillRef idx="1">
+            <a:schemeClr val="dk1"/>
+          </a:fillRef>
+          <a:effectRef idx="0">
+            <a:schemeClr val="dk1"/>
+          </a:effectRef>
+          <a:fontRef idx="minor">
+            <a:schemeClr val="lt1"/>
+          </a:fontRef>
+        </p:style>
+        <p:txBody>
+          <a:bodyPr>
+            <a:normAutofit fontScale="92500" lnSpcReduction="10000"/>
+          </a:bodyPr>
+          <a:lstStyle/>
+          <a:p>
+            <a:pPr marL="0" indent="0">
+              <a:buNone/>
+            </a:pPr>
+            <a:r>
+              <a:rPr lang="en-US" sz="1800" dirty="0">
+                <a:latin typeface="Courier New" panose="02070309020205020404" pitchFamily="49" charset="0"/>
+                <a:cs typeface="Courier New" panose="02070309020205020404" pitchFamily="49" charset="0"/>
+              </a:rPr>
+              <a:t>$ </a:t>
+            </a:r>
+            <a:r>
+              <a:rPr lang="en-US" sz="1800" b="1" dirty="0" err="1">
+                <a:solidFill>
+                  <a:srgbClr val="FFFF00"/>
+                </a:solidFill>
+                <a:latin typeface="Courier New" panose="02070309020205020404" pitchFamily="49" charset="0"/>
+                <a:cs typeface="Courier New" panose="02070309020205020404" pitchFamily="49" charset="0"/>
+              </a:rPr>
+              <a:t>git</a:t>
+            </a:r>
+            <a:r>
+              <a:rPr lang="en-US" sz="1800" b="1" dirty="0">
+                <a:solidFill>
+                  <a:srgbClr val="FFFF00"/>
+                </a:solidFill>
+                <a:latin typeface="Courier New" panose="02070309020205020404" pitchFamily="49" charset="0"/>
+                <a:cs typeface="Courier New" panose="02070309020205020404" pitchFamily="49" charset="0"/>
+              </a:rPr>
+              <a:t> commit -m </a:t>
+            </a:r>
+            <a:r>
+              <a:rPr lang="en-US" sz="1800" b="1" dirty="0" smtClean="0">
+                <a:solidFill>
+                  <a:srgbClr val="FFFF00"/>
+                </a:solidFill>
+                <a:latin typeface="Courier New" panose="02070309020205020404" pitchFamily="49" charset="0"/>
+                <a:cs typeface="Courier New" panose="02070309020205020404" pitchFamily="49" charset="0"/>
+              </a:rPr>
+              <a:t>'Adding </a:t>
+            </a:r>
+            <a:r>
+              <a:rPr lang="en-US" sz="1800" b="1" dirty="0">
+                <a:solidFill>
+                  <a:srgbClr val="FFFF00"/>
+                </a:solidFill>
+                <a:latin typeface="Courier New" panose="02070309020205020404" pitchFamily="49" charset="0"/>
+                <a:cs typeface="Courier New" panose="02070309020205020404" pitchFamily="49" charset="0"/>
+              </a:rPr>
+              <a:t>my new greetings </a:t>
+            </a:r>
+            <a:r>
+              <a:rPr lang="en-US" sz="1800" b="1" dirty="0" smtClean="0">
+                <a:solidFill>
+                  <a:srgbClr val="FFFF00"/>
+                </a:solidFill>
+                <a:latin typeface="Courier New" panose="02070309020205020404" pitchFamily="49" charset="0"/>
+                <a:cs typeface="Courier New" panose="02070309020205020404" pitchFamily="49" charset="0"/>
+              </a:rPr>
+              <a:t>files'</a:t>
+            </a:r>
+            <a:endParaRPr lang="en-US" sz="1800" b="1" dirty="0">
+              <a:solidFill>
+                <a:srgbClr val="FFFF00"/>
+              </a:solidFill>
+              <a:latin typeface="Courier New" panose="02070309020205020404" pitchFamily="49" charset="0"/>
+              <a:cs typeface="Courier New" panose="02070309020205020404" pitchFamily="49" charset="0"/>
+            </a:endParaRPr>
+          </a:p>
+          <a:p>
+            <a:pPr marL="0" indent="0">
+              <a:buNone/>
+            </a:pPr>
+            <a:r>
+              <a:rPr lang="en-US" sz="1800" dirty="0">
+                <a:latin typeface="Courier New" panose="02070309020205020404" pitchFamily="49" charset="0"/>
+                <a:cs typeface="Courier New" panose="02070309020205020404" pitchFamily="49" charset="0"/>
+              </a:rPr>
+              <a:t>[master fe70026] Adding my new greetings files</a:t>
+            </a:r>
+          </a:p>
+          <a:p>
+            <a:pPr marL="0" indent="0">
+              <a:buNone/>
+            </a:pPr>
+            <a:r>
+              <a:rPr lang="en-US" sz="1800" dirty="0">
+                <a:latin typeface="Courier New" panose="02070309020205020404" pitchFamily="49" charset="0"/>
+                <a:cs typeface="Courier New" panose="02070309020205020404" pitchFamily="49" charset="0"/>
+              </a:rPr>
+              <a:t> 3 files changed, 3 insertions(+)</a:t>
+            </a:r>
+          </a:p>
+          <a:p>
+            <a:pPr marL="0" indent="0">
+              <a:buNone/>
+            </a:pPr>
+            <a:r>
+              <a:rPr lang="en-US" sz="1800" dirty="0">
+                <a:latin typeface="Courier New" panose="02070309020205020404" pitchFamily="49" charset="0"/>
+                <a:cs typeface="Courier New" panose="02070309020205020404" pitchFamily="49" charset="0"/>
+              </a:rPr>
+              <a:t> create mode 100644 </a:t>
+            </a:r>
+            <a:r>
+              <a:rPr lang="en-US" sz="1800" dirty="0" err="1">
+                <a:latin typeface="Courier New" panose="02070309020205020404" pitchFamily="49" charset="0"/>
+                <a:cs typeface="Courier New" panose="02070309020205020404" pitchFamily="49" charset="0"/>
+              </a:rPr>
+              <a:t>hi.txt</a:t>
+            </a:r>
+            <a:endParaRPr lang="en-US" sz="1800" dirty="0">
+              <a:latin typeface="Courier New" panose="02070309020205020404" pitchFamily="49" charset="0"/>
+              <a:cs typeface="Courier New" panose="02070309020205020404" pitchFamily="49" charset="0"/>
+            </a:endParaRPr>
+          </a:p>
+          <a:p>
+            <a:pPr marL="0" indent="0">
+              <a:buNone/>
+            </a:pPr>
+            <a:r>
+              <a:rPr lang="en-US" sz="1800" dirty="0">
+                <a:latin typeface="Courier New" panose="02070309020205020404" pitchFamily="49" charset="0"/>
+                <a:cs typeface="Courier New" panose="02070309020205020404" pitchFamily="49" charset="0"/>
+              </a:rPr>
+              <a:t> create mode 100644 </a:t>
+            </a:r>
+            <a:r>
+              <a:rPr lang="en-US" sz="1800" dirty="0" err="1">
+                <a:latin typeface="Courier New" panose="02070309020205020404" pitchFamily="49" charset="0"/>
+                <a:cs typeface="Courier New" panose="02070309020205020404" pitchFamily="49" charset="0"/>
+              </a:rPr>
+              <a:t>mydir</a:t>
+            </a:r>
+            <a:r>
+              <a:rPr lang="en-US" sz="1800" dirty="0">
+                <a:latin typeface="Courier New" panose="02070309020205020404" pitchFamily="49" charset="0"/>
+                <a:cs typeface="Courier New" panose="02070309020205020404" pitchFamily="49" charset="0"/>
+              </a:rPr>
+              <a:t>/t1.txt</a:t>
+            </a:r>
+          </a:p>
+          <a:p>
+            <a:pPr marL="0" indent="0">
+              <a:buNone/>
+            </a:pPr>
+            <a:r>
+              <a:rPr lang="en-US" sz="1800" dirty="0">
+                <a:latin typeface="Courier New" panose="02070309020205020404" pitchFamily="49" charset="0"/>
+                <a:cs typeface="Courier New" panose="02070309020205020404" pitchFamily="49" charset="0"/>
+              </a:rPr>
+              <a:t> create mode 100644 </a:t>
+            </a:r>
+            <a:r>
+              <a:rPr lang="en-US" sz="1800" dirty="0" err="1">
+                <a:latin typeface="Courier New" panose="02070309020205020404" pitchFamily="49" charset="0"/>
+                <a:cs typeface="Courier New" panose="02070309020205020404" pitchFamily="49" charset="0"/>
+              </a:rPr>
+              <a:t>mydir</a:t>
+            </a:r>
+            <a:r>
+              <a:rPr lang="en-US" sz="1800" dirty="0">
+                <a:latin typeface="Courier New" panose="02070309020205020404" pitchFamily="49" charset="0"/>
+                <a:cs typeface="Courier New" panose="02070309020205020404" pitchFamily="49" charset="0"/>
+              </a:rPr>
+              <a:t>/t2.txt</a:t>
+            </a:r>
+          </a:p>
+          <a:p>
+            <a:pPr marL="0" indent="0">
+              <a:buNone/>
+            </a:pPr>
+            <a:endParaRPr lang="en-US" sz="1800" dirty="0" smtClean="0">
+              <a:latin typeface="Courier New" panose="02070309020205020404" pitchFamily="49" charset="0"/>
+              <a:cs typeface="Courier New" panose="02070309020205020404" pitchFamily="49" charset="0"/>
+            </a:endParaRPr>
+          </a:p>
+          <a:p>
+            <a:pPr marL="0" indent="0">
+              <a:buNone/>
+            </a:pPr>
+            <a:r>
+              <a:rPr lang="en-US" sz="1800" dirty="0" smtClean="0">
+                <a:latin typeface="Courier New" panose="02070309020205020404" pitchFamily="49" charset="0"/>
+                <a:cs typeface="Courier New" panose="02070309020205020404" pitchFamily="49" charset="0"/>
+              </a:rPr>
+              <a:t>$ </a:t>
+            </a:r>
+            <a:r>
+              <a:rPr lang="en-US" sz="1800" b="1" dirty="0" err="1">
+                <a:solidFill>
+                  <a:srgbClr val="FFFF00"/>
+                </a:solidFill>
+                <a:latin typeface="Courier New" panose="02070309020205020404" pitchFamily="49" charset="0"/>
+                <a:cs typeface="Courier New" panose="02070309020205020404" pitchFamily="49" charset="0"/>
+              </a:rPr>
+              <a:t>git</a:t>
+            </a:r>
+            <a:r>
+              <a:rPr lang="en-US" sz="1800" b="1" dirty="0">
+                <a:solidFill>
+                  <a:srgbClr val="FFFF00"/>
+                </a:solidFill>
+                <a:latin typeface="Courier New" panose="02070309020205020404" pitchFamily="49" charset="0"/>
+                <a:cs typeface="Courier New" panose="02070309020205020404" pitchFamily="49" charset="0"/>
+              </a:rPr>
+              <a:t> status</a:t>
+            </a:r>
+          </a:p>
+          <a:p>
+            <a:pPr marL="0" indent="0">
+              <a:buNone/>
+            </a:pPr>
+            <a:r>
+              <a:rPr lang="en-US" sz="1800" dirty="0">
+                <a:latin typeface="Courier New" panose="02070309020205020404" pitchFamily="49" charset="0"/>
+                <a:cs typeface="Courier New" panose="02070309020205020404" pitchFamily="49" charset="0"/>
+              </a:rPr>
+              <a:t>On branch master</a:t>
+            </a:r>
+          </a:p>
+          <a:p>
+            <a:pPr marL="0" indent="0">
+              <a:buNone/>
+            </a:pPr>
+            <a:r>
+              <a:rPr lang="en-US" sz="1800" dirty="0">
+                <a:latin typeface="Courier New" panose="02070309020205020404" pitchFamily="49" charset="0"/>
+                <a:cs typeface="Courier New" panose="02070309020205020404" pitchFamily="49" charset="0"/>
+              </a:rPr>
+              <a:t>Your branch is ahead of </a:t>
+            </a:r>
+            <a:r>
+              <a:rPr lang="en-US" sz="1800" dirty="0" smtClean="0">
+                <a:latin typeface="Courier New" panose="02070309020205020404" pitchFamily="49" charset="0"/>
+                <a:cs typeface="Courier New" panose="02070309020205020404" pitchFamily="49" charset="0"/>
+              </a:rPr>
+              <a:t>'origin/master' </a:t>
+            </a:r>
+            <a:r>
+              <a:rPr lang="en-US" sz="1800" dirty="0">
+                <a:latin typeface="Courier New" panose="02070309020205020404" pitchFamily="49" charset="0"/>
+                <a:cs typeface="Courier New" panose="02070309020205020404" pitchFamily="49" charset="0"/>
+              </a:rPr>
+              <a:t>by 1 commit.</a:t>
+            </a:r>
+          </a:p>
+          <a:p>
+            <a:pPr marL="0" indent="0">
+              <a:buNone/>
+            </a:pPr>
+            <a:r>
+              <a:rPr lang="en-US" sz="1800" dirty="0">
+                <a:latin typeface="Courier New" panose="02070309020205020404" pitchFamily="49" charset="0"/>
+                <a:cs typeface="Courier New" panose="02070309020205020404" pitchFamily="49" charset="0"/>
+              </a:rPr>
+              <a:t>  (use </a:t>
+            </a:r>
+            <a:r>
+              <a:rPr lang="en-US" sz="1800" dirty="0" smtClean="0">
+                <a:latin typeface="Courier New" panose="02070309020205020404" pitchFamily="49" charset="0"/>
+                <a:cs typeface="Courier New" panose="02070309020205020404" pitchFamily="49" charset="0"/>
+              </a:rPr>
+              <a:t>"</a:t>
+            </a:r>
+            <a:r>
+              <a:rPr lang="en-US" sz="1800" dirty="0" err="1" smtClean="0">
+                <a:latin typeface="Courier New" panose="02070309020205020404" pitchFamily="49" charset="0"/>
+                <a:cs typeface="Courier New" panose="02070309020205020404" pitchFamily="49" charset="0"/>
+              </a:rPr>
+              <a:t>git</a:t>
+            </a:r>
+            <a:r>
+              <a:rPr lang="en-US" sz="1800" dirty="0" smtClean="0">
+                <a:latin typeface="Courier New" panose="02070309020205020404" pitchFamily="49" charset="0"/>
+                <a:cs typeface="Courier New" panose="02070309020205020404" pitchFamily="49" charset="0"/>
+              </a:rPr>
+              <a:t> push" </a:t>
+            </a:r>
+            <a:r>
+              <a:rPr lang="en-US" sz="1800" dirty="0">
+                <a:latin typeface="Courier New" panose="02070309020205020404" pitchFamily="49" charset="0"/>
+                <a:cs typeface="Courier New" panose="02070309020205020404" pitchFamily="49" charset="0"/>
+              </a:rPr>
+              <a:t>to publish your local commits)</a:t>
+            </a:r>
+          </a:p>
+          <a:p>
+            <a:pPr marL="0" indent="0">
+              <a:buNone/>
+            </a:pPr>
+            <a:r>
+              <a:rPr lang="en-US" sz="1800" dirty="0">
+                <a:latin typeface="Courier New" panose="02070309020205020404" pitchFamily="49" charset="0"/>
+                <a:cs typeface="Courier New" panose="02070309020205020404" pitchFamily="49" charset="0"/>
+              </a:rPr>
+              <a:t>nothing to commit, working tree clean</a:t>
+            </a:r>
+          </a:p>
+        </p:txBody>
+      </p:sp>
+      <p:sp>
+        <p:nvSpPr>
+          <p:cNvPr id="4" name="TextBox 3"/>
+          <p:cNvSpPr txBox="1"/>
+          <p:nvPr/>
+        </p:nvSpPr>
+        <p:spPr>
+          <a:xfrm>
+            <a:off x="457200" y="1239749"/>
+            <a:ext cx="8293100" cy="707886"/>
+          </a:xfrm>
+          <a:prstGeom prst="rect">
+            <a:avLst/>
+          </a:prstGeom>
+          <a:noFill/>
+        </p:spPr>
+        <p:txBody>
+          <a:bodyPr wrap="square" rtlCol="0">
+            <a:spAutoFit/>
+          </a:bodyPr>
+          <a:lstStyle/>
+          <a:p>
+            <a:r>
+              <a:rPr lang="en-US" sz="2000" dirty="0" smtClean="0">
+                <a:latin typeface="+mn-lt"/>
+              </a:rPr>
+              <a:t>Now the files are in the local repository. The working tree is the same as repository. </a:t>
+            </a:r>
+            <a:endParaRPr lang="en-US" sz="2000" dirty="0">
+              <a:latin typeface="+mn-lt"/>
+            </a:endParaRPr>
+          </a:p>
+        </p:txBody>
+      </p:sp>
+    </p:spTree>
+    <p:extLst>
+      <p:ext uri="{BB962C8B-B14F-4D97-AF65-F5344CB8AC3E}">
+        <p14:creationId xmlns:p14="http://schemas.microsoft.com/office/powerpoint/2010/main" val="2525722507"/>
+      </p:ext>
+    </p:extLst>
+  </p:cSld>
+  <p:clrMapOvr>
+    <a:masterClrMapping/>
+  </p:clrMapOvr>
+</p:sld>
+</file>
+
+<file path=ppt/slides/slide27.xml><?xml version="1.0" encoding="utf-8"?>
+<p:sld xmlns:a="http://schemas.openxmlformats.org/drawingml/2006/main" xmlns:r="http://schemas.openxmlformats.org/officeDocument/2006/relationships" xmlns:p="http://schemas.openxmlformats.org/presentationml/2006/main">
+  <p:cSld>
+    <p:spTree>
+      <p:nvGrpSpPr>
+        <p:cNvPr id="1" name=""/>
+        <p:cNvGrpSpPr/>
+        <p:nvPr/>
+      </p:nvGrpSpPr>
+      <p:grpSpPr>
+        <a:xfrm>
+          <a:off x="0" y="0"/>
+          <a:ext cx="0" cy="0"/>
+          <a:chOff x="0" y="0"/>
+          <a:chExt cx="0" cy="0"/>
+        </a:xfrm>
+      </p:grpSpPr>
+      <p:sp>
+        <p:nvSpPr>
+          <p:cNvPr id="2" name="Title 1"/>
+          <p:cNvSpPr>
+            <a:spLocks noGrp="1"/>
+          </p:cNvSpPr>
+          <p:nvPr>
+            <p:ph type="title"/>
+          </p:nvPr>
+        </p:nvSpPr>
+        <p:spPr/>
+        <p:txBody>
+          <a:bodyPr/>
+          <a:lstStyle/>
+          <a:p>
+            <a:r>
+              <a:rPr lang="en-US" dirty="0" smtClean="0"/>
+              <a:t>Push the new version back to </a:t>
+            </a:r>
+            <a:r>
+              <a:rPr lang="en-GB" dirty="0">
+                <a:latin typeface="Calibri" charset="0"/>
+              </a:rPr>
+              <a:t>GitHub</a:t>
+            </a:r>
+            <a:endParaRPr lang="en-US" dirty="0"/>
+          </a:p>
+        </p:txBody>
+      </p:sp>
+      <p:sp>
+        <p:nvSpPr>
+          <p:cNvPr id="3" name="Content Placeholder 2"/>
+          <p:cNvSpPr>
+            <a:spLocks noGrp="1"/>
+          </p:cNvSpPr>
+          <p:nvPr>
+            <p:ph idx="1"/>
+          </p:nvPr>
+        </p:nvSpPr>
+        <p:spPr>
+          <a:xfrm>
+            <a:off x="355599" y="1594353"/>
+            <a:ext cx="8624013" cy="2653160"/>
+          </a:xfrm>
+        </p:spPr>
+        <p:style>
+          <a:lnRef idx="2">
+            <a:schemeClr val="dk1">
+              <a:shade val="50000"/>
+            </a:schemeClr>
+          </a:lnRef>
+          <a:fillRef idx="1">
+            <a:schemeClr val="dk1"/>
+          </a:fillRef>
+          <a:effectRef idx="0">
+            <a:schemeClr val="dk1"/>
+          </a:effectRef>
+          <a:fontRef idx="minor">
+            <a:schemeClr val="lt1"/>
+          </a:fontRef>
+        </p:style>
+        <p:txBody>
+          <a:bodyPr>
+            <a:normAutofit fontScale="92500" lnSpcReduction="10000"/>
+          </a:bodyPr>
+          <a:lstStyle/>
+          <a:p>
+            <a:pPr marL="0" indent="0">
+              <a:buNone/>
+            </a:pPr>
+            <a:r>
+              <a:rPr lang="en-US" sz="1800" dirty="0" smtClean="0">
+                <a:latin typeface="Courier New" panose="02070309020205020404" pitchFamily="49" charset="0"/>
+                <a:cs typeface="Courier New" panose="02070309020205020404" pitchFamily="49" charset="0"/>
+              </a:rPr>
+              <a:t>$ </a:t>
+            </a:r>
+            <a:r>
+              <a:rPr lang="en-US" sz="1800" b="1" dirty="0" err="1">
+                <a:solidFill>
+                  <a:srgbClr val="FFFF00"/>
+                </a:solidFill>
+                <a:latin typeface="Courier New" panose="02070309020205020404" pitchFamily="49" charset="0"/>
+                <a:cs typeface="Courier New" panose="02070309020205020404" pitchFamily="49" charset="0"/>
+              </a:rPr>
+              <a:t>git</a:t>
+            </a:r>
+            <a:r>
+              <a:rPr lang="en-US" sz="1800" b="1" dirty="0">
+                <a:solidFill>
+                  <a:srgbClr val="FFFF00"/>
+                </a:solidFill>
+                <a:latin typeface="Courier New" panose="02070309020205020404" pitchFamily="49" charset="0"/>
+                <a:cs typeface="Courier New" panose="02070309020205020404" pitchFamily="49" charset="0"/>
+              </a:rPr>
+              <a:t> push</a:t>
+            </a:r>
+          </a:p>
+          <a:p>
+            <a:pPr marL="0" indent="0">
+              <a:buNone/>
+            </a:pPr>
+            <a:r>
+              <a:rPr lang="en-US" sz="1800" dirty="0">
+                <a:latin typeface="Courier New" panose="02070309020205020404" pitchFamily="49" charset="0"/>
+                <a:cs typeface="Courier New" panose="02070309020205020404" pitchFamily="49" charset="0"/>
+              </a:rPr>
+              <a:t>Counting objects: 5, done.</a:t>
+            </a:r>
+          </a:p>
+          <a:p>
+            <a:pPr marL="0" indent="0">
+              <a:buNone/>
+            </a:pPr>
+            <a:r>
+              <a:rPr lang="en-US" sz="1800" dirty="0">
+                <a:latin typeface="Courier New" panose="02070309020205020404" pitchFamily="49" charset="0"/>
+                <a:cs typeface="Courier New" panose="02070309020205020404" pitchFamily="49" charset="0"/>
+              </a:rPr>
+              <a:t>Delta compression using up to 4 threads.</a:t>
+            </a:r>
+          </a:p>
+          <a:p>
+            <a:pPr marL="0" indent="0">
+              <a:buNone/>
+            </a:pPr>
+            <a:r>
+              <a:rPr lang="en-US" sz="1800" dirty="0">
+                <a:latin typeface="Courier New" panose="02070309020205020404" pitchFamily="49" charset="0"/>
+                <a:cs typeface="Courier New" panose="02070309020205020404" pitchFamily="49" charset="0"/>
+              </a:rPr>
+              <a:t>Compressing objects: 100% (3/3), done.</a:t>
+            </a:r>
+          </a:p>
+          <a:p>
+            <a:pPr marL="0" indent="0">
+              <a:buNone/>
+            </a:pPr>
+            <a:r>
+              <a:rPr lang="en-US" sz="1800" dirty="0">
+                <a:latin typeface="Courier New" panose="02070309020205020404" pitchFamily="49" charset="0"/>
+                <a:cs typeface="Courier New" panose="02070309020205020404" pitchFamily="49" charset="0"/>
+              </a:rPr>
+              <a:t>Writing objects: 100% (5/5), 465 bytes | 0 bytes/s, done.</a:t>
+            </a:r>
+          </a:p>
+          <a:p>
+            <a:pPr marL="0" indent="0">
+              <a:buNone/>
+            </a:pPr>
+            <a:r>
+              <a:rPr lang="en-US" sz="1800" dirty="0">
+                <a:latin typeface="Courier New" panose="02070309020205020404" pitchFamily="49" charset="0"/>
+                <a:cs typeface="Courier New" panose="02070309020205020404" pitchFamily="49" charset="0"/>
+              </a:rPr>
+              <a:t>Total 5 (delta 0), reused 0 (delta 0)</a:t>
+            </a:r>
+          </a:p>
+          <a:p>
+            <a:pPr marL="0" indent="0">
+              <a:buNone/>
+            </a:pPr>
+            <a:r>
+              <a:rPr lang="en-US" sz="1800" dirty="0">
+                <a:latin typeface="Courier New" panose="02070309020205020404" pitchFamily="49" charset="0"/>
+                <a:cs typeface="Courier New" panose="02070309020205020404" pitchFamily="49" charset="0"/>
+              </a:rPr>
+              <a:t>To </a:t>
+            </a:r>
+            <a:r>
+              <a:rPr lang="en-US" sz="1800" dirty="0" err="1">
+                <a:latin typeface="Courier New" panose="02070309020205020404" pitchFamily="49" charset="0"/>
+                <a:cs typeface="Courier New" panose="02070309020205020404" pitchFamily="49" charset="0"/>
+              </a:rPr>
+              <a:t>github.com:spepler</a:t>
+            </a:r>
+            <a:r>
+              <a:rPr lang="en-US" sz="1800" dirty="0">
+                <a:latin typeface="Courier New" panose="02070309020205020404" pitchFamily="49" charset="0"/>
+                <a:cs typeface="Courier New" panose="02070309020205020404" pitchFamily="49" charset="0"/>
+              </a:rPr>
+              <a:t>/</a:t>
+            </a:r>
+            <a:r>
+              <a:rPr lang="en-US" sz="1800" dirty="0" err="1">
+                <a:latin typeface="Courier New" panose="02070309020205020404" pitchFamily="49" charset="0"/>
+                <a:cs typeface="Courier New" panose="02070309020205020404" pitchFamily="49" charset="0"/>
+              </a:rPr>
+              <a:t>ncas-isc.git</a:t>
+            </a:r>
+            <a:endParaRPr lang="en-US" sz="1800" dirty="0">
+              <a:latin typeface="Courier New" panose="02070309020205020404" pitchFamily="49" charset="0"/>
+              <a:cs typeface="Courier New" panose="02070309020205020404" pitchFamily="49" charset="0"/>
+            </a:endParaRPr>
+          </a:p>
+          <a:p>
+            <a:pPr marL="0" indent="0">
+              <a:buNone/>
+            </a:pPr>
+            <a:r>
+              <a:rPr lang="mr-IN" sz="1800" dirty="0">
+                <a:latin typeface="Courier New" panose="02070309020205020404" pitchFamily="49" charset="0"/>
+                <a:cs typeface="Courier"/>
+              </a:rPr>
+              <a:t>   fdd3c9e..fe70026  master -&gt; </a:t>
+            </a:r>
+            <a:r>
+              <a:rPr lang="mr-IN" sz="1800" dirty="0" smtClean="0">
+                <a:latin typeface="Courier New" panose="02070309020205020404" pitchFamily="49" charset="0"/>
+                <a:cs typeface="Courier"/>
+              </a:rPr>
+              <a:t>master</a:t>
+            </a:r>
+            <a:endParaRPr lang="mr-IN" sz="1800" dirty="0">
+              <a:latin typeface="Courier New" panose="02070309020205020404" pitchFamily="49" charset="0"/>
+              <a:cs typeface="Courier"/>
+            </a:endParaRPr>
+          </a:p>
+        </p:txBody>
+      </p:sp>
+      <p:sp>
+        <p:nvSpPr>
+          <p:cNvPr id="4" name="TextBox 3"/>
+          <p:cNvSpPr txBox="1"/>
+          <p:nvPr/>
+        </p:nvSpPr>
+        <p:spPr>
+          <a:xfrm>
+            <a:off x="292100" y="1225065"/>
+            <a:ext cx="8293100" cy="400110"/>
+          </a:xfrm>
+          <a:prstGeom prst="rect">
+            <a:avLst/>
+          </a:prstGeom>
+          <a:noFill/>
+        </p:spPr>
+        <p:txBody>
+          <a:bodyPr wrap="square" rtlCol="0">
+            <a:spAutoFit/>
+          </a:bodyPr>
+          <a:lstStyle/>
+          <a:p>
+            <a:r>
+              <a:rPr lang="en-US" sz="2000" dirty="0" smtClean="0">
+                <a:latin typeface="+mn-lt"/>
+              </a:rPr>
+              <a:t>Make the repo on </a:t>
+            </a:r>
+            <a:r>
+              <a:rPr lang="en-GB" sz="2000" dirty="0">
+                <a:latin typeface="Calibri" charset="0"/>
+              </a:rPr>
+              <a:t>GitHub</a:t>
+            </a:r>
+            <a:r>
+              <a:rPr lang="en-US" sz="2000" dirty="0" smtClean="0">
+                <a:latin typeface="+mn-lt"/>
+              </a:rPr>
+              <a:t> </a:t>
+            </a:r>
+            <a:r>
+              <a:rPr lang="en-US" sz="2000" dirty="0" smtClean="0">
+                <a:latin typeface="+mn-lt"/>
+              </a:rPr>
+              <a:t>match the local repo.  </a:t>
+            </a:r>
+            <a:endParaRPr lang="en-US" sz="2000" dirty="0">
+              <a:latin typeface="+mn-lt"/>
+            </a:endParaRPr>
+          </a:p>
+        </p:txBody>
+      </p:sp>
+      <p:pic>
+        <p:nvPicPr>
+          <p:cNvPr id="5" name="Picture 4" descr="Screen Shot 2017-02-24 at 12.07.08.png"/>
+          <p:cNvPicPr>
+            <a:picLocks noChangeAspect="1"/>
+          </p:cNvPicPr>
+          <p:nvPr/>
+        </p:nvPicPr>
+        <p:blipFill>
+          <a:blip r:embed="rId2" cstate="email">
+            <a:extLst>
+              <a:ext uri="{28A0092B-C50C-407E-A947-70E740481C1C}">
+                <a14:useLocalDpi xmlns:a14="http://schemas.microsoft.com/office/drawing/2010/main" val="0"/>
+              </a:ext>
+            </a:extLst>
+          </a:blip>
+          <a:stretch>
+            <a:fillRect/>
+          </a:stretch>
+        </p:blipFill>
+        <p:spPr>
+          <a:xfrm>
+            <a:off x="876476" y="4318787"/>
+            <a:ext cx="7417942" cy="1796142"/>
+          </a:xfrm>
+          <a:prstGeom prst="rect">
+            <a:avLst/>
+          </a:prstGeom>
+        </p:spPr>
+      </p:pic>
+    </p:spTree>
+    <p:extLst>
+      <p:ext uri="{BB962C8B-B14F-4D97-AF65-F5344CB8AC3E}">
+        <p14:creationId xmlns:p14="http://schemas.microsoft.com/office/powerpoint/2010/main" val="97994793"/>
+      </p:ext>
+    </p:extLst>
+  </p:cSld>
+  <p:clrMapOvr>
+    <a:masterClrMapping/>
+  </p:clrMapOvr>
+</p:sld>
+</file>
+
+<file path=ppt/slides/slide28.xml><?xml version="1.0" encoding="utf-8"?>
+<p:sld xmlns:a="http://schemas.openxmlformats.org/drawingml/2006/main" xmlns:r="http://schemas.openxmlformats.org/officeDocument/2006/relationships" xmlns:p="http://schemas.openxmlformats.org/presentationml/2006/main">
+  <p:cSld>
+    <p:spTree>
+      <p:nvGrpSpPr>
+        <p:cNvPr id="1" name=""/>
+        <p:cNvGrpSpPr/>
+        <p:nvPr/>
+      </p:nvGrpSpPr>
+      <p:grpSpPr>
+        <a:xfrm>
+          <a:off x="0" y="0"/>
+          <a:ext cx="0" cy="0"/>
+          <a:chOff x="0" y="0"/>
+          <a:chExt cx="0" cy="0"/>
+        </a:xfrm>
+      </p:grpSpPr>
+      <p:sp>
+        <p:nvSpPr>
+          <p:cNvPr id="2" name="Title 1"/>
+          <p:cNvSpPr>
+            <a:spLocks noGrp="1"/>
+          </p:cNvSpPr>
+          <p:nvPr>
+            <p:ph type="title"/>
+          </p:nvPr>
+        </p:nvSpPr>
+        <p:spPr/>
+        <p:txBody>
+          <a:bodyPr/>
+          <a:lstStyle/>
+          <a:p>
+            <a:r>
+              <a:rPr lang="en-US" dirty="0" smtClean="0"/>
+              <a:t>Enough?</a:t>
+            </a:r>
+            <a:endParaRPr lang="en-US" dirty="0"/>
+          </a:p>
+        </p:txBody>
+      </p:sp>
+      <p:sp>
+        <p:nvSpPr>
+          <p:cNvPr id="3" name="Content Placeholder 2"/>
+          <p:cNvSpPr>
+            <a:spLocks noGrp="1"/>
+          </p:cNvSpPr>
+          <p:nvPr>
+            <p:ph idx="1"/>
+          </p:nvPr>
+        </p:nvSpPr>
+        <p:spPr/>
+        <p:txBody>
+          <a:bodyPr/>
+          <a:lstStyle/>
+          <a:p>
+            <a:r>
+              <a:rPr lang="en-US" dirty="0" smtClean="0"/>
+              <a:t>If you are working on your own then that is all you need to know.</a:t>
+            </a:r>
+          </a:p>
+          <a:p>
+            <a:r>
+              <a:rPr lang="en-US" dirty="0" smtClean="0"/>
+              <a:t>You can keep track of changes in your code, you know its safe and you can share it with people.</a:t>
+            </a:r>
+          </a:p>
+          <a:p>
+            <a:endParaRPr lang="en-US" dirty="0" smtClean="0"/>
+          </a:p>
+          <a:p>
+            <a:endParaRPr lang="en-US" dirty="0"/>
+          </a:p>
+        </p:txBody>
+      </p:sp>
+    </p:spTree>
+    <p:extLst>
+      <p:ext uri="{BB962C8B-B14F-4D97-AF65-F5344CB8AC3E}">
+        <p14:creationId xmlns:p14="http://schemas.microsoft.com/office/powerpoint/2010/main" val="3313336411"/>
+      </p:ext>
+    </p:extLst>
+  </p:cSld>
+  <p:clrMapOvr>
+    <a:masterClrMapping/>
+  </p:clrMapOvr>
+</p:sld>
+</file>
+
+<file path=ppt/slides/slide29.xml><?xml version="1.0" encoding="utf-8"?>
 <p:sld xmlns:a="http://schemas.openxmlformats.org/drawingml/2006/main" xmlns:r="http://schemas.openxmlformats.org/officeDocument/2006/relationships" xmlns:p="http://schemas.openxmlformats.org/presentationml/2006/main">
   <p:cSld>
     <p:spTree>
@@ -16990,7 +16720,292 @@
 </p:sld>
 </file>
 
-<file path=ppt/slides/slide31.xml><?xml version="1.0" encoding="utf-8"?>
+<file path=ppt/slides/slide3.xml><?xml version="1.0" encoding="utf-8"?>
+<p:sld xmlns:a="http://schemas.openxmlformats.org/drawingml/2006/main" xmlns:r="http://schemas.openxmlformats.org/officeDocument/2006/relationships" xmlns:p="http://schemas.openxmlformats.org/presentationml/2006/main">
+  <p:cSld>
+    <p:spTree>
+      <p:nvGrpSpPr>
+        <p:cNvPr id="1" name=""/>
+        <p:cNvGrpSpPr/>
+        <p:nvPr/>
+      </p:nvGrpSpPr>
+      <p:grpSpPr>
+        <a:xfrm>
+          <a:off x="0" y="0"/>
+          <a:ext cx="0" cy="0"/>
+          <a:chOff x="0" y="0"/>
+          <a:chExt cx="0" cy="0"/>
+        </a:xfrm>
+      </p:grpSpPr>
+      <p:sp>
+        <p:nvSpPr>
+          <p:cNvPr id="5122" name="Title 1"/>
+          <p:cNvSpPr>
+            <a:spLocks noGrp="1"/>
+          </p:cNvSpPr>
+          <p:nvPr>
+            <p:ph type="title"/>
+          </p:nvPr>
+        </p:nvSpPr>
+        <p:spPr>
+          <a:xfrm>
+            <a:off x="457200" y="125413"/>
+            <a:ext cx="8229600" cy="1143000"/>
+          </a:xfrm>
+        </p:spPr>
+        <p:txBody>
+          <a:bodyPr/>
+          <a:lstStyle/>
+          <a:p>
+            <a:r>
+              <a:rPr lang="en-GB" dirty="0">
+                <a:latin typeface="Calibri" charset="0"/>
+              </a:rPr>
+              <a:t>But those days are gone!</a:t>
+            </a:r>
+          </a:p>
+        </p:txBody>
+      </p:sp>
+      <p:sp>
+        <p:nvSpPr>
+          <p:cNvPr id="5123" name="Content Placeholder 2"/>
+          <p:cNvSpPr>
+            <a:spLocks noGrp="1"/>
+          </p:cNvSpPr>
+          <p:nvPr>
+            <p:ph idx="1"/>
+          </p:nvPr>
+        </p:nvSpPr>
+        <p:spPr>
+          <a:xfrm>
+            <a:off x="206375" y="1268413"/>
+            <a:ext cx="8686800" cy="5257800"/>
+          </a:xfrm>
+        </p:spPr>
+        <p:txBody>
+          <a:bodyPr/>
+          <a:lstStyle/>
+          <a:p>
+            <a:r>
+              <a:rPr lang="en-GB" dirty="0">
+                <a:latin typeface="Calibri" charset="0"/>
+              </a:rPr>
+              <a:t>Scientists are typically </a:t>
+            </a:r>
+            <a:r>
+              <a:rPr lang="en-GB" b="1" dirty="0">
+                <a:latin typeface="Calibri" charset="0"/>
+              </a:rPr>
+              <a:t>required to publish data and code</a:t>
+            </a:r>
+            <a:r>
+              <a:rPr lang="en-GB" dirty="0">
+                <a:latin typeface="Calibri" charset="0"/>
+              </a:rPr>
+              <a:t> (by their funders/institutions).</a:t>
+            </a:r>
+          </a:p>
+          <a:p>
+            <a:endParaRPr lang="en-GB" sz="1200" dirty="0">
+              <a:latin typeface="Calibri" charset="0"/>
+            </a:endParaRPr>
+          </a:p>
+          <a:p>
+            <a:r>
+              <a:rPr lang="en-GB" dirty="0">
+                <a:latin typeface="Calibri" charset="0"/>
+              </a:rPr>
+              <a:t>Collaboration between scientists requires data-sharing; this implicitly relies on </a:t>
+            </a:r>
+            <a:r>
+              <a:rPr lang="en-GB" b="1" dirty="0">
+                <a:latin typeface="Calibri" charset="0"/>
+              </a:rPr>
+              <a:t>code-sharing</a:t>
+            </a:r>
+            <a:r>
+              <a:rPr lang="en-GB" dirty="0">
+                <a:latin typeface="Calibri" charset="0"/>
+              </a:rPr>
+              <a:t>.</a:t>
+            </a:r>
+          </a:p>
+          <a:p>
+            <a:endParaRPr lang="en-GB" sz="1200" dirty="0">
+              <a:latin typeface="Calibri" charset="0"/>
+            </a:endParaRPr>
+          </a:p>
+          <a:p>
+            <a:r>
+              <a:rPr lang="en-GB" dirty="0">
+                <a:latin typeface="Calibri" charset="0"/>
+              </a:rPr>
+              <a:t>There are </a:t>
+            </a:r>
+            <a:r>
+              <a:rPr lang="en-GB" b="1" dirty="0">
+                <a:latin typeface="Calibri" charset="0"/>
+              </a:rPr>
+              <a:t>tools that make it easy </a:t>
+            </a:r>
+            <a:r>
+              <a:rPr lang="en-GB" dirty="0">
+                <a:latin typeface="Calibri" charset="0"/>
+              </a:rPr>
+              <a:t>to record our changes, document our workflow and </a:t>
+            </a:r>
+            <a:r>
+              <a:rPr lang="en-GB" dirty="0" smtClean="0">
+                <a:latin typeface="Calibri" charset="0"/>
+              </a:rPr>
+              <a:t>"fix" </a:t>
+            </a:r>
+            <a:r>
+              <a:rPr lang="en-GB" dirty="0">
+                <a:latin typeface="Calibri" charset="0"/>
+              </a:rPr>
+              <a:t>releases of our code at important steps along the way.</a:t>
+            </a:r>
+          </a:p>
+        </p:txBody>
+      </p:sp>
+    </p:spTree>
+  </p:cSld>
+  <p:clrMapOvr>
+    <a:masterClrMapping/>
+  </p:clrMapOvr>
+  <p:timing>
+    <p:tnLst>
+      <p:par>
+        <p:cTn id="1" dur="indefinite" restart="never" nodeType="tmRoot">
+          <p:childTnLst>
+            <p:seq concurrent="1" nextAc="seek">
+              <p:cTn id="2" dur="indefinite" nodeType="mainSeq">
+                <p:childTnLst>
+                  <p:par>
+                    <p:cTn id="3" fill="hold" nodeType="clickPar">
+                      <p:stCondLst>
+                        <p:cond delay="indefinite"/>
+                      </p:stCondLst>
+                      <p:childTnLst>
+                        <p:par>
+                          <p:cTn id="4" fill="hold" nodeType="withGroup">
+                            <p:stCondLst>
+                              <p:cond delay="0"/>
+                            </p:stCondLst>
+                            <p:childTnLst>
+                              <p:par>
+                                <p:cTn id="5" presetID="1" presetClass="entr" presetSubtype="0" fill="hold" nodeType="clickEffect">
+                                  <p:stCondLst>
+                                    <p:cond delay="0"/>
+                                  </p:stCondLst>
+                                  <p:childTnLst>
+                                    <p:set>
+                                      <p:cBhvr>
+                                        <p:cTn id="6" dur="1" fill="hold">
+                                          <p:stCondLst>
+                                            <p:cond delay="0"/>
+                                          </p:stCondLst>
+                                        </p:cTn>
+                                        <p:tgtEl>
+                                          <p:spTgt spid="5123">
+                                            <p:txEl>
+                                              <p:pRg st="2" end="2"/>
+                                            </p:txEl>
+                                          </p:spTgt>
+                                        </p:tgtEl>
+                                        <p:attrNameLst>
+                                          <p:attrName>style.visibility</p:attrName>
+                                        </p:attrNameLst>
+                                      </p:cBhvr>
+                                      <p:to>
+                                        <p:strVal val="visible"/>
+                                      </p:to>
+                                    </p:set>
+                                  </p:childTnLst>
+                                </p:cTn>
+                              </p:par>
+                            </p:childTnLst>
+                          </p:cTn>
+                        </p:par>
+                      </p:childTnLst>
+                    </p:cTn>
+                  </p:par>
+                  <p:par>
+                    <p:cTn id="7" fill="hold" nodeType="clickPar">
+                      <p:stCondLst>
+                        <p:cond delay="indefinite"/>
+                      </p:stCondLst>
+                      <p:childTnLst>
+                        <p:par>
+                          <p:cTn id="8" fill="hold" nodeType="withGroup">
+                            <p:stCondLst>
+                              <p:cond delay="0"/>
+                            </p:stCondLst>
+                            <p:childTnLst>
+                              <p:par>
+                                <p:cTn id="9" presetID="1" presetClass="entr" presetSubtype="0" fill="hold" nodeType="clickEffect">
+                                  <p:stCondLst>
+                                    <p:cond delay="0"/>
+                                  </p:stCondLst>
+                                  <p:childTnLst>
+                                    <p:set>
+                                      <p:cBhvr>
+                                        <p:cTn id="10" dur="1" fill="hold">
+                                          <p:stCondLst>
+                                            <p:cond delay="0"/>
+                                          </p:stCondLst>
+                                        </p:cTn>
+                                        <p:tgtEl>
+                                          <p:spTgt spid="5123">
+                                            <p:txEl>
+                                              <p:pRg st="4" end="4"/>
+                                            </p:txEl>
+                                          </p:spTgt>
+                                        </p:tgtEl>
+                                        <p:attrNameLst>
+                                          <p:attrName>style.visibility</p:attrName>
+                                        </p:attrNameLst>
+                                      </p:cBhvr>
+                                      <p:to>
+                                        <p:strVal val="visible"/>
+                                      </p:to>
+                                    </p:set>
+                                  </p:childTnLst>
+                                </p:cTn>
+                              </p:par>
+                            </p:childTnLst>
+                          </p:cTn>
+                        </p:par>
+                      </p:childTnLst>
+                    </p:cTn>
+                  </p:par>
+                </p:childTnLst>
+              </p:cTn>
+              <p:prevCondLst>
+                <p:cond evt="onPrev" delay="0">
+                  <p:tgtEl>
+                    <p:sldTgt/>
+                  </p:tgtEl>
+                </p:cond>
+              </p:prevCondLst>
+              <p:nextCondLst>
+                <p:cond evt="onNext" delay="0">
+                  <p:tgtEl>
+                    <p:sldTgt/>
+                  </p:tgtEl>
+                </p:cond>
+              </p:nextCondLst>
+            </p:seq>
+          </p:childTnLst>
+        </p:cTn>
+      </p:par>
+    </p:tnLst>
+  </p:timing>
+</p:sld>
+</file>
+
+<file path=ppt/slides/slide30.xml><?xml version="1.0" encoding="utf-8"?>
 <p:sld xmlns:a="http://schemas.openxmlformats.org/drawingml/2006/main" xmlns:r="http://schemas.openxmlformats.org/officeDocument/2006/relationships" xmlns:p="http://schemas.openxmlformats.org/presentationml/2006/main">
   <p:cSld>
     <p:spTree>
@@ -17029,8 +17044,10 @@
               <a:t>They commit their changes and push back to </a:t>
             </a:r>
             <a:r>
-              <a:rPr lang="en-US" dirty="0" err="1" smtClean="0"/>
-              <a:t>Github</a:t>
+              <a:rPr lang="en-GB" dirty="0">
+                <a:latin typeface="Calibri" charset="0"/>
+              </a:rPr>
+              <a:t>GitHub</a:t>
             </a:r>
             <a:endParaRPr lang="en-US" dirty="0"/>
           </a:p>
@@ -17373,6 +17390,283 @@
     <p:extLst>
       <p:ext uri="{BB962C8B-B14F-4D97-AF65-F5344CB8AC3E}">
         <p14:creationId xmlns:p14="http://schemas.microsoft.com/office/powerpoint/2010/main" val="1320198394"/>
+      </p:ext>
+    </p:extLst>
+  </p:cSld>
+  <p:clrMapOvr>
+    <a:masterClrMapping/>
+  </p:clrMapOvr>
+</p:sld>
+</file>
+
+<file path=ppt/slides/slide31.xml><?xml version="1.0" encoding="utf-8"?>
+<p:sld xmlns:a="http://schemas.openxmlformats.org/drawingml/2006/main" xmlns:r="http://schemas.openxmlformats.org/officeDocument/2006/relationships" xmlns:p="http://schemas.openxmlformats.org/presentationml/2006/main">
+  <p:cSld>
+    <p:spTree>
+      <p:nvGrpSpPr>
+        <p:cNvPr id="1" name=""/>
+        <p:cNvGrpSpPr/>
+        <p:nvPr/>
+      </p:nvGrpSpPr>
+      <p:grpSpPr>
+        <a:xfrm>
+          <a:off x="0" y="0"/>
+          <a:ext cx="0" cy="0"/>
+          <a:chOff x="0" y="0"/>
+          <a:chExt cx="0" cy="0"/>
+        </a:xfrm>
+      </p:grpSpPr>
+      <p:sp>
+        <p:nvSpPr>
+          <p:cNvPr id="2" name="Title 1"/>
+          <p:cNvSpPr>
+            <a:spLocks noGrp="1"/>
+          </p:cNvSpPr>
+          <p:nvPr>
+            <p:ph type="title"/>
+          </p:nvPr>
+        </p:nvSpPr>
+        <p:spPr/>
+        <p:txBody>
+          <a:bodyPr/>
+          <a:lstStyle/>
+          <a:p>
+            <a:r>
+              <a:rPr lang="en-US" dirty="0" smtClean="0"/>
+              <a:t>Black Bob downloads changes using </a:t>
+            </a:r>
+            <a:r>
+              <a:rPr lang="en-US" dirty="0" err="1" smtClean="0"/>
+              <a:t>git</a:t>
+            </a:r>
+            <a:r>
+              <a:rPr lang="en-US" dirty="0" smtClean="0"/>
+              <a:t> pull </a:t>
+            </a:r>
+            <a:endParaRPr lang="en-US" dirty="0"/>
+          </a:p>
+        </p:txBody>
+      </p:sp>
+      <p:sp>
+        <p:nvSpPr>
+          <p:cNvPr id="3" name="Content Placeholder 2"/>
+          <p:cNvSpPr>
+            <a:spLocks noGrp="1"/>
+          </p:cNvSpPr>
+          <p:nvPr>
+            <p:ph idx="1"/>
+          </p:nvPr>
+        </p:nvSpPr>
+        <p:spPr/>
+        <p:style>
+          <a:lnRef idx="2">
+            <a:schemeClr val="dk1">
+              <a:shade val="50000"/>
+            </a:schemeClr>
+          </a:lnRef>
+          <a:fillRef idx="1">
+            <a:schemeClr val="dk1"/>
+          </a:fillRef>
+          <a:effectRef idx="0">
+            <a:schemeClr val="dk1"/>
+          </a:effectRef>
+          <a:fontRef idx="minor">
+            <a:schemeClr val="lt1"/>
+          </a:fontRef>
+        </p:style>
+        <p:txBody>
+          <a:bodyPr/>
+          <a:lstStyle/>
+          <a:p>
+            <a:pPr marL="0" indent="0">
+              <a:buNone/>
+            </a:pPr>
+            <a:r>
+              <a:rPr lang="en-US" sz="1800" dirty="0">
+                <a:latin typeface="Courier New" panose="02070309020205020404" pitchFamily="49" charset="0"/>
+                <a:cs typeface="Courier New" panose="02070309020205020404" pitchFamily="49" charset="0"/>
+              </a:rPr>
+              <a:t>$ </a:t>
+            </a:r>
+            <a:r>
+              <a:rPr lang="en-US" sz="1800" b="1" dirty="0" err="1">
+                <a:solidFill>
+                  <a:srgbClr val="FFFF00"/>
+                </a:solidFill>
+                <a:latin typeface="Courier New" panose="02070309020205020404" pitchFamily="49" charset="0"/>
+                <a:cs typeface="Courier New" panose="02070309020205020404" pitchFamily="49" charset="0"/>
+              </a:rPr>
+              <a:t>git</a:t>
+            </a:r>
+            <a:r>
+              <a:rPr lang="en-US" sz="1800" b="1" dirty="0">
+                <a:solidFill>
+                  <a:srgbClr val="FFFF00"/>
+                </a:solidFill>
+                <a:latin typeface="Courier New" panose="02070309020205020404" pitchFamily="49" charset="0"/>
+                <a:cs typeface="Courier New" panose="02070309020205020404" pitchFamily="49" charset="0"/>
+              </a:rPr>
+              <a:t> pull</a:t>
+            </a:r>
+          </a:p>
+          <a:p>
+            <a:pPr marL="0" indent="0">
+              <a:buNone/>
+            </a:pPr>
+            <a:r>
+              <a:rPr lang="en-US" sz="1800" dirty="0">
+                <a:latin typeface="Courier New" panose="02070309020205020404" pitchFamily="49" charset="0"/>
+                <a:cs typeface="Courier New" panose="02070309020205020404" pitchFamily="49" charset="0"/>
+              </a:rPr>
+              <a:t>remote: Counting objects: 3, done.</a:t>
+            </a:r>
+          </a:p>
+          <a:p>
+            <a:pPr marL="0" indent="0">
+              <a:buNone/>
+            </a:pPr>
+            <a:r>
+              <a:rPr lang="en-US" sz="1800" dirty="0">
+                <a:latin typeface="Courier New" panose="02070309020205020404" pitchFamily="49" charset="0"/>
+                <a:cs typeface="Courier New" panose="02070309020205020404" pitchFamily="49" charset="0"/>
+              </a:rPr>
+              <a:t>remote: Compressing objects: 100% (1/1), done.</a:t>
+            </a:r>
+          </a:p>
+          <a:p>
+            <a:pPr marL="0" indent="0">
+              <a:buNone/>
+            </a:pPr>
+            <a:r>
+              <a:rPr lang="en-US" sz="1800" dirty="0">
+                <a:latin typeface="Courier New" panose="02070309020205020404" pitchFamily="49" charset="0"/>
+                <a:cs typeface="Courier New" panose="02070309020205020404" pitchFamily="49" charset="0"/>
+              </a:rPr>
+              <a:t>remote: Total 3 (delta 1), reused 3 (delta 1), pack-reused 0</a:t>
+            </a:r>
+          </a:p>
+          <a:p>
+            <a:pPr marL="0" indent="0">
+              <a:buNone/>
+            </a:pPr>
+            <a:r>
+              <a:rPr lang="en-US" sz="1800" dirty="0">
+                <a:latin typeface="Courier New" panose="02070309020205020404" pitchFamily="49" charset="0"/>
+                <a:cs typeface="Courier New" panose="02070309020205020404" pitchFamily="49" charset="0"/>
+              </a:rPr>
+              <a:t>Unpacking objects: 100% (3/3), done.</a:t>
+            </a:r>
+          </a:p>
+          <a:p>
+            <a:pPr marL="0" indent="0">
+              <a:buNone/>
+            </a:pPr>
+            <a:r>
+              <a:rPr lang="en-US" sz="1800" dirty="0">
+                <a:latin typeface="Courier New" panose="02070309020205020404" pitchFamily="49" charset="0"/>
+                <a:cs typeface="Courier New" panose="02070309020205020404" pitchFamily="49" charset="0"/>
+              </a:rPr>
+              <a:t>From </a:t>
+            </a:r>
+            <a:r>
+              <a:rPr lang="en-US" sz="1800" dirty="0" err="1">
+                <a:latin typeface="Courier New" panose="02070309020205020404" pitchFamily="49" charset="0"/>
+                <a:cs typeface="Courier New" panose="02070309020205020404" pitchFamily="49" charset="0"/>
+              </a:rPr>
+              <a:t>github.com:spepler</a:t>
+            </a:r>
+            <a:r>
+              <a:rPr lang="en-US" sz="1800" dirty="0">
+                <a:latin typeface="Courier New" panose="02070309020205020404" pitchFamily="49" charset="0"/>
+                <a:cs typeface="Courier New" panose="02070309020205020404" pitchFamily="49" charset="0"/>
+              </a:rPr>
+              <a:t>/</a:t>
+            </a:r>
+            <a:r>
+              <a:rPr lang="en-US" sz="1800" dirty="0" err="1">
+                <a:latin typeface="Courier New" panose="02070309020205020404" pitchFamily="49" charset="0"/>
+                <a:cs typeface="Courier New" panose="02070309020205020404" pitchFamily="49" charset="0"/>
+              </a:rPr>
+              <a:t>ncas-isc</a:t>
+            </a:r>
+            <a:endParaRPr lang="en-US" sz="1800" dirty="0">
+              <a:latin typeface="Courier New" panose="02070309020205020404" pitchFamily="49" charset="0"/>
+              <a:cs typeface="Courier New" panose="02070309020205020404" pitchFamily="49" charset="0"/>
+            </a:endParaRPr>
+          </a:p>
+          <a:p>
+            <a:pPr marL="0" indent="0">
+              <a:buNone/>
+            </a:pPr>
+            <a:r>
+              <a:rPr lang="mr-IN" sz="1800" dirty="0">
+                <a:latin typeface="Courier New" panose="02070309020205020404" pitchFamily="49" charset="0"/>
+                <a:cs typeface="Courier"/>
+              </a:rPr>
+              <a:t>   fe70026..d274491  master     -&gt; origin/master</a:t>
+            </a:r>
+          </a:p>
+          <a:p>
+            <a:pPr marL="0" indent="0">
+              <a:buNone/>
+            </a:pPr>
+            <a:r>
+              <a:rPr lang="en-US" sz="1800" dirty="0">
+                <a:latin typeface="Courier New" panose="02070309020205020404" pitchFamily="49" charset="0"/>
+                <a:cs typeface="Courier New" panose="02070309020205020404" pitchFamily="49" charset="0"/>
+              </a:rPr>
+              <a:t>Updating fe70026..d274491</a:t>
+            </a:r>
+          </a:p>
+          <a:p>
+            <a:pPr marL="0" indent="0">
+              <a:buNone/>
+            </a:pPr>
+            <a:r>
+              <a:rPr lang="en-US" sz="1800" dirty="0">
+                <a:latin typeface="Courier New" panose="02070309020205020404" pitchFamily="49" charset="0"/>
+                <a:cs typeface="Courier New" panose="02070309020205020404" pitchFamily="49" charset="0"/>
+              </a:rPr>
+              <a:t>Fast-forward</a:t>
+            </a:r>
+          </a:p>
+          <a:p>
+            <a:pPr marL="0" indent="0">
+              <a:buNone/>
+            </a:pPr>
+            <a:r>
+              <a:rPr lang="hr-HR" sz="1800" dirty="0">
+                <a:latin typeface="Courier New" panose="02070309020205020404" pitchFamily="49" charset="0"/>
+                <a:cs typeface="Courier New" panose="02070309020205020404" pitchFamily="49" charset="0"/>
+              </a:rPr>
+              <a:t> hello.txt | 1 +</a:t>
+            </a:r>
+          </a:p>
+          <a:p>
+            <a:pPr marL="0" indent="0">
+              <a:buNone/>
+            </a:pPr>
+            <a:r>
+              <a:rPr lang="en-US" sz="1800" dirty="0">
+                <a:latin typeface="Courier New" panose="02070309020205020404" pitchFamily="49" charset="0"/>
+                <a:cs typeface="Courier New" panose="02070309020205020404" pitchFamily="49" charset="0"/>
+              </a:rPr>
+              <a:t> 1 file changed, 1 insertion(</a:t>
+            </a:r>
+            <a:r>
+              <a:rPr lang="en-US" sz="1800" dirty="0" smtClean="0">
+                <a:latin typeface="Courier New" panose="02070309020205020404" pitchFamily="49" charset="0"/>
+                <a:cs typeface="Courier New" panose="02070309020205020404" pitchFamily="49" charset="0"/>
+              </a:rPr>
+              <a:t>+)</a:t>
+            </a:r>
+          </a:p>
+        </p:txBody>
+      </p:sp>
+    </p:spTree>
+    <p:extLst>
+      <p:ext uri="{BB962C8B-B14F-4D97-AF65-F5344CB8AC3E}">
+        <p14:creationId xmlns:p14="http://schemas.microsoft.com/office/powerpoint/2010/main" val="9053277"/>
       </p:ext>
     </p:extLst>
   </p:cSld>
@@ -17416,283 +17710,6 @@
           <a:p>
             <a:r>
               <a:rPr lang="en-US" dirty="0" smtClean="0"/>
-              <a:t>Black Bob downloads changes using </a:t>
-            </a:r>
-            <a:r>
-              <a:rPr lang="en-US" dirty="0" err="1" smtClean="0"/>
-              <a:t>git</a:t>
-            </a:r>
-            <a:r>
-              <a:rPr lang="en-US" dirty="0" smtClean="0"/>
-              <a:t> pull </a:t>
-            </a:r>
-            <a:endParaRPr lang="en-US" dirty="0"/>
-          </a:p>
-        </p:txBody>
-      </p:sp>
-      <p:sp>
-        <p:nvSpPr>
-          <p:cNvPr id="3" name="Content Placeholder 2"/>
-          <p:cNvSpPr>
-            <a:spLocks noGrp="1"/>
-          </p:cNvSpPr>
-          <p:nvPr>
-            <p:ph idx="1"/>
-          </p:nvPr>
-        </p:nvSpPr>
-        <p:spPr/>
-        <p:style>
-          <a:lnRef idx="2">
-            <a:schemeClr val="dk1">
-              <a:shade val="50000"/>
-            </a:schemeClr>
-          </a:lnRef>
-          <a:fillRef idx="1">
-            <a:schemeClr val="dk1"/>
-          </a:fillRef>
-          <a:effectRef idx="0">
-            <a:schemeClr val="dk1"/>
-          </a:effectRef>
-          <a:fontRef idx="minor">
-            <a:schemeClr val="lt1"/>
-          </a:fontRef>
-        </p:style>
-        <p:txBody>
-          <a:bodyPr/>
-          <a:lstStyle/>
-          <a:p>
-            <a:pPr marL="0" indent="0">
-              <a:buNone/>
-            </a:pPr>
-            <a:r>
-              <a:rPr lang="en-US" sz="1800" dirty="0">
-                <a:latin typeface="Courier New" panose="02070309020205020404" pitchFamily="49" charset="0"/>
-                <a:cs typeface="Courier New" panose="02070309020205020404" pitchFamily="49" charset="0"/>
-              </a:rPr>
-              <a:t>$ </a:t>
-            </a:r>
-            <a:r>
-              <a:rPr lang="en-US" sz="1800" b="1" dirty="0" err="1">
-                <a:solidFill>
-                  <a:srgbClr val="FFFF00"/>
-                </a:solidFill>
-                <a:latin typeface="Courier New" panose="02070309020205020404" pitchFamily="49" charset="0"/>
-                <a:cs typeface="Courier New" panose="02070309020205020404" pitchFamily="49" charset="0"/>
-              </a:rPr>
-              <a:t>git</a:t>
-            </a:r>
-            <a:r>
-              <a:rPr lang="en-US" sz="1800" b="1" dirty="0">
-                <a:solidFill>
-                  <a:srgbClr val="FFFF00"/>
-                </a:solidFill>
-                <a:latin typeface="Courier New" panose="02070309020205020404" pitchFamily="49" charset="0"/>
-                <a:cs typeface="Courier New" panose="02070309020205020404" pitchFamily="49" charset="0"/>
-              </a:rPr>
-              <a:t> pull</a:t>
-            </a:r>
-          </a:p>
-          <a:p>
-            <a:pPr marL="0" indent="0">
-              <a:buNone/>
-            </a:pPr>
-            <a:r>
-              <a:rPr lang="en-US" sz="1800" dirty="0">
-                <a:latin typeface="Courier New" panose="02070309020205020404" pitchFamily="49" charset="0"/>
-                <a:cs typeface="Courier New" panose="02070309020205020404" pitchFamily="49" charset="0"/>
-              </a:rPr>
-              <a:t>remote: Counting objects: 3, done.</a:t>
-            </a:r>
-          </a:p>
-          <a:p>
-            <a:pPr marL="0" indent="0">
-              <a:buNone/>
-            </a:pPr>
-            <a:r>
-              <a:rPr lang="en-US" sz="1800" dirty="0">
-                <a:latin typeface="Courier New" panose="02070309020205020404" pitchFamily="49" charset="0"/>
-                <a:cs typeface="Courier New" panose="02070309020205020404" pitchFamily="49" charset="0"/>
-              </a:rPr>
-              <a:t>remote: Compressing objects: 100% (1/1), done.</a:t>
-            </a:r>
-          </a:p>
-          <a:p>
-            <a:pPr marL="0" indent="0">
-              <a:buNone/>
-            </a:pPr>
-            <a:r>
-              <a:rPr lang="en-US" sz="1800" dirty="0">
-                <a:latin typeface="Courier New" panose="02070309020205020404" pitchFamily="49" charset="0"/>
-                <a:cs typeface="Courier New" panose="02070309020205020404" pitchFamily="49" charset="0"/>
-              </a:rPr>
-              <a:t>remote: Total 3 (delta 1), reused 3 (delta 1), pack-reused 0</a:t>
-            </a:r>
-          </a:p>
-          <a:p>
-            <a:pPr marL="0" indent="0">
-              <a:buNone/>
-            </a:pPr>
-            <a:r>
-              <a:rPr lang="en-US" sz="1800" dirty="0">
-                <a:latin typeface="Courier New" panose="02070309020205020404" pitchFamily="49" charset="0"/>
-                <a:cs typeface="Courier New" panose="02070309020205020404" pitchFamily="49" charset="0"/>
-              </a:rPr>
-              <a:t>Unpacking objects: 100% (3/3), done.</a:t>
-            </a:r>
-          </a:p>
-          <a:p>
-            <a:pPr marL="0" indent="0">
-              <a:buNone/>
-            </a:pPr>
-            <a:r>
-              <a:rPr lang="en-US" sz="1800" dirty="0">
-                <a:latin typeface="Courier New" panose="02070309020205020404" pitchFamily="49" charset="0"/>
-                <a:cs typeface="Courier New" panose="02070309020205020404" pitchFamily="49" charset="0"/>
-              </a:rPr>
-              <a:t>From </a:t>
-            </a:r>
-            <a:r>
-              <a:rPr lang="en-US" sz="1800" dirty="0" err="1">
-                <a:latin typeface="Courier New" panose="02070309020205020404" pitchFamily="49" charset="0"/>
-                <a:cs typeface="Courier New" panose="02070309020205020404" pitchFamily="49" charset="0"/>
-              </a:rPr>
-              <a:t>github.com:spepler</a:t>
-            </a:r>
-            <a:r>
-              <a:rPr lang="en-US" sz="1800" dirty="0">
-                <a:latin typeface="Courier New" panose="02070309020205020404" pitchFamily="49" charset="0"/>
-                <a:cs typeface="Courier New" panose="02070309020205020404" pitchFamily="49" charset="0"/>
-              </a:rPr>
-              <a:t>/</a:t>
-            </a:r>
-            <a:r>
-              <a:rPr lang="en-US" sz="1800" dirty="0" err="1">
-                <a:latin typeface="Courier New" panose="02070309020205020404" pitchFamily="49" charset="0"/>
-                <a:cs typeface="Courier New" panose="02070309020205020404" pitchFamily="49" charset="0"/>
-              </a:rPr>
-              <a:t>ncas-isc</a:t>
-            </a:r>
-            <a:endParaRPr lang="en-US" sz="1800" dirty="0">
-              <a:latin typeface="Courier New" panose="02070309020205020404" pitchFamily="49" charset="0"/>
-              <a:cs typeface="Courier New" panose="02070309020205020404" pitchFamily="49" charset="0"/>
-            </a:endParaRPr>
-          </a:p>
-          <a:p>
-            <a:pPr marL="0" indent="0">
-              <a:buNone/>
-            </a:pPr>
-            <a:r>
-              <a:rPr lang="mr-IN" sz="1800" dirty="0">
-                <a:latin typeface="Courier New" panose="02070309020205020404" pitchFamily="49" charset="0"/>
-                <a:cs typeface="Courier"/>
-              </a:rPr>
-              <a:t>   fe70026..d274491  master     -&gt; origin/master</a:t>
-            </a:r>
-          </a:p>
-          <a:p>
-            <a:pPr marL="0" indent="0">
-              <a:buNone/>
-            </a:pPr>
-            <a:r>
-              <a:rPr lang="en-US" sz="1800" dirty="0">
-                <a:latin typeface="Courier New" panose="02070309020205020404" pitchFamily="49" charset="0"/>
-                <a:cs typeface="Courier New" panose="02070309020205020404" pitchFamily="49" charset="0"/>
-              </a:rPr>
-              <a:t>Updating fe70026..d274491</a:t>
-            </a:r>
-          </a:p>
-          <a:p>
-            <a:pPr marL="0" indent="0">
-              <a:buNone/>
-            </a:pPr>
-            <a:r>
-              <a:rPr lang="en-US" sz="1800" dirty="0">
-                <a:latin typeface="Courier New" panose="02070309020205020404" pitchFamily="49" charset="0"/>
-                <a:cs typeface="Courier New" panose="02070309020205020404" pitchFamily="49" charset="0"/>
-              </a:rPr>
-              <a:t>Fast-forward</a:t>
-            </a:r>
-          </a:p>
-          <a:p>
-            <a:pPr marL="0" indent="0">
-              <a:buNone/>
-            </a:pPr>
-            <a:r>
-              <a:rPr lang="hr-HR" sz="1800" dirty="0">
-                <a:latin typeface="Courier New" panose="02070309020205020404" pitchFamily="49" charset="0"/>
-                <a:cs typeface="Courier New" panose="02070309020205020404" pitchFamily="49" charset="0"/>
-              </a:rPr>
-              <a:t> hello.txt | 1 +</a:t>
-            </a:r>
-          </a:p>
-          <a:p>
-            <a:pPr marL="0" indent="0">
-              <a:buNone/>
-            </a:pPr>
-            <a:r>
-              <a:rPr lang="en-US" sz="1800" dirty="0">
-                <a:latin typeface="Courier New" panose="02070309020205020404" pitchFamily="49" charset="0"/>
-                <a:cs typeface="Courier New" panose="02070309020205020404" pitchFamily="49" charset="0"/>
-              </a:rPr>
-              <a:t> 1 file changed, 1 insertion(</a:t>
-            </a:r>
-            <a:r>
-              <a:rPr lang="en-US" sz="1800" dirty="0" smtClean="0">
-                <a:latin typeface="Courier New" panose="02070309020205020404" pitchFamily="49" charset="0"/>
-                <a:cs typeface="Courier New" panose="02070309020205020404" pitchFamily="49" charset="0"/>
-              </a:rPr>
-              <a:t>+)</a:t>
-            </a:r>
-          </a:p>
-        </p:txBody>
-      </p:sp>
-    </p:spTree>
-    <p:extLst>
-      <p:ext uri="{BB962C8B-B14F-4D97-AF65-F5344CB8AC3E}">
-        <p14:creationId xmlns:p14="http://schemas.microsoft.com/office/powerpoint/2010/main" val="9053277"/>
-      </p:ext>
-    </p:extLst>
-  </p:cSld>
-  <p:clrMapOvr>
-    <a:masterClrMapping/>
-  </p:clrMapOvr>
-</p:sld>
-</file>
-
-<file path=ppt/slides/slide33.xml><?xml version="1.0" encoding="utf-8"?>
-<p:sld xmlns:a="http://schemas.openxmlformats.org/drawingml/2006/main" xmlns:r="http://schemas.openxmlformats.org/officeDocument/2006/relationships" xmlns:p="http://schemas.openxmlformats.org/presentationml/2006/main">
-  <p:cSld>
-    <p:spTree>
-      <p:nvGrpSpPr>
-        <p:cNvPr id="1" name=""/>
-        <p:cNvGrpSpPr/>
-        <p:nvPr/>
-      </p:nvGrpSpPr>
-      <p:grpSpPr>
-        <a:xfrm>
-          <a:off x="0" y="0"/>
-          <a:ext cx="0" cy="0"/>
-          <a:chOff x="0" y="0"/>
-          <a:chExt cx="0" cy="0"/>
-        </a:xfrm>
-      </p:grpSpPr>
-      <p:sp>
-        <p:nvSpPr>
-          <p:cNvPr id="2" name="Title 1"/>
-          <p:cNvSpPr>
-            <a:spLocks noGrp="1"/>
-          </p:cNvSpPr>
-          <p:nvPr>
-            <p:ph type="title"/>
-          </p:nvPr>
-        </p:nvSpPr>
-        <p:spPr/>
-        <p:txBody>
-          <a:bodyPr/>
-          <a:lstStyle/>
-          <a:p>
-            <a:r>
-              <a:rPr lang="en-US" dirty="0" smtClean="0"/>
               <a:t>Black Bob looks at change log</a:t>
             </a:r>
             <a:endParaRPr lang="en-US" dirty="0"/>
@@ -18052,7 +18069,7 @@
 </p:sld>
 </file>
 
-<file path=ppt/slides/slide34.xml><?xml version="1.0" encoding="utf-8"?>
+<file path=ppt/slides/slide33.xml><?xml version="1.0" encoding="utf-8"?>
 <p:sld xmlns:a="http://schemas.openxmlformats.org/drawingml/2006/main" xmlns:r="http://schemas.openxmlformats.org/officeDocument/2006/relationships" xmlns:p="http://schemas.openxmlformats.org/presentationml/2006/main">
   <p:cSld>
     <p:spTree>
@@ -18327,8 +18344,8 @@
         </p:nvSpPr>
         <p:spPr bwMode="auto">
           <a:xfrm>
-            <a:off x="3175" y="1399138"/>
-            <a:ext cx="9144000" cy="1631216"/>
+            <a:off x="241300" y="1407560"/>
+            <a:ext cx="8470900" cy="1642390"/>
           </a:xfrm>
           <a:prstGeom prst="rect">
             <a:avLst/>
@@ -18450,7 +18467,18 @@
                 <a:ea typeface="+mn-ea"/>
                 <a:cs typeface="Courier New" panose="02070309020205020404" pitchFamily="49" charset="0"/>
               </a:rPr>
-              <a:t>://</a:t>
+              <a:t>://github.com</a:t>
+            </a:r>
+            <a:r>
+              <a:rPr lang="en-GB" sz="2000" dirty="0" smtClean="0">
+                <a:solidFill>
+                  <a:schemeClr val="bg1"/>
+                </a:solidFill>
+                <a:latin typeface="Courier New" panose="02070309020205020404" pitchFamily="49" charset="0"/>
+                <a:ea typeface="+mn-ea"/>
+                <a:cs typeface="Courier New" panose="02070309020205020404" pitchFamily="49" charset="0"/>
+              </a:rPr>
+              <a:t>/</a:t>
             </a:r>
             <a:r>
               <a:rPr lang="en-GB" sz="2000" dirty="0" smtClean="0">
@@ -18469,93 +18497,24 @@
             <a:r>
               <a:rPr lang="en-GB" sz="2000" dirty="0" smtClean="0">
                 <a:solidFill>
+                  <a:schemeClr val="bg1"/>
+                </a:solidFill>
+                <a:latin typeface="Courier New" panose="02070309020205020404" pitchFamily="49" charset="0"/>
+                <a:ea typeface="+mn-ea"/>
+                <a:cs typeface="Courier New" panose="02070309020205020404" pitchFamily="49" charset="0"/>
+              </a:rPr>
+              <a:t>/</a:t>
+            </a:r>
+            <a:r>
+              <a:rPr lang="en-GB" sz="2000" dirty="0" smtClean="0">
+                <a:solidFill>
                   <a:schemeClr val="lt1"/>
                 </a:solidFill>
                 <a:latin typeface="Courier New" panose="02070309020205020404" pitchFamily="49" charset="0"/>
                 <a:ea typeface="+mn-ea"/>
                 <a:cs typeface="Courier New" panose="02070309020205020404" pitchFamily="49" charset="0"/>
               </a:rPr>
-              <a:t>@</a:t>
-            </a:r>
-            <a:r>
-              <a:rPr lang="en-GB" sz="2000" dirty="0" err="1" smtClean="0">
-                <a:solidFill>
-                  <a:schemeClr val="lt1"/>
-                </a:solidFill>
-                <a:latin typeface="Courier New" panose="02070309020205020404" pitchFamily="49" charset="0"/>
-                <a:ea typeface="+mn-ea"/>
-                <a:cs typeface="Courier New" panose="02070309020205020404" pitchFamily="49" charset="0"/>
-              </a:rPr>
-              <a:t>github.com</a:t>
-            </a:r>
-            <a:r>
-              <a:rPr lang="en-GB" sz="2000" dirty="0" smtClean="0">
-                <a:solidFill>
-                  <a:schemeClr val="bg1"/>
-                </a:solidFill>
-                <a:latin typeface="Courier New" panose="02070309020205020404" pitchFamily="49" charset="0"/>
-                <a:ea typeface="+mn-ea"/>
-                <a:cs typeface="Courier New" panose="02070309020205020404" pitchFamily="49" charset="0"/>
-              </a:rPr>
-              <a:t>/</a:t>
-            </a:r>
-            <a:r>
-              <a:rPr lang="en-GB" sz="2000" dirty="0" smtClean="0">
-                <a:solidFill>
-                  <a:schemeClr val="accent2">
-                    <a:lumMod val="60000"/>
-                    <a:lumOff val="40000"/>
-                  </a:schemeClr>
-                </a:solidFill>
-                <a:latin typeface="Courier New" panose="02070309020205020404" pitchFamily="49" charset="0"/>
-                <a:ea typeface="+mn-ea"/>
-                <a:cs typeface="Courier New" panose="02070309020205020404" pitchFamily="49" charset="0"/>
-              </a:rPr>
-              <a:t>&lt;username&gt;</a:t>
-            </a:r>
-            <a:r>
-              <a:rPr lang="en-GB" sz="2000" dirty="0" smtClean="0">
-                <a:solidFill>
-                  <a:schemeClr val="bg1"/>
-                </a:solidFill>
-                <a:latin typeface="Courier New" panose="02070309020205020404" pitchFamily="49" charset="0"/>
-                <a:ea typeface="+mn-ea"/>
-                <a:cs typeface="Courier New" panose="02070309020205020404" pitchFamily="49" charset="0"/>
-              </a:rPr>
-              <a:t>/</a:t>
-            </a:r>
-            <a:r>
-              <a:rPr lang="en-GB" sz="2000" dirty="0" smtClean="0">
-                <a:solidFill>
-                  <a:schemeClr val="lt1"/>
-                </a:solidFill>
-                <a:latin typeface="Courier New" panose="02070309020205020404" pitchFamily="49" charset="0"/>
-                <a:ea typeface="+mn-ea"/>
-                <a:cs typeface="Courier New" panose="02070309020205020404" pitchFamily="49" charset="0"/>
-              </a:rPr>
-              <a:t>my-</a:t>
-            </a:r>
-            <a:r>
-              <a:rPr lang="en-GB" sz="2000" dirty="0" err="1" smtClean="0">
-                <a:solidFill>
-                  <a:schemeClr val="lt1"/>
-                </a:solidFill>
-                <a:latin typeface="Courier New" panose="02070309020205020404" pitchFamily="49" charset="0"/>
-                <a:ea typeface="+mn-ea"/>
-                <a:cs typeface="Courier New" panose="02070309020205020404" pitchFamily="49" charset="0"/>
-              </a:rPr>
-              <a:t>isc</a:t>
-            </a:r>
-            <a:r>
-              <a:rPr lang="en-GB" sz="2000" dirty="0" smtClean="0">
-                <a:solidFill>
-                  <a:schemeClr val="lt1"/>
-                </a:solidFill>
-                <a:latin typeface="Courier New" panose="02070309020205020404" pitchFamily="49" charset="0"/>
-                <a:ea typeface="+mn-ea"/>
-                <a:cs typeface="Courier New" panose="02070309020205020404" pitchFamily="49" charset="0"/>
-              </a:rPr>
-              <a:t>-work</a:t>
+              <a:t>my-isc-work</a:t>
             </a:r>
             <a:endParaRPr lang="en-GB" sz="2000" dirty="0">
               <a:solidFill>
@@ -18813,7 +18772,7 @@
 </p:sld>
 </file>
 
-<file path=ppt/slides/slide35.xml><?xml version="1.0" encoding="utf-8"?>
+<file path=ppt/slides/slide34.xml><?xml version="1.0" encoding="utf-8"?>
 <p:sld xmlns:a="http://schemas.openxmlformats.org/drawingml/2006/main" xmlns:r="http://schemas.openxmlformats.org/officeDocument/2006/relationships" xmlns:p="http://schemas.openxmlformats.org/presentationml/2006/main">
   <p:cSld>
     <p:spTree>
@@ -18874,7 +18833,7 @@
 </p:sld>
 </file>
 
-<file path=ppt/slides/slide36.xml><?xml version="1.0" encoding="utf-8"?>
+<file path=ppt/slides/slide35.xml><?xml version="1.0" encoding="utf-8"?>
 <p:sld xmlns:a="http://schemas.openxmlformats.org/drawingml/2006/main" xmlns:r="http://schemas.openxmlformats.org/officeDocument/2006/relationships" xmlns:p="http://schemas.openxmlformats.org/presentationml/2006/main">
   <p:cSld>
     <p:spTree>
@@ -19149,7 +19108,7 @@
 </p:sld>
 </file>
 
-<file path=ppt/slides/slide37.xml><?xml version="1.0" encoding="utf-8"?>
+<file path=ppt/slides/slide36.xml><?xml version="1.0" encoding="utf-8"?>
 <p:sld xmlns:a="http://schemas.openxmlformats.org/drawingml/2006/main" xmlns:r="http://schemas.openxmlformats.org/officeDocument/2006/relationships" xmlns:p="http://schemas.openxmlformats.org/presentationml/2006/main">
   <p:cSld>
     <p:spTree>
@@ -19416,7 +19375,7 @@
 </p:sld>
 </file>
 
-<file path=ppt/slides/slide38.xml><?xml version="1.0" encoding="utf-8"?>
+<file path=ppt/slides/slide37.xml><?xml version="1.0" encoding="utf-8"?>
 <p:sld xmlns:a="http://schemas.openxmlformats.org/drawingml/2006/main" xmlns:r="http://schemas.openxmlformats.org/officeDocument/2006/relationships" xmlns:p="http://schemas.openxmlformats.org/presentationml/2006/main">
   <p:cSld>
     <p:spTree>
@@ -19874,7 +19833,7 @@
 </p:sld>
 </file>
 
-<file path=ppt/slides/slide39.xml><?xml version="1.0" encoding="utf-8"?>
+<file path=ppt/slides/slide38.xml><?xml version="1.0" encoding="utf-8"?>
 <p:sld xmlns:a="http://schemas.openxmlformats.org/drawingml/2006/main" xmlns:r="http://schemas.openxmlformats.org/officeDocument/2006/relationships" xmlns:p="http://schemas.openxmlformats.org/presentationml/2006/main">
   <p:cSld>
     <p:spTree>
@@ -19984,292 +19943,7 @@
 </p:sld>
 </file>
 
-<file path=ppt/slides/slide4.xml><?xml version="1.0" encoding="utf-8"?>
-<p:sld xmlns:a="http://schemas.openxmlformats.org/drawingml/2006/main" xmlns:r="http://schemas.openxmlformats.org/officeDocument/2006/relationships" xmlns:p="http://schemas.openxmlformats.org/presentationml/2006/main">
-  <p:cSld>
-    <p:spTree>
-      <p:nvGrpSpPr>
-        <p:cNvPr id="1" name=""/>
-        <p:cNvGrpSpPr/>
-        <p:nvPr/>
-      </p:nvGrpSpPr>
-      <p:grpSpPr>
-        <a:xfrm>
-          <a:off x="0" y="0"/>
-          <a:ext cx="0" cy="0"/>
-          <a:chOff x="0" y="0"/>
-          <a:chExt cx="0" cy="0"/>
-        </a:xfrm>
-      </p:grpSpPr>
-      <p:sp>
-        <p:nvSpPr>
-          <p:cNvPr id="5122" name="Title 1"/>
-          <p:cNvSpPr>
-            <a:spLocks noGrp="1"/>
-          </p:cNvSpPr>
-          <p:nvPr>
-            <p:ph type="title"/>
-          </p:nvPr>
-        </p:nvSpPr>
-        <p:spPr>
-          <a:xfrm>
-            <a:off x="457200" y="125413"/>
-            <a:ext cx="8229600" cy="1143000"/>
-          </a:xfrm>
-        </p:spPr>
-        <p:txBody>
-          <a:bodyPr/>
-          <a:lstStyle/>
-          <a:p>
-            <a:r>
-              <a:rPr lang="en-GB" dirty="0">
-                <a:latin typeface="Calibri" charset="0"/>
-              </a:rPr>
-              <a:t>But those days are gone!</a:t>
-            </a:r>
-          </a:p>
-        </p:txBody>
-      </p:sp>
-      <p:sp>
-        <p:nvSpPr>
-          <p:cNvPr id="5123" name="Content Placeholder 2"/>
-          <p:cNvSpPr>
-            <a:spLocks noGrp="1"/>
-          </p:cNvSpPr>
-          <p:nvPr>
-            <p:ph idx="1"/>
-          </p:nvPr>
-        </p:nvSpPr>
-        <p:spPr>
-          <a:xfrm>
-            <a:off x="206375" y="1268413"/>
-            <a:ext cx="8686800" cy="5257800"/>
-          </a:xfrm>
-        </p:spPr>
-        <p:txBody>
-          <a:bodyPr/>
-          <a:lstStyle/>
-          <a:p>
-            <a:r>
-              <a:rPr lang="en-GB" dirty="0">
-                <a:latin typeface="Calibri" charset="0"/>
-              </a:rPr>
-              <a:t>Scientists are typically </a:t>
-            </a:r>
-            <a:r>
-              <a:rPr lang="en-GB" b="1" dirty="0">
-                <a:latin typeface="Calibri" charset="0"/>
-              </a:rPr>
-              <a:t>required to publish data and code</a:t>
-            </a:r>
-            <a:r>
-              <a:rPr lang="en-GB" dirty="0">
-                <a:latin typeface="Calibri" charset="0"/>
-              </a:rPr>
-              <a:t> (by their funders/institutions).</a:t>
-            </a:r>
-          </a:p>
-          <a:p>
-            <a:endParaRPr lang="en-GB" sz="1200" dirty="0">
-              <a:latin typeface="Calibri" charset="0"/>
-            </a:endParaRPr>
-          </a:p>
-          <a:p>
-            <a:r>
-              <a:rPr lang="en-GB" dirty="0">
-                <a:latin typeface="Calibri" charset="0"/>
-              </a:rPr>
-              <a:t>Collaboration between scientists requires data-sharing; this implicitly relies on </a:t>
-            </a:r>
-            <a:r>
-              <a:rPr lang="en-GB" b="1" dirty="0">
-                <a:latin typeface="Calibri" charset="0"/>
-              </a:rPr>
-              <a:t>code-sharing</a:t>
-            </a:r>
-            <a:r>
-              <a:rPr lang="en-GB" dirty="0">
-                <a:latin typeface="Calibri" charset="0"/>
-              </a:rPr>
-              <a:t>.</a:t>
-            </a:r>
-          </a:p>
-          <a:p>
-            <a:endParaRPr lang="en-GB" sz="1200" dirty="0">
-              <a:latin typeface="Calibri" charset="0"/>
-            </a:endParaRPr>
-          </a:p>
-          <a:p>
-            <a:r>
-              <a:rPr lang="en-GB" dirty="0">
-                <a:latin typeface="Calibri" charset="0"/>
-              </a:rPr>
-              <a:t>There are </a:t>
-            </a:r>
-            <a:r>
-              <a:rPr lang="en-GB" b="1" dirty="0">
-                <a:latin typeface="Calibri" charset="0"/>
-              </a:rPr>
-              <a:t>tools that make it easy </a:t>
-            </a:r>
-            <a:r>
-              <a:rPr lang="en-GB" dirty="0">
-                <a:latin typeface="Calibri" charset="0"/>
-              </a:rPr>
-              <a:t>to record our changes, document our workflow and </a:t>
-            </a:r>
-            <a:r>
-              <a:rPr lang="en-GB" dirty="0" smtClean="0">
-                <a:latin typeface="Calibri" charset="0"/>
-              </a:rPr>
-              <a:t>"fix" </a:t>
-            </a:r>
-            <a:r>
-              <a:rPr lang="en-GB" dirty="0">
-                <a:latin typeface="Calibri" charset="0"/>
-              </a:rPr>
-              <a:t>releases of our code at important steps along the way.</a:t>
-            </a:r>
-          </a:p>
-        </p:txBody>
-      </p:sp>
-    </p:spTree>
-  </p:cSld>
-  <p:clrMapOvr>
-    <a:masterClrMapping/>
-  </p:clrMapOvr>
-  <p:timing>
-    <p:tnLst>
-      <p:par>
-        <p:cTn id="1" dur="indefinite" restart="never" nodeType="tmRoot">
-          <p:childTnLst>
-            <p:seq concurrent="1" nextAc="seek">
-              <p:cTn id="2" dur="indefinite" nodeType="mainSeq">
-                <p:childTnLst>
-                  <p:par>
-                    <p:cTn id="3" fill="hold" nodeType="clickPar">
-                      <p:stCondLst>
-                        <p:cond delay="indefinite"/>
-                      </p:stCondLst>
-                      <p:childTnLst>
-                        <p:par>
-                          <p:cTn id="4" fill="hold" nodeType="withGroup">
-                            <p:stCondLst>
-                              <p:cond delay="0"/>
-                            </p:stCondLst>
-                            <p:childTnLst>
-                              <p:par>
-                                <p:cTn id="5" presetID="1" presetClass="entr" presetSubtype="0" fill="hold" nodeType="clickEffect">
-                                  <p:stCondLst>
-                                    <p:cond delay="0"/>
-                                  </p:stCondLst>
-                                  <p:childTnLst>
-                                    <p:set>
-                                      <p:cBhvr>
-                                        <p:cTn id="6" dur="1" fill="hold">
-                                          <p:stCondLst>
-                                            <p:cond delay="0"/>
-                                          </p:stCondLst>
-                                        </p:cTn>
-                                        <p:tgtEl>
-                                          <p:spTgt spid="5123">
-                                            <p:txEl>
-                                              <p:pRg st="2" end="2"/>
-                                            </p:txEl>
-                                          </p:spTgt>
-                                        </p:tgtEl>
-                                        <p:attrNameLst>
-                                          <p:attrName>style.visibility</p:attrName>
-                                        </p:attrNameLst>
-                                      </p:cBhvr>
-                                      <p:to>
-                                        <p:strVal val="visible"/>
-                                      </p:to>
-                                    </p:set>
-                                  </p:childTnLst>
-                                </p:cTn>
-                              </p:par>
-                            </p:childTnLst>
-                          </p:cTn>
-                        </p:par>
-                      </p:childTnLst>
-                    </p:cTn>
-                  </p:par>
-                  <p:par>
-                    <p:cTn id="7" fill="hold" nodeType="clickPar">
-                      <p:stCondLst>
-                        <p:cond delay="indefinite"/>
-                      </p:stCondLst>
-                      <p:childTnLst>
-                        <p:par>
-                          <p:cTn id="8" fill="hold" nodeType="withGroup">
-                            <p:stCondLst>
-                              <p:cond delay="0"/>
-                            </p:stCondLst>
-                            <p:childTnLst>
-                              <p:par>
-                                <p:cTn id="9" presetID="1" presetClass="entr" presetSubtype="0" fill="hold" nodeType="clickEffect">
-                                  <p:stCondLst>
-                                    <p:cond delay="0"/>
-                                  </p:stCondLst>
-                                  <p:childTnLst>
-                                    <p:set>
-                                      <p:cBhvr>
-                                        <p:cTn id="10" dur="1" fill="hold">
-                                          <p:stCondLst>
-                                            <p:cond delay="0"/>
-                                          </p:stCondLst>
-                                        </p:cTn>
-                                        <p:tgtEl>
-                                          <p:spTgt spid="5123">
-                                            <p:txEl>
-                                              <p:pRg st="4" end="4"/>
-                                            </p:txEl>
-                                          </p:spTgt>
-                                        </p:tgtEl>
-                                        <p:attrNameLst>
-                                          <p:attrName>style.visibility</p:attrName>
-                                        </p:attrNameLst>
-                                      </p:cBhvr>
-                                      <p:to>
-                                        <p:strVal val="visible"/>
-                                      </p:to>
-                                    </p:set>
-                                  </p:childTnLst>
-                                </p:cTn>
-                              </p:par>
-                            </p:childTnLst>
-                          </p:cTn>
-                        </p:par>
-                      </p:childTnLst>
-                    </p:cTn>
-                  </p:par>
-                </p:childTnLst>
-              </p:cTn>
-              <p:prevCondLst>
-                <p:cond evt="onPrev" delay="0">
-                  <p:tgtEl>
-                    <p:sldTgt/>
-                  </p:tgtEl>
-                </p:cond>
-              </p:prevCondLst>
-              <p:nextCondLst>
-                <p:cond evt="onNext" delay="0">
-                  <p:tgtEl>
-                    <p:sldTgt/>
-                  </p:tgtEl>
-                </p:cond>
-              </p:nextCondLst>
-            </p:seq>
-          </p:childTnLst>
-        </p:cTn>
-      </p:par>
-    </p:tnLst>
-  </p:timing>
-</p:sld>
-</file>
-
-<file path=ppt/slides/slide40.xml><?xml version="1.0" encoding="utf-8"?>
+<file path=ppt/slides/slide39.xml><?xml version="1.0" encoding="utf-8"?>
 <p:sld xmlns:a="http://schemas.openxmlformats.org/drawingml/2006/main" xmlns:r="http://schemas.openxmlformats.org/officeDocument/2006/relationships" xmlns:p="http://schemas.openxmlformats.org/presentationml/2006/main">
   <p:cSld>
     <p:spTree>
@@ -20455,7 +20129,183 @@
 </p:sld>
 </file>
 
-<file path=ppt/slides/slide41.xml><?xml version="1.0" encoding="utf-8"?>
+<file path=ppt/slides/slide4.xml><?xml version="1.0" encoding="utf-8"?>
+<p:sld xmlns:a="http://schemas.openxmlformats.org/drawingml/2006/main" xmlns:r="http://schemas.openxmlformats.org/officeDocument/2006/relationships" xmlns:p="http://schemas.openxmlformats.org/presentationml/2006/main">
+  <p:cSld>
+    <p:spTree>
+      <p:nvGrpSpPr>
+        <p:cNvPr id="1" name=""/>
+        <p:cNvGrpSpPr/>
+        <p:nvPr/>
+      </p:nvGrpSpPr>
+      <p:grpSpPr>
+        <a:xfrm>
+          <a:off x="0" y="0"/>
+          <a:ext cx="0" cy="0"/>
+          <a:chOff x="0" y="0"/>
+          <a:chExt cx="0" cy="0"/>
+        </a:xfrm>
+      </p:grpSpPr>
+      <p:sp>
+        <p:nvSpPr>
+          <p:cNvPr id="8194" name="Title 1"/>
+          <p:cNvSpPr>
+            <a:spLocks noGrp="1"/>
+          </p:cNvSpPr>
+          <p:nvPr>
+            <p:ph type="title"/>
+          </p:nvPr>
+        </p:nvSpPr>
+        <p:spPr>
+          <a:xfrm>
+            <a:off x="457200" y="44450"/>
+            <a:ext cx="8229600" cy="1143000"/>
+          </a:xfrm>
+        </p:spPr>
+        <p:txBody>
+          <a:bodyPr/>
+          <a:lstStyle/>
+          <a:p>
+            <a:r>
+              <a:rPr lang="en-GB" b="1" dirty="0">
+                <a:latin typeface="Calibri" charset="0"/>
+              </a:rPr>
+              <a:t>Introducing Git</a:t>
+            </a:r>
+          </a:p>
+        </p:txBody>
+      </p:sp>
+      <p:sp>
+        <p:nvSpPr>
+          <p:cNvPr id="8195" name="Content Placeholder 2"/>
+          <p:cNvSpPr>
+            <a:spLocks noGrp="1"/>
+          </p:cNvSpPr>
+          <p:nvPr>
+            <p:ph idx="1"/>
+          </p:nvPr>
+        </p:nvSpPr>
+        <p:spPr>
+          <a:xfrm>
+            <a:off x="457200" y="1341438"/>
+            <a:ext cx="8229600" cy="4924425"/>
+          </a:xfrm>
+        </p:spPr>
+        <p:txBody>
+          <a:bodyPr/>
+          <a:lstStyle/>
+          <a:p>
+            <a:pPr>
+              <a:buFont typeface="Arial" charset="0"/>
+              <a:buNone/>
+            </a:pPr>
+            <a:r>
+              <a:rPr lang="en-GB" dirty="0">
+                <a:latin typeface="Calibri" charset="0"/>
+              </a:rPr>
+              <a:t>There are many different Version Control tools:</a:t>
+            </a:r>
+          </a:p>
+          <a:p>
+            <a:r>
+              <a:rPr lang="en-GB" b="1" dirty="0">
+                <a:latin typeface="Calibri" charset="0"/>
+              </a:rPr>
+              <a:t>SVN</a:t>
+            </a:r>
+            <a:r>
+              <a:rPr lang="en-GB" dirty="0">
+                <a:latin typeface="Calibri" charset="0"/>
+              </a:rPr>
+              <a:t> (Subversion) is very popular and (relatively) easy to grasp; eclipsed by…</a:t>
+            </a:r>
+          </a:p>
+          <a:p>
+            <a:r>
+              <a:rPr lang="en-GB" b="1" dirty="0">
+                <a:latin typeface="Calibri" charset="0"/>
+              </a:rPr>
+              <a:t>Git, </a:t>
+            </a:r>
+            <a:r>
+              <a:rPr lang="en-GB" dirty="0">
+                <a:latin typeface="Calibri" charset="0"/>
+              </a:rPr>
+              <a:t>which is also:</a:t>
+            </a:r>
+          </a:p>
+          <a:p>
+            <a:pPr lvl="1"/>
+            <a:r>
+              <a:rPr lang="en-GB" dirty="0">
+                <a:latin typeface="Calibri" charset="0"/>
+              </a:rPr>
+              <a:t>More useful for collaboration</a:t>
+            </a:r>
+          </a:p>
+          <a:p>
+            <a:pPr lvl="1"/>
+            <a:r>
+              <a:rPr lang="en-GB" dirty="0">
+                <a:latin typeface="Calibri" charset="0"/>
+              </a:rPr>
+              <a:t>Distributed and </a:t>
+            </a:r>
+            <a:r>
+              <a:rPr lang="en-GB" i="1" dirty="0">
+                <a:latin typeface="Calibri" charset="0"/>
+              </a:rPr>
+              <a:t>fast</a:t>
+            </a:r>
+          </a:p>
+          <a:p>
+            <a:pPr lvl="1"/>
+            <a:r>
+              <a:rPr lang="en-GB" dirty="0">
+                <a:latin typeface="Calibri" charset="0"/>
+              </a:rPr>
+              <a:t>Very well supported in terms of tooling</a:t>
+            </a:r>
+          </a:p>
+          <a:p>
+            <a:pPr lvl="1"/>
+            <a:r>
+              <a:rPr lang="en-GB" dirty="0">
+                <a:latin typeface="Calibri" charset="0"/>
+              </a:rPr>
+              <a:t>Has free repository hosts  on the web (GitHub, </a:t>
+            </a:r>
+            <a:r>
+              <a:rPr lang="en-GB" dirty="0" err="1">
+                <a:latin typeface="Calibri" charset="0"/>
+              </a:rPr>
+              <a:t>BitBucket</a:t>
+            </a:r>
+            <a:r>
+              <a:rPr lang="en-GB" dirty="0">
+                <a:latin typeface="Calibri" charset="0"/>
+              </a:rPr>
+              <a:t> etc.,).</a:t>
+            </a:r>
+          </a:p>
+        </p:txBody>
+      </p:sp>
+    </p:spTree>
+  </p:cSld>
+  <p:clrMapOvr>
+    <a:masterClrMapping/>
+  </p:clrMapOvr>
+  <p:timing>
+    <p:tnLst>
+      <p:par>
+        <p:cTn id="1" dur="indefinite" restart="never" nodeType="tmRoot"/>
+      </p:par>
+    </p:tnLst>
+  </p:timing>
+</p:sld>
+</file>
+
+<file path=ppt/slides/slide40.xml><?xml version="1.0" encoding="utf-8"?>
 <p:sld xmlns:a="http://schemas.openxmlformats.org/drawingml/2006/main" xmlns:r="http://schemas.openxmlformats.org/officeDocument/2006/relationships" xmlns:p="http://schemas.openxmlformats.org/presentationml/2006/main">
   <p:cSld>
     <p:spTree>
@@ -20691,7 +20541,7 @@
       </p:grpSpPr>
       <p:sp>
         <p:nvSpPr>
-          <p:cNvPr id="8194" name="Title 1"/>
+          <p:cNvPr id="9218" name="Title 1"/>
           <p:cNvSpPr>
             <a:spLocks noGrp="1"/>
           </p:cNvSpPr>
@@ -20699,12 +20549,7 @@
             <p:ph type="title"/>
           </p:nvPr>
         </p:nvSpPr>
-        <p:spPr>
-          <a:xfrm>
-            <a:off x="457200" y="44450"/>
-            <a:ext cx="8229600" cy="1143000"/>
-          </a:xfrm>
-        </p:spPr>
+        <p:spPr/>
         <p:txBody>
           <a:bodyPr/>
           <a:lstStyle/>
@@ -20713,14 +20558,14 @@
               <a:rPr lang="en-GB" b="1" dirty="0">
                 <a:latin typeface="Calibri" charset="0"/>
               </a:rPr>
-              <a:t>Introducing Git</a:t>
+              <a:t>More about Git</a:t>
             </a:r>
           </a:p>
         </p:txBody>
       </p:sp>
       <p:sp>
         <p:nvSpPr>
-          <p:cNvPr id="8195" name="Content Placeholder 2"/>
+          <p:cNvPr id="9219" name="Content Placeholder 2"/>
           <p:cNvSpPr>
             <a:spLocks noGrp="1"/>
           </p:cNvSpPr>
@@ -20728,12 +20573,7 @@
             <p:ph idx="1"/>
           </p:nvPr>
         </p:nvSpPr>
-        <p:spPr>
-          <a:xfrm>
-            <a:off x="457200" y="1341438"/>
-            <a:ext cx="8229600" cy="4924425"/>
-          </a:xfrm>
-        </p:spPr>
+        <p:spPr/>
         <p:txBody>
           <a:bodyPr/>
           <a:lstStyle/>
@@ -20746,35 +20586,35 @@
               <a:rPr lang="en-GB" dirty="0">
                 <a:latin typeface="Calibri" charset="0"/>
               </a:rPr>
-              <a:t>There are many different Version Control tools:</a:t>
-            </a:r>
-          </a:p>
-          <a:p>
-            <a:r>
-              <a:rPr lang="en-GB" b="1" dirty="0">
-                <a:latin typeface="Calibri" charset="0"/>
-              </a:rPr>
-              <a:t>SVN</a:t>
+              <a:t>Git is a </a:t>
+            </a:r>
+            <a:r>
+              <a:rPr lang="en-GB" i="1" dirty="0">
+                <a:latin typeface="Calibri" charset="0"/>
+              </a:rPr>
+              <a:t>distributed</a:t>
             </a:r>
             <a:r>
               <a:rPr lang="en-GB" dirty="0">
                 <a:latin typeface="Calibri" charset="0"/>
               </a:rPr>
-              <a:t> (Subversion) is very popular and (relatively) easy to grasp; eclipsed by…</a:t>
-            </a:r>
-          </a:p>
-          <a:p>
-            <a:r>
-              <a:rPr lang="en-GB" b="1" dirty="0">
-                <a:latin typeface="Calibri" charset="0"/>
-              </a:rPr>
-              <a:t>Git, </a:t>
-            </a:r>
+              <a:t> Version Control System (VCS):</a:t>
+            </a:r>
+          </a:p>
+          <a:p>
             <a:r>
               <a:rPr lang="en-GB" dirty="0">
                 <a:latin typeface="Calibri" charset="0"/>
               </a:rPr>
-              <a:t>which is also:</a:t>
+              <a:t>you store a complete copy of a repository within your working copy.</a:t>
+            </a:r>
+          </a:p>
+          <a:p>
+            <a:r>
+              <a:rPr lang="en-GB" dirty="0">
+                <a:latin typeface="Calibri" charset="0"/>
+              </a:rPr>
+              <a:t>this means you can work offline:</a:t>
             </a:r>
           </a:p>
           <a:p>
@@ -20783,52 +20623,19 @@
               <a:rPr lang="en-GB" dirty="0">
                 <a:latin typeface="Calibri" charset="0"/>
               </a:rPr>
-              <a:t>More useful for collaboration</a:t>
-            </a:r>
-          </a:p>
-          <a:p>
-            <a:pPr lvl="1"/>
+              <a:t>there is no default </a:t>
+            </a:r>
+            <a:r>
+              <a:rPr lang="en-GB" dirty="0" smtClean="0">
+                <a:latin typeface="Calibri" charset="0"/>
+              </a:rPr>
+              <a:t>'central' </a:t>
+            </a:r>
             <a:r>
               <a:rPr lang="en-GB" dirty="0">
                 <a:latin typeface="Calibri" charset="0"/>
               </a:rPr>
-              <a:t>Distributed and </a:t>
-            </a:r>
-            <a:r>
-              <a:rPr lang="en-GB" i="1" dirty="0">
-                <a:latin typeface="Calibri" charset="0"/>
-              </a:rPr>
-              <a:t>fast</a:t>
-            </a:r>
-          </a:p>
-          <a:p>
-            <a:pPr lvl="1"/>
-            <a:r>
-              <a:rPr lang="en-GB" dirty="0">
-                <a:latin typeface="Calibri" charset="0"/>
-              </a:rPr>
-              <a:t>Very well supported in terms of tooling</a:t>
-            </a:r>
-          </a:p>
-          <a:p>
-            <a:pPr lvl="1"/>
-            <a:r>
-              <a:rPr lang="en-GB" dirty="0">
-                <a:latin typeface="Calibri" charset="0"/>
-              </a:rPr>
-              <a:t>Has free repository hosts  on the web (GitHub, </a:t>
-            </a:r>
-            <a:r>
-              <a:rPr lang="en-GB" dirty="0" err="1">
-                <a:latin typeface="Calibri" charset="0"/>
-              </a:rPr>
-              <a:t>BitBucket</a:t>
-            </a:r>
-            <a:r>
-              <a:rPr lang="en-GB" dirty="0">
-                <a:latin typeface="Calibri" charset="0"/>
-              </a:rPr>
-              <a:t> etc.,).</a:t>
+              <a:t>server - if you want one, you (and your team) just nominate where it is - typically GitHub!</a:t>
             </a:r>
           </a:p>
         </p:txBody>
@@ -20867,139 +20674,6 @@
       </p:grpSpPr>
       <p:sp>
         <p:nvSpPr>
-          <p:cNvPr id="9218" name="Title 1"/>
-          <p:cNvSpPr>
-            <a:spLocks noGrp="1"/>
-          </p:cNvSpPr>
-          <p:nvPr>
-            <p:ph type="title"/>
-          </p:nvPr>
-        </p:nvSpPr>
-        <p:spPr/>
-        <p:txBody>
-          <a:bodyPr/>
-          <a:lstStyle/>
-          <a:p>
-            <a:r>
-              <a:rPr lang="en-GB" b="1" dirty="0">
-                <a:latin typeface="Calibri" charset="0"/>
-              </a:rPr>
-              <a:t>More about Git</a:t>
-            </a:r>
-          </a:p>
-        </p:txBody>
-      </p:sp>
-      <p:sp>
-        <p:nvSpPr>
-          <p:cNvPr id="9219" name="Content Placeholder 2"/>
-          <p:cNvSpPr>
-            <a:spLocks noGrp="1"/>
-          </p:cNvSpPr>
-          <p:nvPr>
-            <p:ph idx="1"/>
-          </p:nvPr>
-        </p:nvSpPr>
-        <p:spPr/>
-        <p:txBody>
-          <a:bodyPr/>
-          <a:lstStyle/>
-          <a:p>
-            <a:pPr>
-              <a:buFont typeface="Arial" charset="0"/>
-              <a:buNone/>
-            </a:pPr>
-            <a:r>
-              <a:rPr lang="en-GB" dirty="0">
-                <a:latin typeface="Calibri" charset="0"/>
-              </a:rPr>
-              <a:t>Git is a </a:t>
-            </a:r>
-            <a:r>
-              <a:rPr lang="en-GB" i="1" dirty="0">
-                <a:latin typeface="Calibri" charset="0"/>
-              </a:rPr>
-              <a:t>distributed</a:t>
-            </a:r>
-            <a:r>
-              <a:rPr lang="en-GB" dirty="0">
-                <a:latin typeface="Calibri" charset="0"/>
-              </a:rPr>
-              <a:t> Version Control System (VCS):</a:t>
-            </a:r>
-          </a:p>
-          <a:p>
-            <a:r>
-              <a:rPr lang="en-GB" dirty="0">
-                <a:latin typeface="Calibri" charset="0"/>
-              </a:rPr>
-              <a:t>you store a complete copy of a repository within your working copy.</a:t>
-            </a:r>
-          </a:p>
-          <a:p>
-            <a:r>
-              <a:rPr lang="en-GB" dirty="0">
-                <a:latin typeface="Calibri" charset="0"/>
-              </a:rPr>
-              <a:t>this means you can work offline:</a:t>
-            </a:r>
-          </a:p>
-          <a:p>
-            <a:pPr lvl="1"/>
-            <a:r>
-              <a:rPr lang="en-GB" dirty="0">
-                <a:latin typeface="Calibri" charset="0"/>
-              </a:rPr>
-              <a:t>there is no default </a:t>
-            </a:r>
-            <a:r>
-              <a:rPr lang="en-GB" dirty="0" smtClean="0">
-                <a:latin typeface="Calibri" charset="0"/>
-              </a:rPr>
-              <a:t>'central' </a:t>
-            </a:r>
-            <a:r>
-              <a:rPr lang="en-GB" dirty="0">
-                <a:latin typeface="Calibri" charset="0"/>
-              </a:rPr>
-              <a:t>server - if you want one, you (and your team) just nominate where it is - typically GitHub!</a:t>
-            </a:r>
-          </a:p>
-        </p:txBody>
-      </p:sp>
-    </p:spTree>
-  </p:cSld>
-  <p:clrMapOvr>
-    <a:masterClrMapping/>
-  </p:clrMapOvr>
-  <p:timing>
-    <p:tnLst>
-      <p:par>
-        <p:cTn id="1" dur="indefinite" restart="never" nodeType="tmRoot"/>
-      </p:par>
-    </p:tnLst>
-  </p:timing>
-</p:sld>
-</file>
-
-<file path=ppt/slides/slide7.xml><?xml version="1.0" encoding="utf-8"?>
-<p:sld xmlns:a="http://schemas.openxmlformats.org/drawingml/2006/main" xmlns:r="http://schemas.openxmlformats.org/officeDocument/2006/relationships" xmlns:p="http://schemas.openxmlformats.org/presentationml/2006/main">
-  <p:cSld>
-    <p:spTree>
-      <p:nvGrpSpPr>
-        <p:cNvPr id="1" name=""/>
-        <p:cNvGrpSpPr/>
-        <p:nvPr/>
-      </p:nvGrpSpPr>
-      <p:grpSpPr>
-        <a:xfrm>
-          <a:off x="0" y="0"/>
-          <a:ext cx="0" cy="0"/>
-          <a:chOff x="0" y="0"/>
-          <a:chExt cx="0" cy="0"/>
-        </a:xfrm>
-      </p:grpSpPr>
-      <p:sp>
-        <p:nvSpPr>
           <p:cNvPr id="2" name="Title 1"/>
           <p:cNvSpPr>
             <a:spLocks noGrp="1"/>
@@ -21081,7 +20755,7 @@
 </p:sld>
 </file>
 
-<file path=ppt/slides/slide8.xml><?xml version="1.0" encoding="utf-8"?>
+<file path=ppt/slides/slide7.xml><?xml version="1.0" encoding="utf-8"?>
 <p:sld xmlns:a="http://schemas.openxmlformats.org/drawingml/2006/main" xmlns:r="http://schemas.openxmlformats.org/officeDocument/2006/relationships" xmlns:p="http://schemas.openxmlformats.org/presentationml/2006/main">
   <p:cSld>
     <p:spTree>
@@ -21131,14 +20805,11 @@
               <a:t> Introducing </a:t>
             </a:r>
             <a:r>
-              <a:rPr lang="en-GB" dirty="0" err="1">
+              <a:rPr lang="en-GB" dirty="0">
                 <a:latin typeface="Calibri" charset="0"/>
               </a:rPr>
               <a:t>GitHub</a:t>
             </a:r>
-            <a:endParaRPr lang="en-GB" dirty="0">
-              <a:latin typeface="Calibri" charset="0"/>
-            </a:endParaRPr>
           </a:p>
         </p:txBody>
       </p:sp>
@@ -21365,7 +21036,7 @@
 </p:sld>
 </file>
 
-<file path=ppt/slides/slide9.xml><?xml version="1.0" encoding="utf-8"?>
+<file path=ppt/slides/slide8.xml><?xml version="1.0" encoding="utf-8"?>
 <p:sld xmlns:a="http://schemas.openxmlformats.org/drawingml/2006/main" xmlns:r="http://schemas.openxmlformats.org/officeDocument/2006/relationships" xmlns:p="http://schemas.openxmlformats.org/presentationml/2006/main">
   <p:cSld>
     <p:spTree>
@@ -21460,6 +21131,102 @@
           <a:xfrm>
             <a:off x="971550" y="1557338"/>
             <a:ext cx="6959600" cy="4319587"/>
+          </a:xfrm>
+          <a:noFill/>
+          <a:ln>
+            <a:solidFill>
+              <a:schemeClr val="tx1"/>
+            </a:solidFill>
+            <a:miter lim="800000"/>
+            <a:headEnd/>
+            <a:tailEnd/>
+          </a:ln>
+          <a:extLst>
+            <a:ext uri="{909E8E84-426E-40dd-AFC4-6F175D3DCCD1}">
+              <a14:hiddenFill xmlns:a14="http://schemas.microsoft.com/office/drawing/2010/main" xmlns="">
+                <a:solidFill>
+                  <a:schemeClr val="accent1"/>
+                </a:solidFill>
+              </a14:hiddenFill>
+            </a:ext>
+          </a:extLst>
+        </p:spPr>
+      </p:pic>
+    </p:spTree>
+  </p:cSld>
+  <p:clrMapOvr>
+    <a:masterClrMapping/>
+  </p:clrMapOvr>
+</p:sld>
+</file>
+
+<file path=ppt/slides/slide9.xml><?xml version="1.0" encoding="utf-8"?>
+<p:sld xmlns:a="http://schemas.openxmlformats.org/drawingml/2006/main" xmlns:r="http://schemas.openxmlformats.org/officeDocument/2006/relationships" xmlns:p="http://schemas.openxmlformats.org/presentationml/2006/main">
+  <p:cSld>
+    <p:spTree>
+      <p:nvGrpSpPr>
+        <p:cNvPr id="1" name=""/>
+        <p:cNvGrpSpPr/>
+        <p:nvPr/>
+      </p:nvGrpSpPr>
+      <p:grpSpPr>
+        <a:xfrm>
+          <a:off x="0" y="0"/>
+          <a:ext cx="0" cy="0"/>
+          <a:chOff x="0" y="0"/>
+          <a:chExt cx="0" cy="0"/>
+        </a:xfrm>
+      </p:grpSpPr>
+      <p:sp>
+        <p:nvSpPr>
+          <p:cNvPr id="12290" name="Title 1"/>
+          <p:cNvSpPr>
+            <a:spLocks noGrp="1"/>
+          </p:cNvSpPr>
+          <p:nvPr>
+            <p:ph type="title"/>
+          </p:nvPr>
+        </p:nvSpPr>
+        <p:spPr/>
+        <p:txBody>
+          <a:bodyPr/>
+          <a:lstStyle/>
+          <a:p>
+            <a:r>
+              <a:rPr lang="en-GB" dirty="0">
+                <a:latin typeface="Calibri" charset="0"/>
+              </a:rPr>
+              <a:t>GitHub: organisations</a:t>
+            </a:r>
+          </a:p>
+        </p:txBody>
+      </p:sp>
+      <p:pic>
+        <p:nvPicPr>
+          <p:cNvPr id="12291" name="Picture 2"/>
+          <p:cNvPicPr>
+            <a:picLocks noGrp="1" noChangeAspect="1" noChangeArrowheads="1"/>
+          </p:cNvPicPr>
+          <p:nvPr>
+            <p:ph idx="1"/>
+          </p:nvPr>
+        </p:nvPicPr>
+        <p:blipFill>
+          <a:blip r:embed="rId3" cstate="email">
+            <a:extLst>
+              <a:ext uri="{28A0092B-C50C-407E-A947-70E740481C1C}">
+                <a14:useLocalDpi xmlns:a14="http://schemas.microsoft.com/office/drawing/2010/main" val="0"/>
+              </a:ext>
+            </a:extLst>
+          </a:blip>
+          <a:stretch>
+            <a:fillRect/>
+          </a:stretch>
+        </p:blipFill>
+        <p:spPr>
+          <a:xfrm>
+            <a:off x="1537068" y="1383204"/>
+            <a:ext cx="6096851" cy="4334480"/>
           </a:xfrm>
           <a:noFill/>
           <a:ln>
